--- a/GMM_vs_KM.pptx
+++ b/GMM_vs_KM.pptx
@@ -5,8 +5,30 @@
     <p:sldMasterId id="2147483660" r:id="rId1"/>
   </p:sldMasterIdLst>
   <p:sldIdLst>
-    <p:sldId id="257" r:id="rId2"/>
-    <p:sldId id="258" r:id="rId3"/>
+    <p:sldId id="258" r:id="rId2"/>
+    <p:sldId id="257" r:id="rId3"/>
+    <p:sldId id="260" r:id="rId4"/>
+    <p:sldId id="259" r:id="rId5"/>
+    <p:sldId id="262" r:id="rId6"/>
+    <p:sldId id="263" r:id="rId7"/>
+    <p:sldId id="264" r:id="rId8"/>
+    <p:sldId id="266" r:id="rId9"/>
+    <p:sldId id="282" r:id="rId10"/>
+    <p:sldId id="267" r:id="rId11"/>
+    <p:sldId id="268" r:id="rId12"/>
+    <p:sldId id="269" r:id="rId13"/>
+    <p:sldId id="270" r:id="rId14"/>
+    <p:sldId id="271" r:id="rId15"/>
+    <p:sldId id="272" r:id="rId16"/>
+    <p:sldId id="273" r:id="rId17"/>
+    <p:sldId id="274" r:id="rId18"/>
+    <p:sldId id="275" r:id="rId19"/>
+    <p:sldId id="276" r:id="rId20"/>
+    <p:sldId id="278" r:id="rId21"/>
+    <p:sldId id="279" r:id="rId22"/>
+    <p:sldId id="280" r:id="rId23"/>
+    <p:sldId id="281" r:id="rId24"/>
+    <p:sldId id="261" r:id="rId25"/>
   </p:sldIdLst>
   <p:sldSz cx="9144000" cy="5143500" type="screen16x9"/>
   <p:notesSz cx="6858000" cy="9144000"/>
@@ -1111,7 +1133,7 @@
           <a:p>
             <a:fld id="{03D96A2D-6F86-4E01-B286-D8E27A6F4423}" type="datetimeFigureOut">
               <a:rPr lang="ru-RU" smtClean="0"/>
-              <a:t>04.05.2018</a:t>
+              <a:t>09.06.2018</a:t>
             </a:fld>
             <a:endParaRPr lang="ru-RU"/>
           </a:p>
@@ -1581,7 +1603,7 @@
           <a:p>
             <a:fld id="{03D96A2D-6F86-4E01-B286-D8E27A6F4423}" type="datetimeFigureOut">
               <a:rPr lang="ru-RU" smtClean="0"/>
-              <a:t>04.05.2018</a:t>
+              <a:t>09.06.2018</a:t>
             </a:fld>
             <a:endParaRPr lang="ru-RU"/>
           </a:p>
@@ -1650,6 +1672,258 @@
 </file>
 
 <file path=ppt/slideLayouts/slideLayout12.xml><?xml version="1.0" encoding="utf-8"?>
+<p:sldLayout xmlns:a="http://schemas.openxmlformats.org/drawingml/2006/main" xmlns:r="http://schemas.openxmlformats.org/officeDocument/2006/relationships" xmlns:p="http://schemas.openxmlformats.org/presentationml/2006/main" preserve="1" userDrawn="1">
+  <p:cSld name="5_Текст/Текст+ Рисунок">
+    <p:spTree>
+      <p:nvGrpSpPr>
+        <p:cNvPr id="1" name=""/>
+        <p:cNvGrpSpPr/>
+        <p:nvPr/>
+      </p:nvGrpSpPr>
+      <p:grpSpPr>
+        <a:xfrm>
+          <a:off x="0" y="0"/>
+          <a:ext cx="0" cy="0"/>
+          <a:chOff x="0" y="0"/>
+          <a:chExt cx="0" cy="0"/>
+        </a:xfrm>
+      </p:grpSpPr>
+      <p:sp>
+        <p:nvSpPr>
+          <p:cNvPr id="5" name="Рисунок 4"/>
+          <p:cNvSpPr>
+            <a:spLocks noGrp="1"/>
+          </p:cNvSpPr>
+          <p:nvPr>
+            <p:ph type="pic" sz="quarter" idx="20"/>
+          </p:nvPr>
+        </p:nvSpPr>
+        <p:spPr>
+          <a:xfrm>
+            <a:off x="4572000" y="915566"/>
+            <a:ext cx="4464496" cy="3816424"/>
+          </a:xfrm>
+          <a:prstGeom prst="rect">
+            <a:avLst/>
+          </a:prstGeom>
+        </p:spPr>
+        <p:txBody>
+          <a:bodyPr lIns="76756" tIns="38378" rIns="76756" bIns="38378"/>
+          <a:lstStyle/>
+          <a:p>
+            <a:r>
+              <a:rPr lang="ru-RU" smtClean="0"/>
+              <a:t>Вставка рисунка</a:t>
+            </a:r>
+            <a:endParaRPr lang="ru-RU" dirty="0"/>
+          </a:p>
+        </p:txBody>
+      </p:sp>
+      <p:sp>
+        <p:nvSpPr>
+          <p:cNvPr id="11" name="Title 13"/>
+          <p:cNvSpPr>
+            <a:spLocks noGrp="1"/>
+          </p:cNvSpPr>
+          <p:nvPr>
+            <p:ph type="ctrTitle" hasCustomPrompt="1"/>
+          </p:nvPr>
+        </p:nvSpPr>
+        <p:spPr>
+          <a:xfrm>
+            <a:off x="252001" y="113476"/>
+            <a:ext cx="6696264" cy="291470"/>
+          </a:xfrm>
+          <a:prstGeom prst="rect">
+            <a:avLst/>
+          </a:prstGeom>
+        </p:spPr>
+        <p:txBody>
+          <a:bodyPr lIns="112033" tIns="56016" rIns="112033" bIns="56016" anchor="ctr" anchorCtr="0">
+            <a:noAutofit/>
+          </a:bodyPr>
+          <a:lstStyle>
+            <a:lvl1pPr algn="l">
+              <a:defRPr lang="en-US" sz="2900" b="1" dirty="0">
+                <a:solidFill>
+                  <a:schemeClr val="tx1">
+                    <a:lumMod val="75000"/>
+                    <a:lumOff val="25000"/>
+                  </a:schemeClr>
+                </a:solidFill>
+                <a:latin typeface="Arial" pitchFamily="34" charset="0"/>
+                <a:cs typeface="Arial" pitchFamily="34" charset="0"/>
+              </a:defRPr>
+            </a:lvl1pPr>
+          </a:lstStyle>
+          <a:p>
+            <a:pPr marL="0" lvl="0" algn="l"/>
+            <a:r>
+              <a:rPr kumimoji="0" lang="ru-RU" dirty="0" smtClean="0"/>
+              <a:t>Заголовок</a:t>
+            </a:r>
+            <a:endParaRPr kumimoji="0" lang="en-US" dirty="0"/>
+          </a:p>
+        </p:txBody>
+      </p:sp>
+      <p:sp>
+        <p:nvSpPr>
+          <p:cNvPr id="10" name="Рисунок 4"/>
+          <p:cNvSpPr>
+            <a:spLocks noGrp="1"/>
+          </p:cNvSpPr>
+          <p:nvPr>
+            <p:ph type="pic" sz="quarter" idx="22"/>
+          </p:nvPr>
+        </p:nvSpPr>
+        <p:spPr>
+          <a:xfrm>
+            <a:off x="107504" y="915566"/>
+            <a:ext cx="4392488" cy="3816424"/>
+          </a:xfrm>
+          <a:prstGeom prst="rect">
+            <a:avLst/>
+          </a:prstGeom>
+        </p:spPr>
+        <p:txBody>
+          <a:bodyPr lIns="76756" tIns="38378" rIns="76756" bIns="38378"/>
+          <a:lstStyle/>
+          <a:p>
+            <a:r>
+              <a:rPr lang="ru-RU" smtClean="0"/>
+              <a:t>Вставка рисунка</a:t>
+            </a:r>
+            <a:endParaRPr lang="ru-RU" dirty="0"/>
+          </a:p>
+        </p:txBody>
+      </p:sp>
+      <p:sp>
+        <p:nvSpPr>
+          <p:cNvPr id="12" name="Текст 25" title="Подзаголовок"/>
+          <p:cNvSpPr>
+            <a:spLocks noGrp="1"/>
+          </p:cNvSpPr>
+          <p:nvPr>
+            <p:ph type="body" sz="quarter" idx="26" hasCustomPrompt="1"/>
+          </p:nvPr>
+        </p:nvSpPr>
+        <p:spPr>
+          <a:xfrm>
+            <a:off x="251520" y="450894"/>
+            <a:ext cx="7776864" cy="320656"/>
+          </a:xfrm>
+          <a:prstGeom prst="rect">
+            <a:avLst/>
+          </a:prstGeom>
+        </p:spPr>
+        <p:txBody>
+          <a:bodyPr/>
+          <a:lstStyle>
+            <a:lvl1pPr marL="0" indent="0">
+              <a:buNone/>
+              <a:defRPr sz="2000" b="1">
+                <a:solidFill>
+                  <a:srgbClr val="00B0F0"/>
+                </a:solidFill>
+              </a:defRPr>
+            </a:lvl1pPr>
+          </a:lstStyle>
+          <a:p>
+            <a:pPr lvl="0"/>
+            <a:r>
+              <a:rPr lang="ru-RU" dirty="0" smtClean="0"/>
+              <a:t>Подзаголовок</a:t>
+            </a:r>
+            <a:endParaRPr lang="ru-RU" dirty="0"/>
+          </a:p>
+        </p:txBody>
+      </p:sp>
+      <p:sp>
+        <p:nvSpPr>
+          <p:cNvPr id="2" name="Дата 1"/>
+          <p:cNvSpPr>
+            <a:spLocks noGrp="1"/>
+          </p:cNvSpPr>
+          <p:nvPr>
+            <p:ph type="dt" sz="quarter" idx="27"/>
+          </p:nvPr>
+        </p:nvSpPr>
+        <p:spPr/>
+        <p:txBody>
+          <a:bodyPr/>
+          <a:lstStyle/>
+          <a:p>
+            <a:fld id="{03D96A2D-6F86-4E01-B286-D8E27A6F4423}" type="datetimeFigureOut">
+              <a:rPr lang="ru-RU" smtClean="0"/>
+              <a:t>09.06.2018</a:t>
+            </a:fld>
+            <a:endParaRPr lang="ru-RU"/>
+          </a:p>
+        </p:txBody>
+      </p:sp>
+      <p:sp>
+        <p:nvSpPr>
+          <p:cNvPr id="4" name="Нижний колонтитул 3"/>
+          <p:cNvSpPr>
+            <a:spLocks noGrp="1"/>
+          </p:cNvSpPr>
+          <p:nvPr>
+            <p:ph type="ftr" sz="quarter" idx="28"/>
+          </p:nvPr>
+        </p:nvSpPr>
+        <p:spPr/>
+        <p:txBody>
+          <a:bodyPr/>
+          <a:lstStyle/>
+          <a:p>
+            <a:endParaRPr lang="ru-RU"/>
+          </a:p>
+        </p:txBody>
+      </p:sp>
+      <p:sp>
+        <p:nvSpPr>
+          <p:cNvPr id="6" name="Номер слайда 5"/>
+          <p:cNvSpPr>
+            <a:spLocks noGrp="1"/>
+          </p:cNvSpPr>
+          <p:nvPr>
+            <p:ph type="sldNum" sz="quarter" idx="29"/>
+          </p:nvPr>
+        </p:nvSpPr>
+        <p:spPr/>
+        <p:txBody>
+          <a:bodyPr/>
+          <a:lstStyle/>
+          <a:p>
+            <a:fld id="{818D2640-B695-462D-B71B-B488297291E2}" type="slidenum">
+              <a:rPr lang="ru-RU" smtClean="0"/>
+              <a:t>‹#›</a:t>
+            </a:fld>
+            <a:endParaRPr lang="ru-RU"/>
+          </a:p>
+        </p:txBody>
+      </p:sp>
+    </p:spTree>
+    <p:extLst>
+      <p:ext uri="{BB962C8B-B14F-4D97-AF65-F5344CB8AC3E}">
+        <p14:creationId xmlns:p14="http://schemas.microsoft.com/office/powerpoint/2010/main" val="4282411503"/>
+      </p:ext>
+    </p:extLst>
+  </p:cSld>
+  <p:clrMapOvr>
+    <a:masterClrMapping/>
+  </p:clrMapOvr>
+  <p:timing>
+    <p:tnLst>
+      <p:par>
+        <p:cTn id="1" dur="indefinite" restart="never" nodeType="tmRoot"/>
+      </p:par>
+    </p:tnLst>
+  </p:timing>
+</p:sldLayout>
+</file>
+
+<file path=ppt/slideLayouts/slideLayout13.xml><?xml version="1.0" encoding="utf-8"?>
 <p:sldLayout xmlns:a="http://schemas.openxmlformats.org/drawingml/2006/main" xmlns:r="http://schemas.openxmlformats.org/officeDocument/2006/relationships" xmlns:p="http://schemas.openxmlformats.org/presentationml/2006/main" preserve="1">
   <p:cSld name="4_Текст/Текст+ Рисунок">
     <p:spTree>
@@ -1973,7 +2247,7 @@
           <a:p>
             <a:fld id="{03D96A2D-6F86-4E01-B286-D8E27A6F4423}" type="datetimeFigureOut">
               <a:rPr lang="ru-RU" smtClean="0"/>
-              <a:t>04.05.2018</a:t>
+              <a:t>09.06.2018</a:t>
             </a:fld>
             <a:endParaRPr lang="ru-RU"/>
           </a:p>
@@ -2041,7 +2315,7 @@
 </p:sldLayout>
 </file>
 
-<file path=ppt/slideLayouts/slideLayout13.xml><?xml version="1.0" encoding="utf-8"?>
+<file path=ppt/slideLayouts/slideLayout14.xml><?xml version="1.0" encoding="utf-8"?>
 <p:sldLayout xmlns:a="http://schemas.openxmlformats.org/drawingml/2006/main" xmlns:r="http://schemas.openxmlformats.org/officeDocument/2006/relationships" xmlns:p="http://schemas.openxmlformats.org/presentationml/2006/main" preserve="1">
   <p:cSld name="2_Текст/Текст+ Рисунок">
     <p:spTree>
@@ -2723,7 +2997,7 @@
           <a:p>
             <a:fld id="{03D96A2D-6F86-4E01-B286-D8E27A6F4423}" type="datetimeFigureOut">
               <a:rPr lang="ru-RU" smtClean="0"/>
-              <a:t>04.05.2018</a:t>
+              <a:t>09.06.2018</a:t>
             </a:fld>
             <a:endParaRPr lang="ru-RU"/>
           </a:p>
@@ -2791,7 +3065,7 @@
 </p:sldLayout>
 </file>
 
-<file path=ppt/slideLayouts/slideLayout14.xml><?xml version="1.0" encoding="utf-8"?>
+<file path=ppt/slideLayouts/slideLayout15.xml><?xml version="1.0" encoding="utf-8"?>
 <p:sldLayout xmlns:a="http://schemas.openxmlformats.org/drawingml/2006/main" xmlns:r="http://schemas.openxmlformats.org/officeDocument/2006/relationships" xmlns:p="http://schemas.openxmlformats.org/presentationml/2006/main" showMasterSp="0" preserve="1">
   <p:cSld name="1_Back">
     <p:bg>
@@ -4082,7 +4356,7 @@
           <a:p>
             <a:fld id="{03D96A2D-6F86-4E01-B286-D8E27A6F4423}" type="datetimeFigureOut">
               <a:rPr lang="ru-RU" smtClean="0"/>
-              <a:t>04.05.2018</a:t>
+              <a:t>09.06.2018</a:t>
             </a:fld>
             <a:endParaRPr lang="ru-RU"/>
           </a:p>
@@ -4355,7 +4629,7 @@
           <a:p>
             <a:fld id="{03D96A2D-6F86-4E01-B286-D8E27A6F4423}" type="datetimeFigureOut">
               <a:rPr lang="ru-RU" smtClean="0"/>
-              <a:t>04.05.2018</a:t>
+              <a:t>09.06.2018</a:t>
             </a:fld>
             <a:endParaRPr lang="ru-RU"/>
           </a:p>
@@ -4737,7 +5011,7 @@
           <a:p>
             <a:fld id="{03D96A2D-6F86-4E01-B286-D8E27A6F4423}" type="datetimeFigureOut">
               <a:rPr lang="ru-RU" smtClean="0"/>
-              <a:t>04.05.2018</a:t>
+              <a:t>09.06.2018</a:t>
             </a:fld>
             <a:endParaRPr lang="ru-RU"/>
           </a:p>
@@ -6157,7 +6431,7 @@
           <a:p>
             <a:fld id="{03D96A2D-6F86-4E01-B286-D8E27A6F4423}" type="datetimeFigureOut">
               <a:rPr lang="ru-RU" smtClean="0"/>
-              <a:t>04.05.2018</a:t>
+              <a:t>09.06.2018</a:t>
             </a:fld>
             <a:endParaRPr lang="ru-RU"/>
           </a:p>
@@ -6596,7 +6870,7 @@
           <a:p>
             <a:fld id="{03D96A2D-6F86-4E01-B286-D8E27A6F4423}" type="datetimeFigureOut">
               <a:rPr lang="ru-RU" smtClean="0"/>
-              <a:t>04.05.2018</a:t>
+              <a:t>09.06.2018</a:t>
             </a:fld>
             <a:endParaRPr lang="ru-RU"/>
           </a:p>
@@ -6695,7 +6969,7 @@
           <p:nvPr/>
         </p:nvPicPr>
         <p:blipFill rotWithShape="1">
-          <a:blip r:embed="rId16">
+          <a:blip r:embed="rId17">
             <a:extLst>
               <a:ext uri="{28A0092B-C50C-407E-A947-70E740481C1C}">
                 <a14:useLocalDpi xmlns:a14="http://schemas.microsoft.com/office/drawing/2010/main" val="0"/>
@@ -6762,7 +7036,7 @@
           <a:p>
             <a:fld id="{03D96A2D-6F86-4E01-B286-D8E27A6F4423}" type="datetimeFigureOut">
               <a:rPr lang="ru-RU" smtClean="0"/>
-              <a:t>04.05.2018</a:t>
+              <a:t>09.06.2018</a:t>
             </a:fld>
             <a:endParaRPr lang="ru-RU"/>
           </a:p>
@@ -7027,9 +7301,10 @@
     <p:sldLayoutId id="2147483669" r:id="rId9"/>
     <p:sldLayoutId id="2147483670" r:id="rId10"/>
     <p:sldLayoutId id="2147483671" r:id="rId11"/>
-    <p:sldLayoutId id="2147483672" r:id="rId12"/>
-    <p:sldLayoutId id="2147483673" r:id="rId13"/>
-    <p:sldLayoutId id="2147483674" r:id="rId14"/>
+    <p:sldLayoutId id="2147483675" r:id="rId12"/>
+    <p:sldLayoutId id="2147483672" r:id="rId13"/>
+    <p:sldLayoutId id="2147483673" r:id="rId14"/>
+    <p:sldLayoutId id="2147483674" r:id="rId15"/>
   </p:sldLayoutIdLst>
   <p:timing>
     <p:tnLst>
@@ -7379,6 +7654,2180 @@
           <a:p>
             <a:r>
               <a:rPr lang="en-US" dirty="0" smtClean="0"/>
+              <a:t>K-means clustering</a:t>
+            </a:r>
+            <a:endParaRPr lang="ru-RU" dirty="0"/>
+          </a:p>
+        </p:txBody>
+      </p:sp>
+      <p:sp>
+        <p:nvSpPr>
+          <p:cNvPr id="11" name="AutoShape 2" descr="data:image/png;base64,iVBORw0KGgoAAAANSUhEUgAAAjUAAAH0CAMAAADylywmAAABlVBMVEUAAAAAAAsAABUAACsAAFUAAKoACwAACysAC1UAC4AAFQAAFSsAFVUAFYAAFaoAICsAIFUAINQAKwsAKyAAKysAK1UAK4AAK/8ANYAANf8AQKoAQNQAQP8AVQAAVQsAVRUAVSsAVVUAVYAAVaoAgAsAgCsAgDUAgNQAqhUAqkAAqlUAqv8A1CAA1DUA1EAA1IAA1NQA1P8A/ysA/zUA/0AA/6oA/9QA//8VAAAVACsVAKoVANQVKwAVgAArAAArACsrAFUrAIArAKorAP8rKwArK1UrK4ArVQArVaorgNQrqgBAACtAAFVAAIBAAKpAAP9AKwBAVQBA1ABVAABVACtVAFVVAP9VKwBVK4BVVQBVVapVgABVqv9V/wBrACtrAFVrAIBrANRrAP9rgABrqgBr/wCAAACAAFWAAICAAKqAANSAAP+AKwCAKyuAK1WAVQCAgCuAqgCAqoCA1ACA1NSA1P+A/wCqAACqVQCqVSuq///UAADUgCvU1IDU////AAD/AL//qlX/vwD/1ID//6r//9T////T5YA3AAAACXBIWXMAAAsSAAALEgHS3X78AAAgAElEQVR4nO2di5/c1nXfkSzd+iFbSRzqxWFMec1E3HVFk53lsFY9flCRSioNaw6llCnFtnG9JD1S6sQmdiOywi53uX93cXFf59x7gcEdAPPA/H4fLmcHg3uBuee7OOe+kzMIilWy7BuA1lCgBooXqIHiBWqgeIEaKF6gBooXqIHiBWqgeIEaKF6gBooXqIHiBWqgeIEaKF6gBooXqIHiBWqgeIEaKF6gBooXqIHiBWqgeIEaKF6gBooXqIHiBWqgeIEaKF6gBooXqIHiBWqgeIEaKF6gBooXqIHiBWqgeIEaKF6gBooXqIHiBWqgeIEaKF6gBooXqIHiBWqgeIEaKF6gBooXqIHiBWqgeIEaKF6gBooXqIHiBWqgeIEaKF6gBooXqIHiBWqgeIEaKF6gBooXqIHiBWqgeIEaKF6gBopXE2oSaA3UGirU8ktKCy1IoAaKF6iB4gVqoHiBGiheoAaKF6iB4gVqoHiBGiheoAaKF6iB4gVqoHiBGiheoAaKF6iB4gVqoHiBGiheoGZ1lGUvCx0JLftmKgVqVkegZilp11WZlaTmJcGneFOW8mVYXd8wqFkBgZp6mZ6Mi6Hu575azA2tqNJ0WsgwMxppL2VkyamSIk7n0/WNL4eaV188LF6P3/g6Om2PBGqiMj399Cv2GpO2FxKsSGZGIeWGT3MF0JCv7KA4XZydyl/6S83GP2tAzTyZnk42NK6ZcklIBoOB5mWgfxcY2CBZnSrfDIeDQf4yGIhf9GHGXNffAnWoxQrUdJJpT6nxUKHUFLQE3JTghpxXuCGL0nCo8NHMiJNHKvNuvw1q3osRqGme6QZFw8qisoItIlbCjBcLy5jWUCMSiKiZSOQy1BLuTPumjDIzHHb7pVDz7ligprVMN+BZY5vcCBXSriweligogBg14pDDjDhV4GLI0bkXh8XJOv9uvxxq3h0J1CwyU1ADahabdnVk+oZcagwGkglDjY1sWLBDEuhk4nNCjWzNKd4QBKfdttmg5t2JQE0HmfY5GjZ91JoY1bTCnBL3USPLjKFGfuJQI96KnEx7jeayOKTP6L7fGzXvtgVqusq0r8+aIy3roUzjirC3bur14uEiCmag6F8daVSUf5JNxTLr4qjtuurye6Lm3aZAzZIyXVtqjo4YMzYaZpIexqeG18fTIDGWGxMJi6TB63QLDqhpS6Cm80x7VvPmuOTSfdFiFMzAviGVZCrS8mdwsZVoDzPpmoxGIfWRmr5Fw6BmEZkGat6dbuzQoRxeBlaKGEqN8TGci0jZKndWwkw/qenRswbULC7TftS8Wfg7KFNmuxjl6JipZkZ3Rk7tyBgHD/bW6W2oVC+p6SbtogVqViXT9aGmHjOMGtK3YKkxKGgyClGE9JBh0+3JZKY16NHH0nkVDrOjr76kaHhye+60KyNQs+BMTz/9ffJwzrQrI1Cz4ExFjfswFAuvCzVOA00FMwNr1OEwwIxDDSHFHiLNMvIjNmiH4UO56S6yWWZ7TV6R8sEBNaCmRIFxNbXTLl0lzTOzqLHtNVPbVkOombIPU+ulvEZg1b4sftWHi//llRbRE4U6VLRADaiJUr3wd8B7oUaSGR3nMndEWmS09wrMYWDcmGQ0RlYuS1NDWo87KYel9Xk/fPVFkvgdCqAG1JRJ9EMd5lXvk4/Wpx+qbkWbUENCU2nzqStSn7bOikGkvZWROcN2fLOYmDHTK2ryaPjVl8/Wa7Q5qLFakofKHzTHt8/OjrcXc0NNpRdVVGHwLGasFDW03hz2PoFRxd64Gs0Mk0NN5qqT8lhWNHxY9Hn70IAaULPgtJ1IYBJd1WbM2DY5g4plxlSk/SF+UxnxVlPjeCe5uCOoWbZAjS/0eVeILNAaRYtlRtWOPd9kPrFMONwEx/kxh8QxIm9k9K2o6aQHE33eFQI1JUKfd6mieJHLnRlpp6SMTGGZRQ0JkJ0z3La+EFPUV2VyuEQHRYM+71KBmlKhz7tUoKZUqEMFVQ8YYebQ8cw0BzOrOyYOmt7DxLYSu4ut6RPN7/IXsigoqFmsQE2lQE1AQWLq+qqMMqPIoNuzEGrYAapw402QHEmM2mlB93cxajrYQxPUBARqZgjUBDRnAw2hhnqQEZdpHS7hZkjFImJ7gKU0n8tZEORSkhtQsxiBmhkCNQE1YKaYiVBKjedwApN0GS+sIk7H+5HspB80mDBqhsNO4mFQExComSFQE9Cc1AhDFdVxEZsKQz8dJ7fS9A83kzv5z+5Iz2YKAaSDXxMEW1ScmZcOdTov0s0t78N4qA58FKgJqC1qHt16+svfpg/upeJnBGq6y3T51IjBNHMwI0ykxutqm/5gmD74PP1v/zm5J374lrqes7IeypkCZRkyB51EjBf7G6hZoFqn5l76sfgBNd1luuLUhOrkek6A1zR3eTf9sPBQH4sfOry31OUwRERo7RwKckOYsTGxQamDeBjUeGqPmr0kufMvIhK+J35ATXeZrgY1kT6KuiUjTkdK52lPbVcjCX8ZNfJUOycq1Zm52KVehZscADWLEqiZKVDjCdTMFKhxJEfWkLWCS2VG10gbOTENMy21aPGppiG4iYtJbyEypHgoytwINRlXEYq1zQ2ocdQ+NUmSgJqOM10FamRpz6ZGIWNpYPYUVOXHi6nJjBpzuqx6KUjspnSGmhIRiOxqkNUtNsuk5mQcno3SKNMW07YhUFNDMUY6vf/s7EVgoaJGmbaZtg3J1pp63BhpExqvQaYLuNQ4MoTYWLgCGMMN8U/sqEZFre1ol5FttZBijCTWKKqYkzJfpm2mbUOtUzOqhKZX1CRc8uDGPGvqRcPUKm5Q66ExmwTbB+URxUBikbDHkt09yrhO6UdbLaQyaorFWtwPTyehlfRqZ9rkhhYmUFNDMdSc/PzZ2XGdcHhtqTFLG82iRi8UbSq41dRwBRpxiqwkN4wZZ3QNo6YkU/lqbkwvXj0YtFhOMdSIPcCEl5o30yY3tBiBmnrCs4bKUFPNjFvJzZwWviA3QVRkHgQ/b0xwUOQKZBtMeUvkGvoul0rN2XGSbNV41IAaUNNepp2nbaxa1GS+ZFObMbQlYm97tJcku09uimHnwRBWTZi0eRkqSqhx6JQhNHFcrHNBv4KaDtU2NVeT7dHl3b03/uctCwCoicu087SNNXsVauWbJCok5CxR+rEYOfzgk2TrroQg4MEIZcSLzaDG/OoMNJa35eWtovu2ygnUUHVFzWfTp78CNfNl2nnaxuqCmt/cST/85C6omTfTztM2VJ1dEljtSQ0zp5i4RHycpmMx9VJ6qDptxExOt5QDkkOWvCHS4mOpUTfeVkmBGqsuqHFjWFATm2nnaRup3i4JxkMJXhwTSbs6B1LtdYLUSGOTA3bPhZoiEOmdNUnlzlnesa2yAjVaoKa+yqgpvmJ31JyMixEYge6JJVHzUquSGdZY4zBjNtWeU04TUH14TAgtQ2MnFxNej9aeGrEXndCxP/AC1ICaEukRgauyF1399agZNcS3SGaMD5oj8LUoKnsH8yjzgJIasn+CS1/xpq0hfXjWCIGaOC0prjmdrExcU9M1FWJ+RLxVR7VFq2Cp+NRk6DApa9eBwX0eNeRN5opdpZ0yWxI13aSdS6AmXptOTdyWuc6bIDVV6AQ/KNySdXnaTw1LvVRApKUvQA0Bvp1S2/SaN6iZRxsdDdfcntt72NtRxYVFAtTERMOeO1HUlOARoE/hYqkxXQjOnbY1WSGGmhfF86Fk58EamVqtSM17NanZmyRXhsOLSbJ9NSnWm11vaoQCT4famVqtyLNmdhzsPewZM0a65k3WPqsmZa/gQZPBrpA9n2TfF/7p8u7BvtN76XVAsA03VHrjlEIzSJdCTa2JLWtT814eNWJYqHzd2WVPm/zNwUH2A0HN9o398dbdNaSGz9jN9WK7QaZNbqgTLY+ad4t/YjD65WTrWpCa57s39vef/moNqXEP13vUrAk1RUgTZIXtMDdyjORbgp6jiKlJzWURtmSTzA4MzDN7/cr1yfMsOxiNDvbFqC736ppeCZBu/TWfOMxLoLNMhdjtjOeLo6ZWVLMuNe9lUqM8VE7OpWsuNe8kySQ/tp9fbJzc6wE1h7ebZGq1EtEwGU6jMakmYjY1yjVVtNeoj0Q0vLN744di8ovjoZhbdK4s2TIgZSE5N2Y/UAvCtVF0UdS8+rKWg1qTmvcyqQlk2ltqaoY1a/GscYbuESM5Re8ZmFrFOAtRXGw8L+sfotyUADVikx4C3Oj+cJatosEOqxnwuwuqeeFtbJ83qGmgje29VNTInmaHGnkoODiP2MQZCkORmTp90UE5ZzjU5H9TxSvBLECN3rzOJHOA4ViCmqZaBWpyMsqoKR7FoIZr+TVvRY1uCmOlq12Tw43pzHGokQgQaqpYISqKgHRTW+MPhz41liiWiTNUmLmnwDXXmZrViYZBzTxamdHmfu9Fl9IrjrwseYiX2DkcaZo9ulPVoxBLDTO8ugux3myp3QOHDG8S6KCPao2bDX3WrAQ1owKaEmrk7YAaqmXXvEuoGZU6AslMYRPpCBxq9CYZpuey/vQow4pkh1BTerpzSE5OMKNrDDPilz5R003a+gI1jVRGTfEUBjWgJqglUXMyfvjqiyS0UvoiqDky6+/l8oAptZesNjkNuMps3sDPyAm8ZP5c1S2MgmeY5iKJismnZPTxulIjouHDh3I/j9i0LQjUNNRyqMlr3EX/+ZL6vBk10gbimU6aXwK2EsxkvhxmqmbRsbdqTdmdZGtf527zl5+NbpyvR40ih442r4JPnNWsAJfkofIHzfHtvObtDyjdEGr0mrI/Ge1MPGrG8rPRzjlQw3RY1LwDo5AXTo3eUi5QvAPdSGxtldn11Uy7raVFuQrx2ayVRPJnzbsH2cHB+XNOU7P4/3uD1w6yd2/88N1AQkIN7ZKa6u1dgk09DFkRPDcrwI2sQ60SNYO3vldGzc4uqFlA2no6OnI8VNCqpktHW4pYwnZuG2qM6aZVvoFRIyY+fes771+/NOTdWrkm2fM76RuX84dx+NaMnK0yaUd7yu+SdZQvlJq8stzS7hvLrHmvDDXZJHnzreRP3g9Rk43FNLvQs2btqBExbGtzL5dW865mhoabpNPJEkSoMVawNovohwrMVdIomC6tYELTTR4Y2qc/s33wIU/ZNB6OoabWTqkVmbKcllfzBjUdU8NHL5x89H/b8lDLq3lT/2RcCSGCW1TNIdJWJZBQpxSuccuD4c+kaXXGQ9JHrcLsqc2hihvGhbycjqmLFr6SmFwg36QQY541eTAS8im1M6VaWs0b1Cyamo96sO+l8ky6gc9r+rejhh3/xBZv1C5JvQkaR1s+5CQkM2yOp57rRMYDVlND+WMXJSvIBlNLX9qkEKPimv8OakCNUGwdqh0PdTopnfrbNTW6E4GUqS3czItQuecwsa7uL6zd7aStxahhXpAxo31bhdVTPq/SXNbzmOQNdaxN4uEoak4nodF3tTMlGX36+7I1t0BN36hpmKmVqHEfhgkENaCmRLKdJvjo6pYa28ntyPDhUaM/kZGCsSczcIAZr0XWSlnaMmPYJJmWVMxYNrox2eFCDu0LJbEZNmuxWSY186VtJFCzxtR0lHa2dHNwyXjaIDLET6lST31RXJRK2mVVT5X2LEM65dY08MzwUMXd6mHGJGfvpiRRJQ1G8xcjqAE18dokal5S/6RokL9WEyOpGXFgCCLUbsU762hKrT6izGR69B3rwg55Kbni7NUkGWuHxqiRp3sxtYngQU28ekCNXM/v8u6N/eegpqW0M/TS1rolLKYMq4nRHkpRw+xQwoWukwdMrwytnZJZzYRGwgVLIWrePcjEmJuDZF+Hz85FtWskqxSQgzY79XcyZ0mWUVNkDWpWk5qLk2z/ANS0lLZStp87s+SMOBmzPRQlYWYLX+Ac1mfFBsM4LmvqqkDtR1eu5x7q0n62v5959XpaZychOluUyX794mvNWZagZq2ouV6sOHt1LKJhUNNO2kqZ8XvaM5DyruufiIcqqRsTR1DyKYFHVMKN79DWNJVx6gfNr/K21VmlDYysOYBUyB1mQM1MgRpQEy86gs96qLrUOEwEfJTnGdgH1l2oYzRRmbML+DcydkZQ419t5EXD+sYNk/I7qde5yhLUgJp4bQo1fLRw5q3TGEGNNAlJnWXS0cgzHAQMS/qNQ00QlyqJhR6NDzM3ZMcOM2q0t2Tej321uUoT1KwbNcUw/XWi5kV4Kb26mTa5oaYCNUuj5rDGTqkVmXaetkKMmpIVieagpggzpoQML0iZ6k/tGzXrZC6pDQKHKi6TGZdRI99IXMhKo4ulpu5GP6CmS2pkXLPK1PC5l8Vyr3UeNytHDVsPIECNXvfILVLNTEaMRGotxOHYAXVehYhwY5gJ9zLRBCXUpOmwEropl8SHDOFx/NMCnjUnP39W73kDakANV53YZkWpcfq8yZqt+hApTRM22jhSdRzxATUj5aaGZBwetTo7IM5kPdolZPitMPYzZ5FGjXMAFv1im3iciXtzcwNqQE28YqgRa9e8+uf1q3mTCbpeu7AoNjuxiJWmmbJvu6ZNej1hwaOCmC3Ajfw/1MtEMatanE16KHO27U/L9GAbfQP6P76DVMABz1Gise01La1E0k3aEoGapVLTMNPO0wblEeP1QKlCD5Wp48MyV45LIp7ByqOCRcPOpzO0tz16Ok5uie2ci/eSB9MkYLkjV9bnjPRgZVAzW32iRqxS/OjW019eurazDWpaShsQDYDLPFSFHNi89B41DgyEGu2jhjx0Ll2ZKKj8WfPpZ2KRx53dkR57LD2QC6meK2HpzvRq+ZKfJtyAmrWkZq941ICaNtJykcWNZJE73mkGMIOAQ1JGKK1XM3fD4LGvxq05QNTyUnvCQ+298dvx55YIOdKGXZCsGysbDLSn8tsHQQ1XT6nJo+HdB0lyEdS0lJaL1Le90icHHUck3zrU6N4A1cpnISHN/wHfZLozuTXZAZWUVsYJSM5oQb5zeKpB9mJrFhwLmYt6pZFlL1+2ZSRQA2rijSSH/YAaUBNjpJ5Qw0tIIWCpcaKWIprRLcLmU1380zg5mJac5WVt3to6lpeDQ4Ic7TN1K2xpoG7m5SGYATVUoAbUxCq8gy5FyJBkiSKtNPKgsaP8P3UcjFXFgJmprUN5zBAvpnvEHRMHbB7BsE3q5GO+s6Dm6KgdI4EaUBNvpJ5QE+RGExE4TOJhMvteG8BQUwEByZCc5bTZ2kxJc65Hjc3HY0YF0KWgOFw69MkzVHMPqKECNf2j5mRcjGIPTK5qhxoyIcFBg0odlNVs7wzPG6VWJdQETMMmNph8eKbmTaD2TTJj1AWdlHNYZsdWdNS/qIq7ZGZNqBF70QkFdrYDNf2jRpt7rkyt9CrVne1Fx6gh/btBaiw7rG1PxanarEFmyLSjIDdG1lGwPMSinleGwx8nya0nN/+0ctCNRcF0O9El1abEd1lEnBHK9nTTSTcHM9HUvGhnPtRinzXtUTNO7qTpH24mtx4nW3dboeby7t73h8O/en86vX/3x5f6Sc3J3/5DO7Poigl5i4hraCd2NoMZ80a00cvQNmX6za2nv/yn6eNbo9H/zv+f+nIG7kk3QAzrQ/DpZ/m/331y80/e/6v3BTVB58cOGhACnrKCGiYLzFEH1PC5l2evvvxjOx6qo7RW3VDzQJh4+ijZujZ9fO6zNqm5e/3Se8lf9IQa5+iL2y3FNR2l1Tqy4twMgsR4kjbxV77PqSl22N7bnk6f/JTZKtCBSLoq9Wa4hhzzyaPi8XX/7tNfDYePP6DIGZXE3nw6N6fGfA81poZO1hK/iDB4fmbiqDn56Ou2qOm25t0VNbmHEuu2XtvbFmZuhRox4+BxHglv3f1Roh9f/aLmRWHp0r0HZ2Zq1XE0XE6NZkf6obRiyG6AmqLC894VYWLx49nKvOPWJC4xbH6flSn1cYY8fWbA6TDgzR0Nh5Qa8uewSGrO1qXm3RU1xTMlbDJQc9Y5NWv6rAE11Ubqukehy5o3Y6aEmjrRTWDJT6bKjmwyik9drAKWqRfL2NTeVbxqkXvDZPLckHJjjmUZoWauIu5h7+UaUpP/AYGalaGm1EN5zJgDdh8U4peYlXITl1HjVrpSQk0pN2qpPQ9X21cdHthDPA9Np6EbqlXVhmSunfxlbanpsubdMTXFjYOa4OFuqekwGj46cqjxuKHLHDncZLan2xmVEqCGsFJCjTmozReETa1/6NwOD8HLfeUoLLa7prkhfYC0DM9VyMuhpsOa9zpSMwrENaDG0yKfNdIlMf8kH9bOCmumhLXFjO0oN9LEIeNpaojNA31FKkyesZoj40ZlHGTG3p4js8xRUM2Y6WHNu3tqSsZDgZo1rkMFqSHS8aEoWoWJR40mI+VGcQbwyjMcIsypZgQNTzIakQNBe5MpC5zgEK4lzKibp1Mv2BprxkO1a6SkuFdQA2pijNQ1NV3VvHkY/FLHwqRAqx7cGTMMGRCjx+CFTUcVYMb/fIbMMvsyrynNqm56FYQ7sn88c0xMmG2kjqnpLBpeQ2r2tkVf+q74aUSNzOBqcm40fXqpl9QEat7uuMH5RHlhNDByRHk6/LA/VRKD2go4cQZBWvRrauZdW0xkZkFjiwUaL+/uvSF+zO2RtIbAcl6kZAb37z756ZOb35gqasQH1kcNKTVzTO826uGzpktq5IPh1pSMyWpIjcjy3dHoXfHTiBqZgaBG3l3/qOms5s2XVHPWgzVwaAM6z+/CLbDarmto9WD45f+6+Y3S+UiGvTKXFKTmwceWGkeltWuXGjEI+XGyVVBDPtAFsP7UdJO2c2qUiT/97Omv2qQmB/HD/2E9lKOa1FzeFSOQp9PHH4CaSK0nNbnTu5PaaNhRTWqE53x865EYfdxTakQULJyUH9a0QI0tLVZrGDiVKXKSUUpVUuG5LGYViPV+A9QEuDFD6YKn1SNC3Q5dv9O5mIp9LPLsCw5CWhg1x/U2S61FTVF9Ovkv8WkrtQBq9sZ5NAxqgodD1Jz84quzF9vzZ2qVI3Py0dcd9HnT6lCW+dx4FaYSZsIccGvNoobOLGGj74ba/PpqJO8AMzaVGk4j7jV0Kr99k3MJN4v0UIKceTO1Op1s/VFsNFWgE5m2UqBmBajxW97aedaIFptk++y49Zq3ZoLM8mdFZXYv0cjo02QRG16cZSSYCeOYcT5X2fL5D2TsTZAZj2+XfZebaSga9qiZPyCOe9acjFd8V7HNoWYi+w+SvxF9CJaa/E985ajJfcv9Fd9jV3Jj4l6vsBgzZGKUdRP+TF3utkqYCfzpmzPZGz1jKpS3ISuUnR7zKyT7Dy7v3vj1r69d3Tb5m4GGZHzNcBjY7HKx1LS0W+rJ+GHuo9qveW8MNaoD4uLWvQcrTo3oNWrnWSP6oQR+rUfDkhq2dlpQ7IHPfJA3+FejRBCoz4wP0DQwk0Fxw9xZkBk9v0BTc/FOen4n+cttk3VBjTMTSnzfknh4Ic+a1nZLzWvcxXbyHYw23xBqpIe6dC/9y2ujnb+xdyQeNStGTcNMifIHzfHt/Onl18jaoEYWbogby5R69eJPjZHjtKTNC7tyambDYtr5iIIeyg43dkBTH1iXU0TDV96bZDeTn/0mST5P1Qpr8nQLS2j7bgecuQp5Wf1Qh8WzNFCNBzX1qJEvLIP+U9NJWinio7Q78lZXM/JsbJ2WAxRZQ7q+UzJnU/4IOWa/Su27yFna/GJqUyrnVNEAd6j3FDdOT19HnqO4qOBm/ngY1ICa1ozUdZ/3pHTFrXaoUYaxJWRK0xZr1ZoSmplMQ+RQUJcYHx+bVF+DUKO9DDldUuNQHrh/k16fWe2a1pKaT39ftnAxqHGpeTpOJvk9jJNx/nONUUNm+opzn9xMdvcmxdn9pOarPB4OjroANS41j25lk+fZ80m2v7+fbVNq6KoC4tzHt6ajyxNx9pKoKXLseI7C6SQATuvUWKtlbh9VyLQUE8OMPZUFKdH0kDoOjZsIL0QypknTB5+nD0aiGTh/zuyw8X6aGp3iUbK1f3CQHRzMqjoRcOYq4mVSM1/ameonNRd3b5wXg8KqqJlOn05KqXknSd4cDN5Kkj8fXPjmWlLTUVophwevMlQti4jJh1IzIg03U29O75wy3om80ddI09/cST8Uqxzf+OTvz6n70feqHJSuQ92/+/TSj65c/35+2Kfm9Tff+Zb4/8J3B+fPNXzagBpHq0eN2PNjZ/dqknwwSZLtEaUm1Q2QkponN7fev66GRHnUvFb8G3x76+0L330N1Pgi9raT/aMMTOJl2Sor8+BmtYoBJDApjuTi+KiqbWDsLArS5iPcWhU1337zwjfPvwlqAgI1AWqkh/rO2xf+/XeS5HugxhPbgs44Ere9t9werGauLUJ6kbVN1W/1aLEuzUGtjJkglp4fc64h2o0HxWiJUDR8/s0iGh68Rj9oz0igZp2pGZQMxAqrPSOtNzUkHpYFKwu4um3PWbPIEEaf/R43NXHhq7Q5UlTai5NP7NQEU10i5FGMmGoTMyc3oGY9qKFNM+qOHidb1y4myTdWnRqxwtU67ComuCkK1o5rmVpwvCd70FWZM6xPUbiUrMSo/aB6K6/kDKwpWdqaZWX41BctrmQ7D0wQ/JOipfgyay0eVUy2XBI1Yszwyc9XfI6C1CZQM9o5N3Jbi1eQmmK8ZjtzFLpJa2Vsa5khZgnEAsRZUBkrBX0LMbw8R4230/E0i5ft2aFL0n5Ls8IaTVDMPdDUqByubk8f3WLf5WqytS+oeZ1WrqmCzcZtGUlR48+9XPn5UFJrQY3YvXAqNnr+mdjseQY1IzsSVVEjdlIUCx3Rr3Hp2k6SX/j890T7TBiaADZtGaksGn71RY0NDEFNPWqKnVJFN9Ov/8+dmc8an5r8uXLtd//1n5zvsiNG1/zZ2yW+aCnUVIzBq5FpkxuKVKtmrtYAAA7aSURBVObKa9gQryQOMVzoQx5AJYv+Gg8jZC6nB2t6fNG7KHZlTtMHyd1HxabyclCnmsPiJdK/MobJbUllkwv/LvnWn72d///nK0LNybhODQrURFHz4E76d8XyVm1Qszc5EBgID/VWiJqFxDX8YF1oVo8a084i/YctfkIN4cY5IHkgY80D2zA71HBgQ9RMi728P/xt+uDu7z75T8VGz5ptU4fSDsksdOz4S/aQKXSQJJdEq3AeDZ+TQ+xLXBVTdF9UDDVyZ+a1qEOtBTV5NHznX+7kkfAHcqPncmr+IBbtu/F3n82khk/qXglqmmbaeVoqU4aODamHYmKz17RTUubR0AU81NTaUV6L2UO1GwW48UJsfXOKcXmqSlIM/Nw5xxMxWvhfiHlThxlQY9Urai7n1aUbP3wX1HSRlopNNXP8FGswtqAwhFILDmOGSvk5zVXATBqFEGrssAyg5SHSMmzO3dve2X3wOUtkqRlRgPRlI8gBNVq9oubBtb3ty0lysSE1b4kB5+/4jcagRovsKsuoqRgOQ6xJuLG7YJMTbT7MLwT+jknezmZSygfJZYrsFRhb8oBoP74nJit4t2z9rgGEfcrv5XwxSSHc1dCGkUDNoqhRq1tVU+O0GM1LzevJ1tuhZw2oseIFmpUOrDGWMqah7sn4nuDWUqTYS0bPKaYc/2Qvq6ixzszzZepsGwkrfrx70DmQmabu3eTIgJpKgRqXmu+83TE1xTV7QI3nXUQJBclJQyqspHMwrMQNYsl0wyIZamzzF5O1Sca6BdgjbGRvyLQReNV8+n0C1LzVtYcCNTWokZNgvy3GspTYogY1VB1TU6U2jNQjaljRl4qRwg7YmrfIrzik7SGnGInXvGYSNJJwWyPJAqPGyqI9ZHfDPRm7NXHA95AuNaO44cNtGAnU1KFGTYIVz5l3WqemGLM1upgk2zvJ1j1Q01laroVRI0bNtU9NMWZrJIaT/2T6+A6o6SwtV/EVKiYNGQs51OgPSO1FU2PW4ZQlrTyUfN4EzCipUUk8XixIhSRe9oNi9M20GHjz+NxnbpjjUcOjt0hkYrkBNQ2okZNgL3y3S2oe3cp/f/JTUNNZWk/iSV7Oiyx92gqSBppf9foARmlKLKUbaezHhBfzkezJ1rWj1DYSZ9n+QTbJa2I6tYWj2CmxgOf+NTF/ha+y7lGT6e0jMvVbpKL6okDNkqlJDp5Pcj/nUyN2Snx8Swwnf5KIxdXWmJpaW9GtDjWyBKslmfCQIf5JnhHoaWLU6D4v8nnGpbNVIXZxbH//oNhIw1LlLO8o74MhTRiWeKjMpY+zwXqkmhuphJrjlnZL7Sitp9WnZnLQe2oOt/61f88au3UCOxikpmx9D7mPSrCnqtD1JLmSFUsGv5ckYnKkrsg/T5LEeCh5WQMIDX8ZNSZbcWlyy/rNHMREclNGDZc53kMP1ZiaoiOpmhqxxKJcMvg/DLMJoSbLDmw0vPbUlKktasTqFElwd/BWqZnBTca2b6H9TEySGjl3IAhNkqQ2qYdMnuoHxb/hxWR/+F5ykFl3ZpsPMw2r454IMwFqAl9qbmZWnhqxF53Qsb+FYY+puXgl288RGcdQU6wkAWoK6VWqO9iLzpE1Xik43MCB4cGWqlBRF9SQa7DM1K/Pi2XqD/b/41+M97OJIoV2VJj7S3koLJFUx3Tt2/lC4ibMfTZgJqLuvQnPmm6pGZABMmXUZGJLjEkeDf91/rMPaubM9HSyoLhGVo/LvZQsMF3amSvDTSk1I2eP3pE6wLyPjqgJm85ELZ2UVrj1qGKauZzNoBJrXsp3FK4vEdDXLtWWjdQ8U1DDImH1qAE13aUNio1C4HMUTJHpONdhxvFWQWoy2wugrWosSirr+hDLn6BEmWGhrzygjlaNTW7kneS2P8szUr1MF1bzBjX9oWZx0fAqUSPWjgE182e6uJq33apZ2YAiYIwa7Lwm8JTENRKF/Wz8p8PA9Dx9BX22qaKrTzUzRZDCEUnpKB9VqeL3xO62vKujLi+Rc3b7/6zplprnogNy/8eXQE1jrVDNW26qYH0A8U6BfiVTu5F21S0qQ9sS452cJQf37z75qdxehbgc3zqKGnV9OmRnxBEx/mkn2bp2NUl+5jk0VguTv83PzBxl2v86VNfUZOPHyVYdagYyromgRqxefnk3/fVzUNNh2qA803j+yQPHugFjHI8aaTexaaAYDv6BHgaTMbMOnazlMkipHpanr+QzI5uCxUg/0eVZnMF9k9veE0PNy5dzOCWm/te8u6VGrKj3KJFzCDqgJhuLLs8DUCO0yGhYcGMGy1D/VFaong2kYR3jaDJYYy7tXvK5IRMWLL0KS+m0WB9Ulj24J0LtbP/aiN1S5krkkVNQE5YGtGj1v+a9xtT84aao1ifjEagRWuyzxrbB1aLGdktVifohgs/QFaPGejtGjWkh1Er1eijEIbFJD9QPit9mIdMaL1L9r3mvCjUXvjkcXr8EajrJdFHUVBNRhxnp+AwzGpNMbj1pqvHa2OfPDX88TkQ0zKhRGOm5mcZlSWZK7rTIlPooO0crzEvLJQpqFkTNhe++NixGmoOauTNdYM1byLT3x65z5YYmlBo5j8A4CesuzDa3hp78//NXfiA8VGqbAq2PMiGyzofwMPs+gt+nZZfkaBOi4ZWg5nWxLwaoaZJpoOYd2PeuPREryNKcRcosmrTVCyNbZkzNm42SUHpNR8PaK3FqZN2bsFdKBLmLkomWneGitBnPmpWghjU7g5o5Ml1ozRvUtK1NqEOJfm/V8y1+OTqq5iZg76DFbB0osxUmGs3wA+ygxETjNrABinhrYrDZ1AQ+7aL8XIEaUBOvZVITnFzVGTVKR0ezqImTB8nA9lEFfVSAKwMJYUb7r4hb6aLkwlpSHWqiKkx+YANqQE2ZTic5L4t71ghujqzaoybskEqYIUm4TIDstGFX+6fFw2K0NA91Onnj/4EaUBOb6ck4tFxbR9ScnR0dMW7KIIhmpi4t1SlpZZzFwowrmbTrlt/Z2ow6lBCoaU+bQ02hGdREiSESzQ1N5BJj1xphryLJknFRWlqf98NXXySJ36EAakBNmUQ/1OHDHJ6PFtMPRdSQGgcTctwjZ3YrHRkjY3lh68JmVqvBi9TS+rxffflsUaPNmUBNC1qSh8ofNMe3z86OtxdzQ44kN3V2rayJkdw7oyTIrUrtrCnB1meTTK0SLEbLioYPi6ZhHxpQA2oWnLa+ZHdmYSdt+jqIGJs6x/VcciU6VWGWk1If285MkukK8iIFakBNvJbVe3l77rStCNQ00rLqUL9PHs6ZtiUZamavnMnbUkY67uA1JYWLmbrLuKlDJIdlVXmRWt5o88PwrkGgBtSUSLbTnE4WNb4mIDO8L5IZ2kMUJmbqsFPrKpaXBX3/RlruzJZ50rYkUNNAG1qHEiqoqRMHl1AjpQ4FmCGeagY1q++SHIEaUBOvjaZmUFnnVmFyqYcq8U4mCtZvFVzltKwRLkqgBtTEa6OpqR4+7OGi1iUKUGM+m5KlSYhkPMz4XFNepEANqIlX36iJWpSiJjF2Xw2z3ROrTDu7OpXITm5aX1q0ekZN3FomoGZOgZqg2Cr11suohkFnTqTcfbeaGQHaGrskR6AG1MSrZ9S0EdfQyUnE7iz8DSBWgosejdcTXqT6Rk2UQM2cAjWgJl4bTc0ZB8e037J2YGF6sp9lsOvKQ0yf3i9YjEANqInXplMja0XSzyjHYzuNGAtyY/eMDe2l1DBc+uaSHIEaUBOvPlFz+o9ipf2HJ+OtZ7XTyCF90juRbiXWOixpUA6r1EPpzVP6zYtUj6g5GW+f/VvOy789C0wELhOomUc9oiZ/1rz68kPxnDkumTUTlJysQGrVbqOwYaacGj0fav57Xy/1jZpnuZvK/0UI1MSrX9Tk3un0HysmQIQkQSHA6F9EYKs2WGHtfJSZYoDORjglpp5RIyLhw+BaFaUCNfHqEzXzScTCuptgRBwRlZ3YRPai7H6Ti5UVqAE18QI1uleBBMJBasyb/nVGRgvUgJp4gRpnwATbwUfuGUbWhd54XqRADaiJF6gBNfECNd6QPhrQmMoSYKECNaAmXqBGKEBNmpoDy7ij1RaoEQI1cQI1QoOQlnEjayJQIwRq4gRqhMBLnECNEKiJE6iRAiwxAjVSoCZGoAaKF6iB4rWu1EStUwO1rNWjBloDtYYKtXwXmS7mKsh0aQI1yHRVr70+xbbhma7Utden2DY805W69voU24ZnulLXXp9i2/BMV+ra61NsG57pGlwbWleBGiheoAaKF6iB4gVqoHiBGiheoAaKF6iB4gVqoHiBGiherVJz8ouvzs6Ok+Rc/vIiKV5PJ8kbX59VvsRnqg62m+nJOEketp2petf213/1RbM7bao2qTkuCj//li+2z84Oi6XuxdfL31W9xGeqDrab6en9Z2cnP3/WbqbqXdtfP8fnYZNMG6tFag63/vUXcqny/Fu++rLYjEUsXp6/q3qJz1QdbDfTYhuQw4ct36l813amJ3/7Dw8bfP3mat9D5cppz5+U4oF/8tHX4q+46iU+U3Ww9Uw7uVPxruVMX335xy+qi3ZWpk3VATXFpk/5wz7/ds+O3yi+RdVLfKbqYOuZvvriduuZFu9azvTFbeGImmTaVJ08a/R9Hz5s8VljMz1r71lDMz2d3D5rPdPWHmCsTF/171lzZsK26jChpg/2M1UHW870ZCx+bf1OmwVLoUxfFNOcbvcqriGPylf//JV46BehfflLfKbqYLuZSmhazlS9a/3ri2dNk0ybqv1nTf6nIDaZUy8ttdfwTFtqr2GZyr/ghy3faY1SmOfr96m9BtoUgRooXqAGiheogeIFaqB4gRooXqAGiheogeIFaqB4gRooXqAGiheogeIFaqB4gRooXqAGiheogeIFaqB4gRooXqAGiheogeIFaqB4gRooXqAGiheogeIFaqB4gRooXqAGiheogeIFaqB4gRooXqAGiheogeIFaqB4gRooXqAGiheogeIFaqB4gRooXqAGiheogeIFaqB4gRooXqAGiheogeIFaqB4gRooXqAGitf/B86McBWuvPILAAAAAElFTkSuQmCC"/>
+          <p:cNvSpPr>
+            <a:spLocks noChangeAspect="1" noChangeArrowheads="1"/>
+          </p:cNvSpPr>
+          <p:nvPr/>
+        </p:nvSpPr>
+        <p:spPr bwMode="auto">
+          <a:xfrm>
+            <a:off x="155575" y="-144463"/>
+            <a:ext cx="304800" cy="304801"/>
+          </a:xfrm>
+          <a:prstGeom prst="rect">
+            <a:avLst/>
+          </a:prstGeom>
+          <a:noFill/>
+          <a:extLst>
+            <a:ext uri="{909E8E84-426E-40DD-AFC4-6F175D3DCCD1}">
+              <a14:hiddenFill xmlns:a14="http://schemas.microsoft.com/office/drawing/2010/main">
+                <a:solidFill>
+                  <a:srgbClr val="FFFFFF"/>
+                </a:solidFill>
+              </a14:hiddenFill>
+            </a:ext>
+          </a:extLst>
+        </p:spPr>
+        <p:txBody>
+          <a:bodyPr vert="horz" wrap="square" lIns="91440" tIns="45720" rIns="91440" bIns="45720" numCol="1" anchor="t" anchorCtr="0" compatLnSpc="1">
+            <a:prstTxWarp prst="textNoShape">
+              <a:avLst/>
+            </a:prstTxWarp>
+          </a:bodyPr>
+          <a:lstStyle/>
+          <a:p>
+            <a:endParaRPr lang="ru-RU"/>
+          </a:p>
+        </p:txBody>
+      </p:sp>
+      <p:sp>
+        <p:nvSpPr>
+          <p:cNvPr id="12" name="AutoShape 4" descr="data:image/png;base64,iVBORw0KGgoAAAANSUhEUgAAAjUAAAH0CAMAAADylywmAAABlVBMVEUAAAAAAAsAABUAACsAAFUAAKoACwAACysAC1UAC4AAFQAAFSsAFVUAFYAAFaoAICsAIFUAINQAKwsAKyAAKysAK1UAK4AAK/8ANYAANf8AQKoAQNQAQP8AVQAAVQsAVRUAVSsAVVUAVYAAVaoAgAsAgCsAgDUAgNQAqhUAqkAAqlUAqv8A1CAA1DUA1EAA1IAA1NQA1P8A/ysA/zUA/0AA/6oA/9QA//8VAAAVACsVAKoVANQVKwAVgAArAAArACsrAFUrAIArAKorAP8rKwArK1UrK4ArVQArVaorgNQrqgBAACtAAFVAAIBAAKpAAP9AKwBAVQBA1ABVAABVACtVAFVVAP9VKwBVK4BVVQBVVapVgABVqv9V/wBrACtrAFVrAIBrANRrAP9rgABrqgBr/wCAAACAAFWAAICAAKqAANSAAP+AKwCAKyuAK1WAVQCAgCuAqgCAqoCA1ACA1NSA1P+A/wCqAACqVQCqVSuq///UAADUgCvU1IDU////AAD/AL//qlX/vwD/1ID//6r//9T////T5YA3AAAACXBIWXMAAAsSAAALEgHS3X78AAAgAElEQVR4nO2di5/c1nXfkSzd+iFbSRzqxWFMec1E3HVFk53lsFY9flCRSioNaw6llCnFtnG9JD1S6sQmdiOywi53uX93cXFf59x7gcEdAPPA/H4fLmcHg3uBuee7OOe+kzMIilWy7BuA1lCgBooXqIHiBWqgeIEaKF6gBooXqIHiBWqgeIEaKF6gBooXqIHiBWqgeIEaKF6gBooXqIHiBWqgeIEaKF6gBooXqIHiBWqgeIEaKF6gBooXqIHiBWqgeIEaKF6gBooXqIHiBWqgeIEaKF6gBooXqIHiBWqgeIEaKF6gBooXqIHiBWqgeIEaKF6gBooXqIHiBWqgeIEaKF6gBooXqIHiBWqgeIEaKF6gBooXqIHiBWqgeIEaKF6gBooXqIHiBWqgeIEaKF6gBooXqIHiBWqgeIEaKF6gBopXE2oSaA3UGirU8ktKCy1IoAaKF6iB4gVqoHiBGiheoAaKF6iB4gVqoHiBGiheoAaKF6iB4gVqoHiBGiheoAaKF6iB4gVqoHiBGiheoGZ1lGUvCx0JLftmKgVqVkegZilp11WZlaTmJcGneFOW8mVYXd8wqFkBgZp6mZ6Mi6Hu575azA2tqNJ0WsgwMxppL2VkyamSIk7n0/WNL4eaV188LF6P3/g6Om2PBGqiMj399Cv2GpO2FxKsSGZGIeWGT3MF0JCv7KA4XZydyl/6S83GP2tAzTyZnk42NK6ZcklIBoOB5mWgfxcY2CBZnSrfDIeDQf4yGIhf9GHGXNffAnWoxQrUdJJpT6nxUKHUFLQE3JTghpxXuCGL0nCo8NHMiJNHKvNuvw1q3osRqGme6QZFw8qisoItIlbCjBcLy5jWUCMSiKiZSOQy1BLuTPumjDIzHHb7pVDz7ligprVMN+BZY5vcCBXSriweligogBg14pDDjDhV4GLI0bkXh8XJOv9uvxxq3h0J1CwyU1ADahabdnVk+oZcagwGkglDjY1sWLBDEuhk4nNCjWzNKd4QBKfdttmg5t2JQE0HmfY5GjZ91JoY1bTCnBL3USPLjKFGfuJQI96KnEx7jeayOKTP6L7fGzXvtgVqusq0r8+aIy3roUzjirC3bur14uEiCmag6F8daVSUf5JNxTLr4qjtuurye6Lm3aZAzZIyXVtqjo4YMzYaZpIexqeG18fTIDGWGxMJi6TB63QLDqhpS6Cm80x7VvPmuOTSfdFiFMzAviGVZCrS8mdwsZVoDzPpmoxGIfWRmr5Fw6BmEZkGat6dbuzQoRxeBlaKGEqN8TGci0jZKndWwkw/qenRswbULC7TftS8Wfg7KFNmuxjl6JipZkZ3Rk7tyBgHD/bW6W2oVC+p6SbtogVqViXT9aGmHjOMGtK3YKkxKGgyClGE9JBh0+3JZKY16NHH0nkVDrOjr76kaHhye+60KyNQs+BMTz/9ffJwzrQrI1Cz4ExFjfswFAuvCzVOA00FMwNr1OEwwIxDDSHFHiLNMvIjNmiH4UO56S6yWWZ7TV6R8sEBNaCmRIFxNbXTLl0lzTOzqLHtNVPbVkOombIPU+ulvEZg1b4sftWHi//llRbRE4U6VLRADaiJUr3wd8B7oUaSGR3nMndEWmS09wrMYWDcmGQ0RlYuS1NDWo87KYel9Xk/fPVFkvgdCqAG1JRJ9EMd5lXvk4/Wpx+qbkWbUENCU2nzqStSn7bOikGkvZWROcN2fLOYmDHTK2ryaPjVl8/Wa7Q5qLFakofKHzTHt8/OjrcXc0NNpRdVVGHwLGasFDW03hz2PoFRxd64Gs0Mk0NN5qqT8lhWNHxY9Hn70IAaULPgtJ1IYBJd1WbM2DY5g4plxlSk/SF+UxnxVlPjeCe5uCOoWbZAjS/0eVeILNAaRYtlRtWOPd9kPrFMONwEx/kxh8QxIm9k9K2o6aQHE33eFQI1JUKfd6mieJHLnRlpp6SMTGGZRQ0JkJ0z3La+EFPUV2VyuEQHRYM+71KBmlKhz7tUoKZUqEMFVQ8YYebQ8cw0BzOrOyYOmt7DxLYSu4ut6RPN7/IXsigoqFmsQE2lQE1AQWLq+qqMMqPIoNuzEGrYAapw402QHEmM2mlB93cxajrYQxPUBARqZgjUBDRnAw2hhnqQEZdpHS7hZkjFImJ7gKU0n8tZEORSkhtQsxiBmhkCNQE1YKaYiVBKjedwApN0GS+sIk7H+5HspB80mDBqhsNO4mFQExComSFQE9Cc1AhDFdVxEZsKQz8dJ7fS9A83kzv5z+5Iz2YKAaSDXxMEW1ScmZcOdTov0s0t78N4qA58FKgJqC1qHt16+svfpg/upeJnBGq6y3T51IjBNHMwI0ykxutqm/5gmD74PP1v/zm5J374lrqes7IeypkCZRkyB51EjBf7G6hZoFqn5l76sfgBNd1luuLUhOrkek6A1zR3eTf9sPBQH4sfOry31OUwRERo7RwKckOYsTGxQamDeBjUeGqPmr0kufMvIhK+J35ATXeZrgY1kT6KuiUjTkdK52lPbVcjCX8ZNfJUOycq1Zm52KVehZscADWLEqiZKVDjCdTMFKhxJEfWkLWCS2VG10gbOTENMy21aPGppiG4iYtJbyEypHgoytwINRlXEYq1zQ2ocdQ+NUmSgJqOM10FamRpz6ZGIWNpYPYUVOXHi6nJjBpzuqx6KUjspnSGmhIRiOxqkNUtNsuk5mQcno3SKNMW07YhUFNDMUY6vf/s7EVgoaJGmbaZtg3J1pp63BhpExqvQaYLuNQ4MoTYWLgCGMMN8U/sqEZFre1ol5FttZBijCTWKKqYkzJfpm2mbUOtUzOqhKZX1CRc8uDGPGvqRcPUKm5Q66ExmwTbB+URxUBikbDHkt09yrhO6UdbLaQyaorFWtwPTyehlfRqZ9rkhhYmUFNDMdSc/PzZ2XGdcHhtqTFLG82iRi8UbSq41dRwBRpxiqwkN4wZZ3QNo6YkU/lqbkwvXj0YtFhOMdSIPcCEl5o30yY3tBiBmnrCs4bKUFPNjFvJzZwWviA3QVRkHgQ/b0xwUOQKZBtMeUvkGvoul0rN2XGSbNV41IAaUNNepp2nbaxa1GS+ZFObMbQlYm97tJcku09uimHnwRBWTZi0eRkqSqhx6JQhNHFcrHNBv4KaDtU2NVeT7dHl3b03/uctCwCoicu087SNNXsVauWbJCok5CxR+rEYOfzgk2TrroQg4MEIZcSLzaDG/OoMNJa35eWtovu2ygnUUHVFzWfTp78CNfNl2nnaxuqCmt/cST/85C6omTfTztM2VJ1dEljtSQ0zp5i4RHycpmMx9VJ6qDptxExOt5QDkkOWvCHS4mOpUTfeVkmBGqsuqHFjWFATm2nnaRup3i4JxkMJXhwTSbs6B1LtdYLUSGOTA3bPhZoiEOmdNUnlzlnesa2yAjVaoKa+yqgpvmJ31JyMixEYge6JJVHzUquSGdZY4zBjNtWeU04TUH14TAgtQ2MnFxNej9aeGrEXndCxP/AC1ICaEukRgauyF1399agZNcS3SGaMD5oj8LUoKnsH8yjzgJIasn+CS1/xpq0hfXjWCIGaOC0prjmdrExcU9M1FWJ+RLxVR7VFq2Cp+NRk6DApa9eBwX0eNeRN5opdpZ0yWxI13aSdS6AmXptOTdyWuc6bIDVV6AQ/KNySdXnaTw1LvVRApKUvQA0Bvp1S2/SaN6iZRxsdDdfcntt72NtRxYVFAtTERMOeO1HUlOARoE/hYqkxXQjOnbY1WSGGmhfF86Fk58EamVqtSM17NanZmyRXhsOLSbJ9NSnWm11vaoQCT4famVqtyLNmdhzsPewZM0a65k3WPqsmZa/gQZPBrpA9n2TfF/7p8u7BvtN76XVAsA03VHrjlEIzSJdCTa2JLWtT814eNWJYqHzd2WVPm/zNwUH2A0HN9o398dbdNaSGz9jN9WK7QaZNbqgTLY+ad4t/YjD65WTrWpCa57s39vef/moNqXEP13vUrAk1RUgTZIXtMDdyjORbgp6jiKlJzWURtmSTzA4MzDN7/cr1yfMsOxiNDvbFqC736ppeCZBu/TWfOMxLoLNMhdjtjOeLo6ZWVLMuNe9lUqM8VE7OpWsuNe8kySQ/tp9fbJzc6wE1h7ebZGq1EtEwGU6jMakmYjY1yjVVtNeoj0Q0vLN744di8ovjoZhbdK4s2TIgZSE5N2Y/UAvCtVF0UdS8+rKWg1qTmvcyqQlk2ltqaoY1a/GscYbuESM5Re8ZmFrFOAtRXGw8L+sfotyUADVikx4C3Oj+cJatosEOqxnwuwuqeeFtbJ83qGmgje29VNTInmaHGnkoODiP2MQZCkORmTp90UE5ZzjU5H9TxSvBLECN3rzOJHOA4ViCmqZaBWpyMsqoKR7FoIZr+TVvRY1uCmOlq12Tw43pzHGokQgQaqpYISqKgHRTW+MPhz41liiWiTNUmLmnwDXXmZrViYZBzTxamdHmfu9Fl9IrjrwseYiX2DkcaZo9ulPVoxBLDTO8ugux3myp3QOHDG8S6KCPao2bDX3WrAQ1owKaEmrk7YAaqmXXvEuoGZU6AslMYRPpCBxq9CYZpuey/vQow4pkh1BTerpzSE5OMKNrDDPilz5R003a+gI1jVRGTfEUBjWgJqglUXMyfvjqiyS0UvoiqDky6+/l8oAptZesNjkNuMps3sDPyAm8ZP5c1S2MgmeY5iKJismnZPTxulIjouHDh3I/j9i0LQjUNNRyqMlr3EX/+ZL6vBk10gbimU6aXwK2EsxkvhxmqmbRsbdqTdmdZGtf527zl5+NbpyvR40ih442r4JPnNWsAJfkofIHzfHtvObtDyjdEGr0mrI/Ge1MPGrG8rPRzjlQw3RY1LwDo5AXTo3eUi5QvAPdSGxtldn11Uy7raVFuQrx2ayVRPJnzbsH2cHB+XNOU7P4/3uD1w6yd2/88N1AQkIN7ZKa6u1dgk09DFkRPDcrwI2sQ60SNYO3vldGzc4uqFlA2no6OnI8VNCqpktHW4pYwnZuG2qM6aZVvoFRIyY+fes771+/NOTdWrkm2fM76RuX84dx+NaMnK0yaUd7yu+SdZQvlJq8stzS7hvLrHmvDDXZJHnzreRP3g9Rk43FNLvQs2btqBExbGtzL5dW865mhoabpNPJEkSoMVawNovohwrMVdIomC6tYELTTR4Y2qc/s33wIU/ZNB6OoabWTqkVmbKcllfzBjUdU8NHL5x89H/b8lDLq3lT/2RcCSGCW1TNIdJWJZBQpxSuccuD4c+kaXXGQ9JHrcLsqc2hihvGhbycjqmLFr6SmFwg36QQY541eTAS8im1M6VaWs0b1Cyamo96sO+l8ky6gc9r+rejhh3/xBZv1C5JvQkaR1s+5CQkM2yOp57rRMYDVlND+WMXJSvIBlNLX9qkEKPimv8OakCNUGwdqh0PdTopnfrbNTW6E4GUqS3czItQuecwsa7uL6zd7aStxahhXpAxo31bhdVTPq/SXNbzmOQNdaxN4uEoak4nodF3tTMlGX36+7I1t0BN36hpmKmVqHEfhgkENaCmRLKdJvjo6pYa28ntyPDhUaM/kZGCsSczcIAZr0XWSlnaMmPYJJmWVMxYNrox2eFCDu0LJbEZNmuxWSY186VtJFCzxtR0lHa2dHNwyXjaIDLET6lST31RXJRK2mVVT5X2LEM65dY08MzwUMXd6mHGJGfvpiRRJQ1G8xcjqAE18dokal5S/6RokL9WEyOpGXFgCCLUbsU762hKrT6izGR69B3rwg55Kbni7NUkGWuHxqiRp3sxtYngQU28ekCNXM/v8u6N/eegpqW0M/TS1rolLKYMq4nRHkpRw+xQwoWukwdMrwytnZJZzYRGwgVLIWrePcjEmJuDZF+Hz85FtWskqxSQgzY79XcyZ0mWUVNkDWpWk5qLk2z/ANS0lLZStp87s+SMOBmzPRQlYWYLX+Ac1mfFBsM4LmvqqkDtR1eu5x7q0n62v5959XpaZychOluUyX794mvNWZagZq2ouV6sOHt1LKJhUNNO2kqZ8XvaM5DyruufiIcqqRsTR1DyKYFHVMKN79DWNJVx6gfNr/K21VmlDYysOYBUyB1mQM1MgRpQEy86gs96qLrUOEwEfJTnGdgH1l2oYzRRmbML+DcydkZQ419t5EXD+sYNk/I7qde5yhLUgJp4bQo1fLRw5q3TGEGNNAlJnWXS0cgzHAQMS/qNQ00QlyqJhR6NDzM3ZMcOM2q0t2Tej321uUoT1KwbNcUw/XWi5kV4Kb26mTa5oaYCNUuj5rDGTqkVmXaetkKMmpIVieagpggzpoQML0iZ6k/tGzXrZC6pDQKHKi6TGZdRI99IXMhKo4ulpu5GP6CmS2pkXLPK1PC5l8Vyr3UeNytHDVsPIECNXvfILVLNTEaMRGotxOHYAXVehYhwY5gJ9zLRBCXUpOmwEropl8SHDOFx/NMCnjUnP39W73kDakANV53YZkWpcfq8yZqt+hApTRM22jhSdRzxATUj5aaGZBwetTo7IM5kPdolZPitMPYzZ5FGjXMAFv1im3iciXtzcwNqQE28YqgRa9e8+uf1q3mTCbpeu7AoNjuxiJWmmbJvu6ZNej1hwaOCmC3Ajfw/1MtEMatanE16KHO27U/L9GAbfQP6P76DVMABz1Gise01La1E0k3aEoGapVLTMNPO0wblEeP1QKlCD5Wp48MyV45LIp7ByqOCRcPOpzO0tz16Ok5uie2ci/eSB9MkYLkjV9bnjPRgZVAzW32iRqxS/OjW019eurazDWpaShsQDYDLPFSFHNi89B41DgyEGu2jhjx0Ll2ZKKj8WfPpZ2KRx53dkR57LD2QC6meK2HpzvRq+ZKfJtyAmrWkZq941ICaNtJykcWNZJE73mkGMIOAQ1JGKK1XM3fD4LGvxq05QNTyUnvCQ+298dvx55YIOdKGXZCsGysbDLSn8tsHQQ1XT6nJo+HdB0lyEdS0lJaL1Le90icHHUck3zrU6N4A1cpnISHN/wHfZLozuTXZAZWUVsYJSM5oQb5zeKpB9mJrFhwLmYt6pZFlL1+2ZSRQA2rijSSH/YAaUBNjpJ5Qw0tIIWCpcaKWIprRLcLmU1380zg5mJac5WVt3to6lpeDQ4Ic7TN1K2xpoG7m5SGYATVUoAbUxCq8gy5FyJBkiSKtNPKgsaP8P3UcjFXFgJmprUN5zBAvpnvEHRMHbB7BsE3q5GO+s6Dm6KgdI4EaUBNvpJ5QE+RGExE4TOJhMvteG8BQUwEByZCc5bTZ2kxJc65Hjc3HY0YF0KWgOFw69MkzVHMPqKECNf2j5mRcjGIPTK5qhxoyIcFBg0odlNVs7wzPG6VWJdQETMMmNph8eKbmTaD2TTJj1AWdlHNYZsdWdNS/qIq7ZGZNqBF70QkFdrYDNf2jRpt7rkyt9CrVne1Fx6gh/btBaiw7rG1PxanarEFmyLSjIDdG1lGwPMSinleGwx8nya0nN/+0ctCNRcF0O9El1abEd1lEnBHK9nTTSTcHM9HUvGhnPtRinzXtUTNO7qTpH24mtx4nW3dboeby7t73h8O/en86vX/3x5f6Sc3J3/5DO7Poigl5i4hraCd2NoMZ80a00cvQNmX6za2nv/yn6eNbo9H/zv+f+nIG7kk3QAzrQ/DpZ/m/331y80/e/6v3BTVB58cOGhACnrKCGiYLzFEH1PC5l2evvvxjOx6qo7RW3VDzQJh4+ijZujZ9fO6zNqm5e/3Se8lf9IQa5+iL2y3FNR2l1Tqy4twMgsR4kjbxV77PqSl22N7bnk6f/JTZKtCBSLoq9Wa4hhzzyaPi8XX/7tNfDYePP6DIGZXE3nw6N6fGfA81poZO1hK/iDB4fmbiqDn56Ou2qOm25t0VNbmHEuu2XtvbFmZuhRox4+BxHglv3f1Roh9f/aLmRWHp0r0HZ2Zq1XE0XE6NZkf6obRiyG6AmqLC894VYWLx49nKvOPWJC4xbH6flSn1cYY8fWbA6TDgzR0Nh5Qa8uewSGrO1qXm3RU1xTMlbDJQc9Y5NWv6rAE11Ubqukehy5o3Y6aEmjrRTWDJT6bKjmwyik9drAKWqRfL2NTeVbxqkXvDZPLckHJjjmUZoWauIu5h7+UaUpP/AYGalaGm1EN5zJgDdh8U4peYlXITl1HjVrpSQk0pN2qpPQ9X21cdHthDPA9Np6EbqlXVhmSunfxlbanpsubdMTXFjYOa4OFuqekwGj46cqjxuKHLHDncZLan2xmVEqCGsFJCjTmozReETa1/6NwOD8HLfeUoLLa7prkhfYC0DM9VyMuhpsOa9zpSMwrENaDG0yKfNdIlMf8kH9bOCmumhLXFjO0oN9LEIeNpaojNA31FKkyesZoj40ZlHGTG3p4js8xRUM2Y6WHNu3tqSsZDgZo1rkMFqSHS8aEoWoWJR40mI+VGcQbwyjMcIsypZgQNTzIakQNBe5MpC5zgEK4lzKibp1Mv2BprxkO1a6SkuFdQA2pijNQ1NV3VvHkY/FLHwqRAqx7cGTMMGRCjx+CFTUcVYMb/fIbMMvsyrynNqm56FYQ7sn88c0xMmG2kjqnpLBpeQ2r2tkVf+q74aUSNzOBqcm40fXqpl9QEat7uuMH5RHlhNDByRHk6/LA/VRKD2go4cQZBWvRrauZdW0xkZkFjiwUaL+/uvSF+zO2RtIbAcl6kZAb37z756ZOb35gqasQH1kcNKTVzTO826uGzpktq5IPh1pSMyWpIjcjy3dHoXfHTiBqZgaBG3l3/qOms5s2XVHPWgzVwaAM6z+/CLbDarmto9WD45f+6+Y3S+UiGvTKXFKTmwceWGkeltWuXGjEI+XGyVVBDPtAFsP7UdJO2c2qUiT/97Omv2qQmB/HD/2E9lKOa1FzeFSOQp9PHH4CaSK0nNbnTu5PaaNhRTWqE53x865EYfdxTakQULJyUH9a0QI0tLVZrGDiVKXKSUUpVUuG5LGYViPV+A9QEuDFD6YKn1SNC3Q5dv9O5mIp9LPLsCw5CWhg1x/U2S61FTVF9Ovkv8WkrtQBq9sZ5NAxqgodD1Jz84quzF9vzZ2qVI3Py0dcd9HnT6lCW+dx4FaYSZsIccGvNoobOLGGj74ba/PpqJO8AMzaVGk4j7jV0Kr99k3MJN4v0UIKceTO1Op1s/VFsNFWgE5m2UqBmBajxW97aedaIFptk++y49Zq3ZoLM8mdFZXYv0cjo02QRG16cZSSYCeOYcT5X2fL5D2TsTZAZj2+XfZebaSga9qiZPyCOe9acjFd8V7HNoWYi+w+SvxF9CJaa/E985ajJfcv9Fd9jV3Jj4l6vsBgzZGKUdRP+TF3utkqYCfzpmzPZGz1jKpS3ISuUnR7zKyT7Dy7v3vj1r69d3Tb5m4GGZHzNcBjY7HKx1LS0W+rJ+GHuo9qveW8MNaoD4uLWvQcrTo3oNWrnWSP6oQR+rUfDkhq2dlpQ7IHPfJA3+FejRBCoz4wP0DQwk0Fxw9xZkBk9v0BTc/FOen4n+cttk3VBjTMTSnzfknh4Ic+a1nZLzWvcxXbyHYw23xBqpIe6dC/9y2ujnb+xdyQeNStGTcNMifIHzfHt/Onl18jaoEYWbogby5R69eJPjZHjtKTNC7tyambDYtr5iIIeyg43dkBTH1iXU0TDV96bZDeTn/0mST5P1Qpr8nQLS2j7bgecuQp5Wf1Qh8WzNFCNBzX1qJEvLIP+U9NJWinio7Q78lZXM/JsbJ2WAxRZQ7q+UzJnU/4IOWa/Su27yFna/GJqUyrnVNEAd6j3FDdOT19HnqO4qOBm/ngY1ICa1ozUdZ/3pHTFrXaoUYaxJWRK0xZr1ZoSmplMQ+RQUJcYHx+bVF+DUKO9DDldUuNQHrh/k16fWe2a1pKaT39ftnAxqHGpeTpOJvk9jJNx/nONUUNm+opzn9xMdvcmxdn9pOarPB4OjroANS41j25lk+fZ80m2v7+fbVNq6KoC4tzHt6ajyxNx9pKoKXLseI7C6SQATuvUWKtlbh9VyLQUE8OMPZUFKdH0kDoOjZsIL0QypknTB5+nD0aiGTh/zuyw8X6aGp3iUbK1f3CQHRzMqjoRcOYq4mVSM1/ameonNRd3b5wXg8KqqJlOn05KqXknSd4cDN5Kkj8fXPjmWlLTUVophwevMlQti4jJh1IzIg03U29O75wy3om80ddI09/cST8Uqxzf+OTvz6n70feqHJSuQ92/+/TSj65c/35+2Kfm9Tff+Zb4/8J3B+fPNXzagBpHq0eN2PNjZ/dqknwwSZLtEaUm1Q2QkponN7fev66GRHnUvFb8G3x76+0L330N1Pgi9raT/aMMTOJl2Sor8+BmtYoBJDApjuTi+KiqbWDsLArS5iPcWhU1337zwjfPvwlqAgI1AWqkh/rO2xf+/XeS5HugxhPbgs44Ere9t9werGauLUJ6kbVN1W/1aLEuzUGtjJkglp4fc64h2o0HxWiJUDR8/s0iGh68Rj9oz0igZp2pGZQMxAqrPSOtNzUkHpYFKwu4um3PWbPIEEaf/R43NXHhq7Q5UlTai5NP7NQEU10i5FGMmGoTMyc3oGY9qKFNM+qOHidb1y4myTdWnRqxwtU67ComuCkK1o5rmVpwvCd70FWZM6xPUbiUrMSo/aB6K6/kDKwpWdqaZWX41BctrmQ7D0wQ/JOipfgyay0eVUy2XBI1Yszwyc9XfI6C1CZQM9o5N3Jbi1eQmmK8ZjtzFLpJa2Vsa5khZgnEAsRZUBkrBX0LMbw8R4230/E0i5ft2aFL0n5Ls8IaTVDMPdDUqByubk8f3WLf5WqytS+oeZ1WrqmCzcZtGUlR48+9XPn5UFJrQY3YvXAqNnr+mdjseQY1IzsSVVEjdlIUCx3Rr3Hp2k6SX/j890T7TBiaADZtGaksGn71RY0NDEFNPWqKnVJFN9Ov/8+dmc8an5r8uXLtd//1n5zvsiNG1/zZ2yW+aCnUVIzBq5FpkxuKVKtmrtYAAA7aSURBVObKa9gQryQOMVzoQx5AJYv+Gg8jZC6nB2t6fNG7KHZlTtMHyd1HxabyclCnmsPiJdK/MobJbUllkwv/LvnWn72d///nK0LNybhODQrURFHz4E76d8XyVm1Qszc5EBgID/VWiJqFxDX8YF1oVo8a084i/YctfkIN4cY5IHkgY80D2zA71HBgQ9RMi728P/xt+uDu7z75T8VGz5ptU4fSDsksdOz4S/aQKXSQJJdEq3AeDZ+TQ+xLXBVTdF9UDDVyZ+a1qEOtBTV5NHznX+7kkfAHcqPncmr+IBbtu/F3n82khk/qXglqmmbaeVoqU4aODamHYmKz17RTUubR0AU81NTaUV6L2UO1GwW48UJsfXOKcXmqSlIM/Nw5xxMxWvhfiHlThxlQY9Urai7n1aUbP3wX1HSRlopNNXP8FGswtqAwhFILDmOGSvk5zVXATBqFEGrssAyg5SHSMmzO3dve2X3wOUtkqRlRgPRlI8gBNVq9oubBtb3ty0lysSE1b4kB5+/4jcagRovsKsuoqRgOQ6xJuLG7YJMTbT7MLwT+jknezmZSygfJZYrsFRhb8oBoP74nJit4t2z9rgGEfcrv5XwxSSHc1dCGkUDNoqhRq1tVU+O0GM1LzevJ1tuhZw2oseIFmpUOrDGWMqah7sn4nuDWUqTYS0bPKaYc/2Qvq6ixzszzZepsGwkrfrx70DmQmabu3eTIgJpKgRqXmu+83TE1xTV7QI3nXUQJBclJQyqspHMwrMQNYsl0wyIZamzzF5O1Sca6BdgjbGRvyLQReNV8+n0C1LzVtYcCNTWokZNgvy3GspTYogY1VB1TU6U2jNQjaljRl4qRwg7YmrfIrzik7SGnGInXvGYSNJJwWyPJAqPGyqI9ZHfDPRm7NXHA95AuNaO44cNtGAnU1KFGTYIVz5l3WqemGLM1upgk2zvJ1j1Q01laroVRI0bNtU9NMWZrJIaT/2T6+A6o6SwtV/EVKiYNGQs51OgPSO1FU2PW4ZQlrTyUfN4EzCipUUk8XixIhSRe9oNi9M20GHjz+NxnbpjjUcOjt0hkYrkBNQ2okZNgL3y3S2oe3cp/f/JTUNNZWk/iSV7Oiyx92gqSBppf9foARmlKLKUbaezHhBfzkezJ1rWj1DYSZ9n+QTbJa2I6tYWj2CmxgOf+NTF/ha+y7lGT6e0jMvVbpKL6okDNkqlJDp5Pcj/nUyN2Snx8Swwnf5KIxdXWmJpaW9GtDjWyBKslmfCQIf5JnhHoaWLU6D4v8nnGpbNVIXZxbH//oNhIw1LlLO8o74MhTRiWeKjMpY+zwXqkmhuphJrjlnZL7Sitp9WnZnLQe2oOt/61f88au3UCOxikpmx9D7mPSrCnqtD1JLmSFUsGv5ckYnKkrsg/T5LEeCh5WQMIDX8ZNSZbcWlyy/rNHMREclNGDZc53kMP1ZiaoiOpmhqxxKJcMvg/DLMJoSbLDmw0vPbUlKktasTqFElwd/BWqZnBTca2b6H9TEySGjl3IAhNkqQ2qYdMnuoHxb/hxWR/+F5ykFl3ZpsPMw2r454IMwFqAl9qbmZWnhqxF53Qsb+FYY+puXgl288RGcdQU6wkAWoK6VWqO9iLzpE1Xik43MCB4cGWqlBRF9SQa7DM1K/Pi2XqD/b/41+M97OJIoV2VJj7S3koLJFUx3Tt2/lC4ibMfTZgJqLuvQnPmm6pGZABMmXUZGJLjEkeDf91/rMPaubM9HSyoLhGVo/LvZQsMF3amSvDTSk1I2eP3pE6wLyPjqgJm85ELZ2UVrj1qGKauZzNoBJrXsp3FK4vEdDXLtWWjdQ8U1DDImH1qAE13aUNio1C4HMUTJHpONdhxvFWQWoy2wugrWosSirr+hDLn6BEmWGhrzygjlaNTW7kneS2P8szUr1MF1bzBjX9oWZx0fAqUSPWjgE182e6uJq33apZ2YAiYIwa7Lwm8JTENRKF/Wz8p8PA9Dx9BX22qaKrTzUzRZDCEUnpKB9VqeL3xO62vKujLi+Rc3b7/6zplprnogNy/8eXQE1jrVDNW26qYH0A8U6BfiVTu5F21S0qQ9sS452cJQf37z75qdxehbgc3zqKGnV9OmRnxBEx/mkn2bp2NUl+5jk0VguTv83PzBxl2v86VNfUZOPHyVYdagYyromgRqxefnk3/fVzUNNh2qA803j+yQPHugFjHI8aaTexaaAYDv6BHgaTMbMOnazlMkipHpanr+QzI5uCxUg/0eVZnMF9k9veE0PNy5dzOCWm/te8u6VGrKj3KJFzCDqgJhuLLs8DUCO0yGhYcGMGy1D/VFaong2kYR3jaDJYYy7tXvK5IRMWLL0KS+m0WB9Ulj24J0LtbP/aiN1S5krkkVNQE5YGtGj1v+a9xtT84aao1ifjEagRWuyzxrbB1aLGdktVifohgs/QFaPGejtGjWkh1Er1eijEIbFJD9QPit9mIdMaL1L9r3mvCjUXvjkcXr8EajrJdFHUVBNRhxnp+AwzGpNMbj1pqvHa2OfPDX88TkQ0zKhRGOm5mcZlSWZK7rTIlPooO0crzEvLJQpqFkTNhe++NixGmoOauTNdYM1byLT3x65z5YYmlBo5j8A4CesuzDa3hp78//NXfiA8VGqbAq2PMiGyzofwMPs+gt+nZZfkaBOi4ZWg5nWxLwaoaZJpoOYd2PeuPREryNKcRcosmrTVCyNbZkzNm42SUHpNR8PaK3FqZN2bsFdKBLmLkomWneGitBnPmpWghjU7g5o5Ml1ozRvUtK1NqEOJfm/V8y1+OTqq5iZg76DFbB0osxUmGs3wA+ygxETjNrABinhrYrDZ1AQ+7aL8XIEaUBOvZVITnFzVGTVKR0ezqImTB8nA9lEFfVSAKwMJYUb7r4hb6aLkwlpSHWqiKkx+YANqQE2ZTic5L4t71ghujqzaoybskEqYIUm4TIDstGFX+6fFw2K0NA91Onnj/4EaUBOb6ck4tFxbR9ScnR0dMW7KIIhmpi4t1SlpZZzFwowrmbTrlt/Z2ow6lBCoaU+bQ02hGdREiSESzQ1N5BJj1xphryLJknFRWlqf98NXXySJ36EAakBNmUQ/1OHDHJ6PFtMPRdSQGgcTctwjZ3YrHRkjY3lh68JmVqvBi9TS+rxffflsUaPNmUBNC1qSh8ofNMe3z86OtxdzQ44kN3V2rayJkdw7oyTIrUrtrCnB1meTTK0SLEbLioYPi6ZhHxpQA2oWnLa+ZHdmYSdt+jqIGJs6x/VcciU6VWGWk1If285MkukK8iIFakBNvJbVe3l77rStCNQ00rLqUL9PHs6ZtiUZamavnMnbUkY67uA1JYWLmbrLuKlDJIdlVXmRWt5o88PwrkGgBtSUSLbTnE4WNb4mIDO8L5IZ2kMUJmbqsFPrKpaXBX3/RlruzJZ50rYkUNNAG1qHEiqoqRMHl1AjpQ4FmCGeagY1q++SHIEaUBOvjaZmUFnnVmFyqYcq8U4mCtZvFVzltKwRLkqgBtTEa6OpqR4+7OGi1iUKUGM+m5KlSYhkPMz4XFNepEANqIlX36iJWpSiJjF2Xw2z3ROrTDu7OpXITm5aX1q0ekZN3FomoGZOgZqg2Cr11suohkFnTqTcfbeaGQHaGrskR6AG1MSrZ9S0EdfQyUnE7iz8DSBWgosejdcTXqT6Rk2UQM2cAjWgJl4bTc0ZB8e037J2YGF6sp9lsOvKQ0yf3i9YjEANqInXplMja0XSzyjHYzuNGAtyY/eMDe2l1DBc+uaSHIEaUBOvPlFz+o9ipf2HJ+OtZ7XTyCF90juRbiXWOixpUA6r1EPpzVP6zYtUj6g5GW+f/VvOy789C0wELhOomUc9oiZ/1rz68kPxnDkumTUTlJysQGrVbqOwYaacGj0fav57Xy/1jZpnuZvK/0UI1MSrX9Tk3un0HysmQIQkQSHA6F9EYKs2WGHtfJSZYoDORjglpp5RIyLhw+BaFaUCNfHqEzXzScTCuptgRBwRlZ3YRPai7H6Ti5UVqAE18QI1uleBBMJBasyb/nVGRgvUgJp4gRpnwATbwUfuGUbWhd54XqRADaiJF6gBNfECNd6QPhrQmMoSYKECNaAmXqBGKEBNmpoDy7ij1RaoEQI1cQI1QoOQlnEjayJQIwRq4gRqhMBLnECNEKiJE6iRAiwxAjVSoCZGoAaKF6iB4rWu1EStUwO1rNWjBloDtYYKtXwXmS7mKsh0aQI1yHRVr70+xbbhma7Utden2DY805W69voU24ZnulLXXp9i2/BMV+ra61NsG57pGlwbWleBGiheoAaKF6iB4gVqoHiBGiheoAaKF6iB4gVqoHiBGiherVJz8ouvzs6Ok+Rc/vIiKV5PJ8kbX59VvsRnqg62m+nJOEketp2petf213/1RbM7bao2qTkuCj//li+2z84Oi6XuxdfL31W9xGeqDrab6en9Z2cnP3/WbqbqXdtfP8fnYZNMG6tFag63/vUXcqny/Fu++rLYjEUsXp6/q3qJz1QdbDfTYhuQw4ct36l813amJ3/7Dw8bfP3mat9D5cppz5+U4oF/8tHX4q+46iU+U3Ww9Uw7uVPxruVMX335xy+qi3ZWpk3VATXFpk/5wz7/ds+O3yi+RdVLfKbqYOuZvvriduuZFu9azvTFbeGImmTaVJ08a/R9Hz5s8VljMz1r71lDMz2d3D5rPdPWHmCsTF/171lzZsK26jChpg/2M1UHW870ZCx+bf1OmwVLoUxfFNOcbvcqriGPylf//JV46BehfflLfKbqYLuZSmhazlS9a/3ri2dNk0ybqv1nTf6nIDaZUy8ttdfwTFtqr2GZyr/ghy3faY1SmOfr96m9BtoUgRooXqAGiheogeIFaqB4gRooXqAGiheogeIFaqB4gRooXqAGiheogeIFaqB4gRooXqAGiheogeIFaqB4gRooXqAGiheogeIFaqB4gRooXqAGiheogeIFaqB4gRooXqAGiheogeIFaqB4gRooXqAGiheogeIFaqB4gRooXqAGiheogeIFaqB4gRooXqAGiheogeIFaqB4gRooXqAGiheogeIFaqB4gRooXqAGitf/B86McBWuvPILAAAAAElFTkSuQmCC"/>
+          <p:cNvSpPr>
+            <a:spLocks noChangeAspect="1" noChangeArrowheads="1"/>
+          </p:cNvSpPr>
+          <p:nvPr/>
+        </p:nvSpPr>
+        <p:spPr bwMode="auto">
+          <a:xfrm>
+            <a:off x="307975" y="7937"/>
+            <a:ext cx="304800" cy="304801"/>
+          </a:xfrm>
+          <a:prstGeom prst="rect">
+            <a:avLst/>
+          </a:prstGeom>
+          <a:noFill/>
+          <a:extLst>
+            <a:ext uri="{909E8E84-426E-40DD-AFC4-6F175D3DCCD1}">
+              <a14:hiddenFill xmlns:a14="http://schemas.microsoft.com/office/drawing/2010/main">
+                <a:solidFill>
+                  <a:srgbClr val="FFFFFF"/>
+                </a:solidFill>
+              </a14:hiddenFill>
+            </a:ext>
+          </a:extLst>
+        </p:spPr>
+        <p:txBody>
+          <a:bodyPr vert="horz" wrap="square" lIns="91440" tIns="45720" rIns="91440" bIns="45720" numCol="1" anchor="t" anchorCtr="0" compatLnSpc="1">
+            <a:prstTxWarp prst="textNoShape">
+              <a:avLst/>
+            </a:prstTxWarp>
+          </a:bodyPr>
+          <a:lstStyle/>
+          <a:p>
+            <a:endParaRPr lang="ru-RU"/>
+          </a:p>
+        </p:txBody>
+      </p:sp>
+      <p:pic>
+        <p:nvPicPr>
+          <p:cNvPr id="2050" name="Picture 2"/>
+          <p:cNvPicPr>
+            <a:picLocks noChangeAspect="1" noChangeArrowheads="1"/>
+          </p:cNvPicPr>
+          <p:nvPr/>
+        </p:nvPicPr>
+        <p:blipFill rotWithShape="1">
+          <a:blip r:embed="rId2">
+            <a:extLst>
+              <a:ext uri="{28A0092B-C50C-407E-A947-70E740481C1C}">
+                <a14:useLocalDpi xmlns:a14="http://schemas.microsoft.com/office/drawing/2010/main" val="0"/>
+              </a:ext>
+            </a:extLst>
+          </a:blip>
+          <a:srcRect l="5086" t="9024" r="5086" b="9024"/>
+          <a:stretch/>
+        </p:blipFill>
+        <p:spPr bwMode="auto">
+          <a:xfrm>
+            <a:off x="4625860" y="949665"/>
+            <a:ext cx="4410636" cy="3561034"/>
+          </a:xfrm>
+          <a:prstGeom prst="rect">
+            <a:avLst/>
+          </a:prstGeom>
+          <a:noFill/>
+          <a:ln>
+            <a:noFill/>
+          </a:ln>
+          <a:extLst>
+            <a:ext uri="{909E8E84-426E-40DD-AFC4-6F175D3DCCD1}">
+              <a14:hiddenFill xmlns:a14="http://schemas.microsoft.com/office/drawing/2010/main">
+                <a:solidFill>
+                  <a:schemeClr val="accent1"/>
+                </a:solidFill>
+              </a14:hiddenFill>
+            </a:ext>
+            <a:ext uri="{91240B29-F687-4F45-9708-019B960494DF}">
+              <a14:hiddenLine xmlns:a14="http://schemas.microsoft.com/office/drawing/2010/main" w="9525">
+                <a:solidFill>
+                  <a:schemeClr val="tx1"/>
+                </a:solidFill>
+                <a:miter lim="800000"/>
+                <a:headEnd/>
+                <a:tailEnd/>
+              </a14:hiddenLine>
+            </a:ext>
+          </a:extLst>
+        </p:spPr>
+      </p:pic>
+      <p:pic>
+        <p:nvPicPr>
+          <p:cNvPr id="2053" name="Picture 5"/>
+          <p:cNvPicPr>
+            <a:picLocks noChangeAspect="1" noChangeArrowheads="1"/>
+          </p:cNvPicPr>
+          <p:nvPr/>
+        </p:nvPicPr>
+        <p:blipFill>
+          <a:blip r:embed="rId3">
+            <a:extLst>
+              <a:ext uri="{28A0092B-C50C-407E-A947-70E740481C1C}">
+                <a14:useLocalDpi xmlns:a14="http://schemas.microsoft.com/office/drawing/2010/main" val="0"/>
+              </a:ext>
+            </a:extLst>
+          </a:blip>
+          <a:srcRect/>
+          <a:stretch>
+            <a:fillRect/>
+          </a:stretch>
+        </p:blipFill>
+        <p:spPr bwMode="auto">
+          <a:xfrm>
+            <a:off x="307975" y="843558"/>
+            <a:ext cx="4181974" cy="3700860"/>
+          </a:xfrm>
+          <a:prstGeom prst="rect">
+            <a:avLst/>
+          </a:prstGeom>
+          <a:noFill/>
+          <a:ln>
+            <a:noFill/>
+          </a:ln>
+          <a:extLst>
+            <a:ext uri="{909E8E84-426E-40DD-AFC4-6F175D3DCCD1}">
+              <a14:hiddenFill xmlns:a14="http://schemas.microsoft.com/office/drawing/2010/main">
+                <a:solidFill>
+                  <a:schemeClr val="accent1"/>
+                </a:solidFill>
+              </a14:hiddenFill>
+            </a:ext>
+            <a:ext uri="{91240B29-F687-4F45-9708-019B960494DF}">
+              <a14:hiddenLine xmlns:a14="http://schemas.microsoft.com/office/drawing/2010/main" w="9525">
+                <a:solidFill>
+                  <a:schemeClr val="tx1"/>
+                </a:solidFill>
+                <a:miter lim="800000"/>
+                <a:headEnd/>
+                <a:tailEnd/>
+              </a14:hiddenLine>
+            </a:ext>
+          </a:extLst>
+        </p:spPr>
+      </p:pic>
+    </p:spTree>
+    <p:extLst>
+      <p:ext uri="{BB962C8B-B14F-4D97-AF65-F5344CB8AC3E}">
+        <p14:creationId xmlns:p14="http://schemas.microsoft.com/office/powerpoint/2010/main" val="3284983278"/>
+      </p:ext>
+    </p:extLst>
+  </p:cSld>
+  <p:clrMapOvr>
+    <a:masterClrMapping/>
+  </p:clrMapOvr>
+  <p:timing>
+    <p:tnLst>
+      <p:par>
+        <p:cTn id="1" dur="indefinite" restart="never" nodeType="tmRoot"/>
+      </p:par>
+    </p:tnLst>
+  </p:timing>
+</p:sld>
+</file>
+
+<file path=ppt/slides/slide10.xml><?xml version="1.0" encoding="utf-8"?>
+<p:sld xmlns:a="http://schemas.openxmlformats.org/drawingml/2006/main" xmlns:r="http://schemas.openxmlformats.org/officeDocument/2006/relationships" xmlns:p="http://schemas.openxmlformats.org/presentationml/2006/main">
+  <p:cSld>
+    <p:spTree>
+      <p:nvGrpSpPr>
+        <p:cNvPr id="1" name=""/>
+        <p:cNvGrpSpPr/>
+        <p:nvPr/>
+      </p:nvGrpSpPr>
+      <p:grpSpPr>
+        <a:xfrm>
+          <a:off x="0" y="0"/>
+          <a:ext cx="0" cy="0"/>
+          <a:chOff x="0" y="0"/>
+          <a:chExt cx="0" cy="0"/>
+        </a:xfrm>
+      </p:grpSpPr>
+      <p:pic>
+        <p:nvPicPr>
+          <p:cNvPr id="8194" name="Picture 2"/>
+          <p:cNvPicPr>
+            <a:picLocks noGrp="1" noChangeAspect="1" noChangeArrowheads="1"/>
+          </p:cNvPicPr>
+          <p:nvPr>
+            <p:ph type="pic" sz="quarter" idx="20"/>
+          </p:nvPr>
+        </p:nvPicPr>
+        <p:blipFill rotWithShape="1">
+          <a:blip r:embed="rId2">
+            <a:extLst>
+              <a:ext uri="{28A0092B-C50C-407E-A947-70E740481C1C}">
+                <a14:useLocalDpi xmlns:a14="http://schemas.microsoft.com/office/drawing/2010/main" val="0"/>
+              </a:ext>
+            </a:extLst>
+          </a:blip>
+          <a:srcRect t="2211" b="2211"/>
+          <a:stretch/>
+        </p:blipFill>
+        <p:spPr bwMode="auto">
+          <a:prstGeom prst="rect">
+            <a:avLst/>
+          </a:prstGeom>
+          <a:noFill/>
+          <a:ln>
+            <a:noFill/>
+          </a:ln>
+          <a:extLst>
+            <a:ext uri="{909E8E84-426E-40DD-AFC4-6F175D3DCCD1}">
+              <a14:hiddenFill xmlns:a14="http://schemas.microsoft.com/office/drawing/2010/main">
+                <a:solidFill>
+                  <a:schemeClr val="accent1"/>
+                </a:solidFill>
+              </a14:hiddenFill>
+            </a:ext>
+            <a:ext uri="{91240B29-F687-4F45-9708-019B960494DF}">
+              <a14:hiddenLine xmlns:a14="http://schemas.microsoft.com/office/drawing/2010/main" w="9525">
+                <a:solidFill>
+                  <a:schemeClr val="tx1"/>
+                </a:solidFill>
+                <a:miter lim="800000"/>
+                <a:headEnd/>
+                <a:tailEnd/>
+              </a14:hiddenLine>
+            </a:ext>
+          </a:extLst>
+        </p:spPr>
+      </p:pic>
+      <p:sp>
+        <p:nvSpPr>
+          <p:cNvPr id="5" name="Заголовок 4"/>
+          <p:cNvSpPr>
+            <a:spLocks noGrp="1"/>
+          </p:cNvSpPr>
+          <p:nvPr>
+            <p:ph type="ctrTitle"/>
+          </p:nvPr>
+        </p:nvSpPr>
+        <p:spPr/>
+        <p:txBody>
+          <a:bodyPr/>
+          <a:lstStyle/>
+          <a:p>
+            <a:endParaRPr lang="ru-RU"/>
+          </a:p>
+        </p:txBody>
+      </p:sp>
+      <p:pic>
+        <p:nvPicPr>
+          <p:cNvPr id="8195" name="Picture 3"/>
+          <p:cNvPicPr>
+            <a:picLocks noGrp="1" noChangeAspect="1" noChangeArrowheads="1"/>
+          </p:cNvPicPr>
+          <p:nvPr>
+            <p:ph type="pic" sz="quarter" idx="22"/>
+          </p:nvPr>
+        </p:nvPicPr>
+        <p:blipFill>
+          <a:blip r:embed="rId3">
+            <a:extLst>
+              <a:ext uri="{28A0092B-C50C-407E-A947-70E740481C1C}">
+                <a14:useLocalDpi xmlns:a14="http://schemas.microsoft.com/office/drawing/2010/main" val="0"/>
+              </a:ext>
+            </a:extLst>
+          </a:blip>
+          <a:srcRect t="1433" b="1433"/>
+          <a:stretch>
+            <a:fillRect/>
+          </a:stretch>
+        </p:blipFill>
+        <p:spPr bwMode="auto">
+          <a:prstGeom prst="rect">
+            <a:avLst/>
+          </a:prstGeom>
+          <a:noFill/>
+          <a:ln>
+            <a:noFill/>
+          </a:ln>
+          <a:extLst>
+            <a:ext uri="{909E8E84-426E-40DD-AFC4-6F175D3DCCD1}">
+              <a14:hiddenFill xmlns:a14="http://schemas.microsoft.com/office/drawing/2010/main">
+                <a:solidFill>
+                  <a:schemeClr val="accent1"/>
+                </a:solidFill>
+              </a14:hiddenFill>
+            </a:ext>
+            <a:ext uri="{91240B29-F687-4F45-9708-019B960494DF}">
+              <a14:hiddenLine xmlns:a14="http://schemas.microsoft.com/office/drawing/2010/main" w="9525">
+                <a:solidFill>
+                  <a:schemeClr val="tx1"/>
+                </a:solidFill>
+                <a:miter lim="800000"/>
+                <a:headEnd/>
+                <a:tailEnd/>
+              </a14:hiddenLine>
+            </a:ext>
+          </a:extLst>
+        </p:spPr>
+      </p:pic>
+      <p:sp>
+        <p:nvSpPr>
+          <p:cNvPr id="7" name="Текст 6"/>
+          <p:cNvSpPr>
+            <a:spLocks noGrp="1"/>
+          </p:cNvSpPr>
+          <p:nvPr>
+            <p:ph type="body" sz="quarter" idx="26"/>
+          </p:nvPr>
+        </p:nvSpPr>
+        <p:spPr/>
+        <p:txBody>
+          <a:bodyPr>
+            <a:normAutofit fontScale="85000" lnSpcReduction="20000"/>
+          </a:bodyPr>
+          <a:lstStyle/>
+          <a:p>
+            <a:r>
+              <a:rPr lang="en-US" dirty="0"/>
+              <a:t>Key difference – PK_r2 + </a:t>
+            </a:r>
+            <a:r>
+              <a:rPr lang="en-US" dirty="0" smtClean="0"/>
+              <a:t>140ms</a:t>
+            </a:r>
+            <a:endParaRPr lang="ru-RU" dirty="0"/>
+          </a:p>
+        </p:txBody>
+      </p:sp>
+    </p:spTree>
+    <p:extLst>
+      <p:ext uri="{BB962C8B-B14F-4D97-AF65-F5344CB8AC3E}">
+        <p14:creationId xmlns:p14="http://schemas.microsoft.com/office/powerpoint/2010/main" val="3568956291"/>
+      </p:ext>
+    </p:extLst>
+  </p:cSld>
+  <p:clrMapOvr>
+    <a:masterClrMapping/>
+  </p:clrMapOvr>
+  <p:timing>
+    <p:tnLst>
+      <p:par>
+        <p:cTn id="1" dur="indefinite" restart="never" nodeType="tmRoot"/>
+      </p:par>
+    </p:tnLst>
+  </p:timing>
+</p:sld>
+</file>
+
+<file path=ppt/slides/slide11.xml><?xml version="1.0" encoding="utf-8"?>
+<p:sld xmlns:a="http://schemas.openxmlformats.org/drawingml/2006/main" xmlns:r="http://schemas.openxmlformats.org/officeDocument/2006/relationships" xmlns:p="http://schemas.openxmlformats.org/presentationml/2006/main">
+  <p:cSld>
+    <p:spTree>
+      <p:nvGrpSpPr>
+        <p:cNvPr id="1" name=""/>
+        <p:cNvGrpSpPr/>
+        <p:nvPr/>
+      </p:nvGrpSpPr>
+      <p:grpSpPr>
+        <a:xfrm>
+          <a:off x="0" y="0"/>
+          <a:ext cx="0" cy="0"/>
+          <a:chOff x="0" y="0"/>
+          <a:chExt cx="0" cy="0"/>
+        </a:xfrm>
+      </p:grpSpPr>
+      <p:sp>
+        <p:nvSpPr>
+          <p:cNvPr id="5" name="Заголовок 4"/>
+          <p:cNvSpPr>
+            <a:spLocks noGrp="1"/>
+          </p:cNvSpPr>
+          <p:nvPr>
+            <p:ph type="ctrTitle"/>
+          </p:nvPr>
+        </p:nvSpPr>
+        <p:spPr/>
+        <p:txBody>
+          <a:bodyPr/>
+          <a:lstStyle/>
+          <a:p>
+            <a:endParaRPr lang="ru-RU"/>
+          </a:p>
+        </p:txBody>
+      </p:sp>
+      <p:sp>
+        <p:nvSpPr>
+          <p:cNvPr id="7" name="Текст 6"/>
+          <p:cNvSpPr>
+            <a:spLocks noGrp="1"/>
+          </p:cNvSpPr>
+          <p:nvPr>
+            <p:ph type="body" sz="quarter" idx="26"/>
+          </p:nvPr>
+        </p:nvSpPr>
+        <p:spPr/>
+        <p:txBody>
+          <a:bodyPr>
+            <a:normAutofit fontScale="85000" lnSpcReduction="20000"/>
+          </a:bodyPr>
+          <a:lstStyle/>
+          <a:p>
+            <a:r>
+              <a:rPr lang="en-US" dirty="0"/>
+              <a:t>Key difference – PK_r2 + </a:t>
+            </a:r>
+            <a:r>
+              <a:rPr lang="en-US" dirty="0" smtClean="0"/>
+              <a:t>140ms</a:t>
+            </a:r>
+            <a:endParaRPr lang="ru-RU" dirty="0"/>
+          </a:p>
+        </p:txBody>
+      </p:sp>
+      <p:pic>
+        <p:nvPicPr>
+          <p:cNvPr id="9218" name="Picture 2"/>
+          <p:cNvPicPr>
+            <a:picLocks noGrp="1" noChangeAspect="1" noChangeArrowheads="1"/>
+          </p:cNvPicPr>
+          <p:nvPr>
+            <p:ph type="pic" sz="quarter" idx="22"/>
+          </p:nvPr>
+        </p:nvPicPr>
+        <p:blipFill>
+          <a:blip r:embed="rId2">
+            <a:extLst>
+              <a:ext uri="{28A0092B-C50C-407E-A947-70E740481C1C}">
+                <a14:useLocalDpi xmlns:a14="http://schemas.microsoft.com/office/drawing/2010/main" val="0"/>
+              </a:ext>
+            </a:extLst>
+          </a:blip>
+          <a:srcRect t="1433" b="1433"/>
+          <a:stretch>
+            <a:fillRect/>
+          </a:stretch>
+        </p:blipFill>
+        <p:spPr bwMode="auto">
+          <a:prstGeom prst="rect">
+            <a:avLst/>
+          </a:prstGeom>
+          <a:noFill/>
+          <a:ln>
+            <a:noFill/>
+          </a:ln>
+          <a:extLst>
+            <a:ext uri="{909E8E84-426E-40DD-AFC4-6F175D3DCCD1}">
+              <a14:hiddenFill xmlns:a14="http://schemas.microsoft.com/office/drawing/2010/main">
+                <a:solidFill>
+                  <a:schemeClr val="accent1"/>
+                </a:solidFill>
+              </a14:hiddenFill>
+            </a:ext>
+            <a:ext uri="{91240B29-F687-4F45-9708-019B960494DF}">
+              <a14:hiddenLine xmlns:a14="http://schemas.microsoft.com/office/drawing/2010/main" w="9525">
+                <a:solidFill>
+                  <a:schemeClr val="tx1"/>
+                </a:solidFill>
+                <a:miter lim="800000"/>
+                <a:headEnd/>
+                <a:tailEnd/>
+              </a14:hiddenLine>
+            </a:ext>
+          </a:extLst>
+        </p:spPr>
+      </p:pic>
+      <p:pic>
+        <p:nvPicPr>
+          <p:cNvPr id="9219" name="Picture 3"/>
+          <p:cNvPicPr>
+            <a:picLocks noGrp="1" noChangeAspect="1" noChangeArrowheads="1"/>
+          </p:cNvPicPr>
+          <p:nvPr>
+            <p:ph type="pic" sz="quarter" idx="20"/>
+          </p:nvPr>
+        </p:nvPicPr>
+        <p:blipFill>
+          <a:blip r:embed="rId3">
+            <a:extLst>
+              <a:ext uri="{28A0092B-C50C-407E-A947-70E740481C1C}">
+                <a14:useLocalDpi xmlns:a14="http://schemas.microsoft.com/office/drawing/2010/main" val="0"/>
+              </a:ext>
+            </a:extLst>
+          </a:blip>
+          <a:srcRect t="2211" b="2211"/>
+          <a:stretch>
+            <a:fillRect/>
+          </a:stretch>
+        </p:blipFill>
+        <p:spPr bwMode="auto">
+          <a:prstGeom prst="rect">
+            <a:avLst/>
+          </a:prstGeom>
+          <a:noFill/>
+          <a:ln>
+            <a:noFill/>
+          </a:ln>
+          <a:extLst>
+            <a:ext uri="{909E8E84-426E-40DD-AFC4-6F175D3DCCD1}">
+              <a14:hiddenFill xmlns:a14="http://schemas.microsoft.com/office/drawing/2010/main">
+                <a:solidFill>
+                  <a:schemeClr val="accent1"/>
+                </a:solidFill>
+              </a14:hiddenFill>
+            </a:ext>
+            <a:ext uri="{91240B29-F687-4F45-9708-019B960494DF}">
+              <a14:hiddenLine xmlns:a14="http://schemas.microsoft.com/office/drawing/2010/main" w="9525">
+                <a:solidFill>
+                  <a:schemeClr val="tx1"/>
+                </a:solidFill>
+                <a:miter lim="800000"/>
+                <a:headEnd/>
+                <a:tailEnd/>
+              </a14:hiddenLine>
+            </a:ext>
+          </a:extLst>
+        </p:spPr>
+      </p:pic>
+    </p:spTree>
+    <p:extLst>
+      <p:ext uri="{BB962C8B-B14F-4D97-AF65-F5344CB8AC3E}">
+        <p14:creationId xmlns:p14="http://schemas.microsoft.com/office/powerpoint/2010/main" val="2174224509"/>
+      </p:ext>
+    </p:extLst>
+  </p:cSld>
+  <p:clrMapOvr>
+    <a:masterClrMapping/>
+  </p:clrMapOvr>
+  <p:timing>
+    <p:tnLst>
+      <p:par>
+        <p:cTn id="1" dur="indefinite" restart="never" nodeType="tmRoot"/>
+      </p:par>
+    </p:tnLst>
+  </p:timing>
+</p:sld>
+</file>
+
+<file path=ppt/slides/slide12.xml><?xml version="1.0" encoding="utf-8"?>
+<p:sld xmlns:a="http://schemas.openxmlformats.org/drawingml/2006/main" xmlns:r="http://schemas.openxmlformats.org/officeDocument/2006/relationships" xmlns:p="http://schemas.openxmlformats.org/presentationml/2006/main">
+  <p:cSld>
+    <p:spTree>
+      <p:nvGrpSpPr>
+        <p:cNvPr id="1" name=""/>
+        <p:cNvGrpSpPr/>
+        <p:nvPr/>
+      </p:nvGrpSpPr>
+      <p:grpSpPr>
+        <a:xfrm>
+          <a:off x="0" y="0"/>
+          <a:ext cx="0" cy="0"/>
+          <a:chOff x="0" y="0"/>
+          <a:chExt cx="0" cy="0"/>
+        </a:xfrm>
+      </p:grpSpPr>
+      <p:sp>
+        <p:nvSpPr>
+          <p:cNvPr id="5" name="Заголовок 4"/>
+          <p:cNvSpPr>
+            <a:spLocks noGrp="1"/>
+          </p:cNvSpPr>
+          <p:nvPr>
+            <p:ph type="ctrTitle"/>
+          </p:nvPr>
+        </p:nvSpPr>
+        <p:spPr/>
+        <p:txBody>
+          <a:bodyPr/>
+          <a:lstStyle/>
+          <a:p>
+            <a:endParaRPr lang="ru-RU"/>
+          </a:p>
+        </p:txBody>
+      </p:sp>
+      <p:sp>
+        <p:nvSpPr>
+          <p:cNvPr id="7" name="Текст 6"/>
+          <p:cNvSpPr>
+            <a:spLocks noGrp="1"/>
+          </p:cNvSpPr>
+          <p:nvPr>
+            <p:ph type="body" sz="quarter" idx="26"/>
+          </p:nvPr>
+        </p:nvSpPr>
+        <p:spPr/>
+        <p:txBody>
+          <a:bodyPr>
+            <a:normAutofit fontScale="85000" lnSpcReduction="20000"/>
+          </a:bodyPr>
+          <a:lstStyle/>
+          <a:p>
+            <a:r>
+              <a:rPr lang="en-US" dirty="0"/>
+              <a:t>Key difference – PK_r2 + </a:t>
+            </a:r>
+            <a:r>
+              <a:rPr lang="en-US" dirty="0" smtClean="0"/>
+              <a:t>140ms</a:t>
+            </a:r>
+            <a:endParaRPr lang="ru-RU" dirty="0"/>
+          </a:p>
+        </p:txBody>
+      </p:sp>
+      <p:pic>
+        <p:nvPicPr>
+          <p:cNvPr id="10242" name="Picture 2"/>
+          <p:cNvPicPr>
+            <a:picLocks noGrp="1" noChangeAspect="1" noChangeArrowheads="1"/>
+          </p:cNvPicPr>
+          <p:nvPr>
+            <p:ph type="pic" sz="quarter" idx="22"/>
+          </p:nvPr>
+        </p:nvPicPr>
+        <p:blipFill>
+          <a:blip r:embed="rId2">
+            <a:extLst>
+              <a:ext uri="{28A0092B-C50C-407E-A947-70E740481C1C}">
+                <a14:useLocalDpi xmlns:a14="http://schemas.microsoft.com/office/drawing/2010/main" val="0"/>
+              </a:ext>
+            </a:extLst>
+          </a:blip>
+          <a:srcRect t="1433" b="1433"/>
+          <a:stretch>
+            <a:fillRect/>
+          </a:stretch>
+        </p:blipFill>
+        <p:spPr bwMode="auto">
+          <a:prstGeom prst="rect">
+            <a:avLst/>
+          </a:prstGeom>
+          <a:noFill/>
+          <a:ln>
+            <a:noFill/>
+          </a:ln>
+          <a:extLst>
+            <a:ext uri="{909E8E84-426E-40DD-AFC4-6F175D3DCCD1}">
+              <a14:hiddenFill xmlns:a14="http://schemas.microsoft.com/office/drawing/2010/main">
+                <a:solidFill>
+                  <a:schemeClr val="accent1"/>
+                </a:solidFill>
+              </a14:hiddenFill>
+            </a:ext>
+            <a:ext uri="{91240B29-F687-4F45-9708-019B960494DF}">
+              <a14:hiddenLine xmlns:a14="http://schemas.microsoft.com/office/drawing/2010/main" w="9525">
+                <a:solidFill>
+                  <a:schemeClr val="tx1"/>
+                </a:solidFill>
+                <a:miter lim="800000"/>
+                <a:headEnd/>
+                <a:tailEnd/>
+              </a14:hiddenLine>
+            </a:ext>
+          </a:extLst>
+        </p:spPr>
+      </p:pic>
+      <p:pic>
+        <p:nvPicPr>
+          <p:cNvPr id="10243" name="Picture 3"/>
+          <p:cNvPicPr>
+            <a:picLocks noGrp="1" noChangeAspect="1" noChangeArrowheads="1"/>
+          </p:cNvPicPr>
+          <p:nvPr>
+            <p:ph type="pic" sz="quarter" idx="20"/>
+          </p:nvPr>
+        </p:nvPicPr>
+        <p:blipFill>
+          <a:blip r:embed="rId3">
+            <a:extLst>
+              <a:ext uri="{28A0092B-C50C-407E-A947-70E740481C1C}">
+                <a14:useLocalDpi xmlns:a14="http://schemas.microsoft.com/office/drawing/2010/main" val="0"/>
+              </a:ext>
+            </a:extLst>
+          </a:blip>
+          <a:srcRect t="2211" b="2211"/>
+          <a:stretch>
+            <a:fillRect/>
+          </a:stretch>
+        </p:blipFill>
+        <p:spPr bwMode="auto">
+          <a:prstGeom prst="rect">
+            <a:avLst/>
+          </a:prstGeom>
+          <a:noFill/>
+          <a:ln>
+            <a:noFill/>
+          </a:ln>
+          <a:extLst>
+            <a:ext uri="{909E8E84-426E-40DD-AFC4-6F175D3DCCD1}">
+              <a14:hiddenFill xmlns:a14="http://schemas.microsoft.com/office/drawing/2010/main">
+                <a:solidFill>
+                  <a:schemeClr val="accent1"/>
+                </a:solidFill>
+              </a14:hiddenFill>
+            </a:ext>
+            <a:ext uri="{91240B29-F687-4F45-9708-019B960494DF}">
+              <a14:hiddenLine xmlns:a14="http://schemas.microsoft.com/office/drawing/2010/main" w="9525">
+                <a:solidFill>
+                  <a:schemeClr val="tx1"/>
+                </a:solidFill>
+                <a:miter lim="800000"/>
+                <a:headEnd/>
+                <a:tailEnd/>
+              </a14:hiddenLine>
+            </a:ext>
+          </a:extLst>
+        </p:spPr>
+      </p:pic>
+    </p:spTree>
+    <p:extLst>
+      <p:ext uri="{BB962C8B-B14F-4D97-AF65-F5344CB8AC3E}">
+        <p14:creationId xmlns:p14="http://schemas.microsoft.com/office/powerpoint/2010/main" val="3371846441"/>
+      </p:ext>
+    </p:extLst>
+  </p:cSld>
+  <p:clrMapOvr>
+    <a:masterClrMapping/>
+  </p:clrMapOvr>
+  <p:timing>
+    <p:tnLst>
+      <p:par>
+        <p:cTn id="1" dur="indefinite" restart="never" nodeType="tmRoot"/>
+      </p:par>
+    </p:tnLst>
+  </p:timing>
+</p:sld>
+</file>
+
+<file path=ppt/slides/slide13.xml><?xml version="1.0" encoding="utf-8"?>
+<p:sld xmlns:a="http://schemas.openxmlformats.org/drawingml/2006/main" xmlns:r="http://schemas.openxmlformats.org/officeDocument/2006/relationships" xmlns:p="http://schemas.openxmlformats.org/presentationml/2006/main">
+  <p:cSld>
+    <p:spTree>
+      <p:nvGrpSpPr>
+        <p:cNvPr id="1" name=""/>
+        <p:cNvGrpSpPr/>
+        <p:nvPr/>
+      </p:nvGrpSpPr>
+      <p:grpSpPr>
+        <a:xfrm>
+          <a:off x="0" y="0"/>
+          <a:ext cx="0" cy="0"/>
+          <a:chOff x="0" y="0"/>
+          <a:chExt cx="0" cy="0"/>
+        </a:xfrm>
+      </p:grpSpPr>
+      <p:sp>
+        <p:nvSpPr>
+          <p:cNvPr id="5" name="Заголовок 4"/>
+          <p:cNvSpPr>
+            <a:spLocks noGrp="1"/>
+          </p:cNvSpPr>
+          <p:nvPr>
+            <p:ph type="ctrTitle"/>
+          </p:nvPr>
+        </p:nvSpPr>
+        <p:spPr/>
+        <p:txBody>
+          <a:bodyPr/>
+          <a:lstStyle/>
+          <a:p>
+            <a:endParaRPr lang="ru-RU"/>
+          </a:p>
+        </p:txBody>
+      </p:sp>
+      <p:sp>
+        <p:nvSpPr>
+          <p:cNvPr id="7" name="Текст 6"/>
+          <p:cNvSpPr>
+            <a:spLocks noGrp="1"/>
+          </p:cNvSpPr>
+          <p:nvPr>
+            <p:ph type="body" sz="quarter" idx="26"/>
+          </p:nvPr>
+        </p:nvSpPr>
+        <p:spPr/>
+        <p:txBody>
+          <a:bodyPr>
+            <a:normAutofit fontScale="85000" lnSpcReduction="20000"/>
+          </a:bodyPr>
+          <a:lstStyle/>
+          <a:p>
+            <a:r>
+              <a:rPr lang="en-US" dirty="0"/>
+              <a:t>Key difference – </a:t>
+            </a:r>
+            <a:r>
+              <a:rPr lang="en-US" dirty="0" smtClean="0"/>
+              <a:t>PK_r2 + 140ms</a:t>
+            </a:r>
+            <a:endParaRPr lang="ru-RU" dirty="0"/>
+          </a:p>
+        </p:txBody>
+      </p:sp>
+      <p:pic>
+        <p:nvPicPr>
+          <p:cNvPr id="11266" name="Picture 2"/>
+          <p:cNvPicPr>
+            <a:picLocks noGrp="1" noChangeAspect="1" noChangeArrowheads="1"/>
+          </p:cNvPicPr>
+          <p:nvPr>
+            <p:ph type="pic" sz="quarter" idx="20"/>
+          </p:nvPr>
+        </p:nvPicPr>
+        <p:blipFill>
+          <a:blip r:embed="rId2">
+            <a:extLst>
+              <a:ext uri="{28A0092B-C50C-407E-A947-70E740481C1C}">
+                <a14:useLocalDpi xmlns:a14="http://schemas.microsoft.com/office/drawing/2010/main" val="0"/>
+              </a:ext>
+            </a:extLst>
+          </a:blip>
+          <a:srcRect t="2211" b="2211"/>
+          <a:stretch>
+            <a:fillRect/>
+          </a:stretch>
+        </p:blipFill>
+        <p:spPr bwMode="auto">
+          <a:prstGeom prst="rect">
+            <a:avLst/>
+          </a:prstGeom>
+          <a:noFill/>
+          <a:ln>
+            <a:noFill/>
+          </a:ln>
+          <a:extLst>
+            <a:ext uri="{909E8E84-426E-40DD-AFC4-6F175D3DCCD1}">
+              <a14:hiddenFill xmlns:a14="http://schemas.microsoft.com/office/drawing/2010/main">
+                <a:solidFill>
+                  <a:schemeClr val="accent1"/>
+                </a:solidFill>
+              </a14:hiddenFill>
+            </a:ext>
+            <a:ext uri="{91240B29-F687-4F45-9708-019B960494DF}">
+              <a14:hiddenLine xmlns:a14="http://schemas.microsoft.com/office/drawing/2010/main" w="9525">
+                <a:solidFill>
+                  <a:schemeClr val="tx1"/>
+                </a:solidFill>
+                <a:miter lim="800000"/>
+                <a:headEnd/>
+                <a:tailEnd/>
+              </a14:hiddenLine>
+            </a:ext>
+          </a:extLst>
+        </p:spPr>
+      </p:pic>
+      <p:pic>
+        <p:nvPicPr>
+          <p:cNvPr id="11267" name="Picture 3"/>
+          <p:cNvPicPr>
+            <a:picLocks noGrp="1" noChangeAspect="1" noChangeArrowheads="1"/>
+          </p:cNvPicPr>
+          <p:nvPr>
+            <p:ph type="pic" sz="quarter" idx="22"/>
+          </p:nvPr>
+        </p:nvPicPr>
+        <p:blipFill>
+          <a:blip r:embed="rId3">
+            <a:extLst>
+              <a:ext uri="{28A0092B-C50C-407E-A947-70E740481C1C}">
+                <a14:useLocalDpi xmlns:a14="http://schemas.microsoft.com/office/drawing/2010/main" val="0"/>
+              </a:ext>
+            </a:extLst>
+          </a:blip>
+          <a:srcRect t="1433" b="1433"/>
+          <a:stretch>
+            <a:fillRect/>
+          </a:stretch>
+        </p:blipFill>
+        <p:spPr bwMode="auto">
+          <a:prstGeom prst="rect">
+            <a:avLst/>
+          </a:prstGeom>
+          <a:noFill/>
+          <a:ln>
+            <a:noFill/>
+          </a:ln>
+          <a:extLst>
+            <a:ext uri="{909E8E84-426E-40DD-AFC4-6F175D3DCCD1}">
+              <a14:hiddenFill xmlns:a14="http://schemas.microsoft.com/office/drawing/2010/main">
+                <a:solidFill>
+                  <a:schemeClr val="accent1"/>
+                </a:solidFill>
+              </a14:hiddenFill>
+            </a:ext>
+            <a:ext uri="{91240B29-F687-4F45-9708-019B960494DF}">
+              <a14:hiddenLine xmlns:a14="http://schemas.microsoft.com/office/drawing/2010/main" w="9525">
+                <a:solidFill>
+                  <a:schemeClr val="tx1"/>
+                </a:solidFill>
+                <a:miter lim="800000"/>
+                <a:headEnd/>
+                <a:tailEnd/>
+              </a14:hiddenLine>
+            </a:ext>
+          </a:extLst>
+        </p:spPr>
+      </p:pic>
+    </p:spTree>
+    <p:extLst>
+      <p:ext uri="{BB962C8B-B14F-4D97-AF65-F5344CB8AC3E}">
+        <p14:creationId xmlns:p14="http://schemas.microsoft.com/office/powerpoint/2010/main" val="3860139800"/>
+      </p:ext>
+    </p:extLst>
+  </p:cSld>
+  <p:clrMapOvr>
+    <a:masterClrMapping/>
+  </p:clrMapOvr>
+  <p:timing>
+    <p:tnLst>
+      <p:par>
+        <p:cTn id="1" dur="indefinite" restart="never" nodeType="tmRoot"/>
+      </p:par>
+    </p:tnLst>
+  </p:timing>
+</p:sld>
+</file>
+
+<file path=ppt/slides/slide14.xml><?xml version="1.0" encoding="utf-8"?>
+<p:sld xmlns:a="http://schemas.openxmlformats.org/drawingml/2006/main" xmlns:r="http://schemas.openxmlformats.org/officeDocument/2006/relationships" xmlns:p="http://schemas.openxmlformats.org/presentationml/2006/main">
+  <p:cSld>
+    <p:spTree>
+      <p:nvGrpSpPr>
+        <p:cNvPr id="1" name=""/>
+        <p:cNvGrpSpPr/>
+        <p:nvPr/>
+      </p:nvGrpSpPr>
+      <p:grpSpPr>
+        <a:xfrm>
+          <a:off x="0" y="0"/>
+          <a:ext cx="0" cy="0"/>
+          <a:chOff x="0" y="0"/>
+          <a:chExt cx="0" cy="0"/>
+        </a:xfrm>
+      </p:grpSpPr>
+      <p:sp>
+        <p:nvSpPr>
+          <p:cNvPr id="5" name="Заголовок 4"/>
+          <p:cNvSpPr>
+            <a:spLocks noGrp="1"/>
+          </p:cNvSpPr>
+          <p:nvPr>
+            <p:ph type="ctrTitle"/>
+          </p:nvPr>
+        </p:nvSpPr>
+        <p:spPr/>
+        <p:txBody>
+          <a:bodyPr/>
+          <a:lstStyle/>
+          <a:p>
+            <a:endParaRPr lang="ru-RU"/>
+          </a:p>
+        </p:txBody>
+      </p:sp>
+      <p:sp>
+        <p:nvSpPr>
+          <p:cNvPr id="7" name="Текст 6"/>
+          <p:cNvSpPr>
+            <a:spLocks noGrp="1"/>
+          </p:cNvSpPr>
+          <p:nvPr>
+            <p:ph type="body" sz="quarter" idx="26"/>
+          </p:nvPr>
+        </p:nvSpPr>
+        <p:spPr/>
+        <p:txBody>
+          <a:bodyPr>
+            <a:normAutofit fontScale="85000" lnSpcReduction="20000"/>
+          </a:bodyPr>
+          <a:lstStyle/>
+          <a:p>
+            <a:r>
+              <a:rPr lang="en-US" dirty="0"/>
+              <a:t>Key difference – </a:t>
+            </a:r>
+            <a:r>
+              <a:rPr lang="en-US" dirty="0" smtClean="0"/>
+              <a:t>PK_r2 + 160ms</a:t>
+            </a:r>
+            <a:endParaRPr lang="ru-RU" dirty="0"/>
+          </a:p>
+        </p:txBody>
+      </p:sp>
+      <p:pic>
+        <p:nvPicPr>
+          <p:cNvPr id="12290" name="Picture 2"/>
+          <p:cNvPicPr>
+            <a:picLocks noGrp="1" noChangeAspect="1" noChangeArrowheads="1"/>
+          </p:cNvPicPr>
+          <p:nvPr>
+            <p:ph type="pic" sz="quarter" idx="20"/>
+          </p:nvPr>
+        </p:nvPicPr>
+        <p:blipFill>
+          <a:blip r:embed="rId2">
+            <a:extLst>
+              <a:ext uri="{28A0092B-C50C-407E-A947-70E740481C1C}">
+                <a14:useLocalDpi xmlns:a14="http://schemas.microsoft.com/office/drawing/2010/main" val="0"/>
+              </a:ext>
+            </a:extLst>
+          </a:blip>
+          <a:srcRect t="2211" b="2211"/>
+          <a:stretch>
+            <a:fillRect/>
+          </a:stretch>
+        </p:blipFill>
+        <p:spPr bwMode="auto">
+          <a:prstGeom prst="rect">
+            <a:avLst/>
+          </a:prstGeom>
+          <a:noFill/>
+          <a:ln>
+            <a:noFill/>
+          </a:ln>
+          <a:extLst>
+            <a:ext uri="{909E8E84-426E-40DD-AFC4-6F175D3DCCD1}">
+              <a14:hiddenFill xmlns:a14="http://schemas.microsoft.com/office/drawing/2010/main">
+                <a:solidFill>
+                  <a:schemeClr val="accent1"/>
+                </a:solidFill>
+              </a14:hiddenFill>
+            </a:ext>
+            <a:ext uri="{91240B29-F687-4F45-9708-019B960494DF}">
+              <a14:hiddenLine xmlns:a14="http://schemas.microsoft.com/office/drawing/2010/main" w="9525">
+                <a:solidFill>
+                  <a:schemeClr val="tx1"/>
+                </a:solidFill>
+                <a:miter lim="800000"/>
+                <a:headEnd/>
+                <a:tailEnd/>
+              </a14:hiddenLine>
+            </a:ext>
+          </a:extLst>
+        </p:spPr>
+      </p:pic>
+      <p:pic>
+        <p:nvPicPr>
+          <p:cNvPr id="12291" name="Picture 3"/>
+          <p:cNvPicPr>
+            <a:picLocks noGrp="1" noChangeAspect="1" noChangeArrowheads="1"/>
+          </p:cNvPicPr>
+          <p:nvPr>
+            <p:ph type="pic" sz="quarter" idx="22"/>
+          </p:nvPr>
+        </p:nvPicPr>
+        <p:blipFill>
+          <a:blip r:embed="rId3">
+            <a:extLst>
+              <a:ext uri="{28A0092B-C50C-407E-A947-70E740481C1C}">
+                <a14:useLocalDpi xmlns:a14="http://schemas.microsoft.com/office/drawing/2010/main" val="0"/>
+              </a:ext>
+            </a:extLst>
+          </a:blip>
+          <a:srcRect t="1433" b="1433"/>
+          <a:stretch>
+            <a:fillRect/>
+          </a:stretch>
+        </p:blipFill>
+        <p:spPr bwMode="auto">
+          <a:prstGeom prst="rect">
+            <a:avLst/>
+          </a:prstGeom>
+          <a:noFill/>
+          <a:ln>
+            <a:noFill/>
+          </a:ln>
+          <a:extLst>
+            <a:ext uri="{909E8E84-426E-40DD-AFC4-6F175D3DCCD1}">
+              <a14:hiddenFill xmlns:a14="http://schemas.microsoft.com/office/drawing/2010/main">
+                <a:solidFill>
+                  <a:schemeClr val="accent1"/>
+                </a:solidFill>
+              </a14:hiddenFill>
+            </a:ext>
+            <a:ext uri="{91240B29-F687-4F45-9708-019B960494DF}">
+              <a14:hiddenLine xmlns:a14="http://schemas.microsoft.com/office/drawing/2010/main" w="9525">
+                <a:solidFill>
+                  <a:schemeClr val="tx1"/>
+                </a:solidFill>
+                <a:miter lim="800000"/>
+                <a:headEnd/>
+                <a:tailEnd/>
+              </a14:hiddenLine>
+            </a:ext>
+          </a:extLst>
+        </p:spPr>
+      </p:pic>
+    </p:spTree>
+    <p:extLst>
+      <p:ext uri="{BB962C8B-B14F-4D97-AF65-F5344CB8AC3E}">
+        <p14:creationId xmlns:p14="http://schemas.microsoft.com/office/powerpoint/2010/main" val="1948151306"/>
+      </p:ext>
+    </p:extLst>
+  </p:cSld>
+  <p:clrMapOvr>
+    <a:masterClrMapping/>
+  </p:clrMapOvr>
+  <p:timing>
+    <p:tnLst>
+      <p:par>
+        <p:cTn id="1" dur="indefinite" restart="never" nodeType="tmRoot"/>
+      </p:par>
+    </p:tnLst>
+  </p:timing>
+</p:sld>
+</file>
+
+<file path=ppt/slides/slide15.xml><?xml version="1.0" encoding="utf-8"?>
+<p:sld xmlns:a="http://schemas.openxmlformats.org/drawingml/2006/main" xmlns:r="http://schemas.openxmlformats.org/officeDocument/2006/relationships" xmlns:p="http://schemas.openxmlformats.org/presentationml/2006/main">
+  <p:cSld>
+    <p:spTree>
+      <p:nvGrpSpPr>
+        <p:cNvPr id="1" name=""/>
+        <p:cNvGrpSpPr/>
+        <p:nvPr/>
+      </p:nvGrpSpPr>
+      <p:grpSpPr>
+        <a:xfrm>
+          <a:off x="0" y="0"/>
+          <a:ext cx="0" cy="0"/>
+          <a:chOff x="0" y="0"/>
+          <a:chExt cx="0" cy="0"/>
+        </a:xfrm>
+      </p:grpSpPr>
+      <p:sp>
+        <p:nvSpPr>
+          <p:cNvPr id="5" name="Заголовок 4"/>
+          <p:cNvSpPr>
+            <a:spLocks noGrp="1"/>
+          </p:cNvSpPr>
+          <p:nvPr>
+            <p:ph type="ctrTitle"/>
+          </p:nvPr>
+        </p:nvSpPr>
+        <p:spPr/>
+        <p:txBody>
+          <a:bodyPr/>
+          <a:lstStyle/>
+          <a:p>
+            <a:endParaRPr lang="ru-RU"/>
+          </a:p>
+        </p:txBody>
+      </p:sp>
+      <p:sp>
+        <p:nvSpPr>
+          <p:cNvPr id="7" name="Текст 6"/>
+          <p:cNvSpPr>
+            <a:spLocks noGrp="1"/>
+          </p:cNvSpPr>
+          <p:nvPr>
+            <p:ph type="body" sz="quarter" idx="26"/>
+          </p:nvPr>
+        </p:nvSpPr>
+        <p:spPr/>
+        <p:txBody>
+          <a:bodyPr>
+            <a:normAutofit fontScale="85000" lnSpcReduction="20000"/>
+          </a:bodyPr>
+          <a:lstStyle/>
+          <a:p>
+            <a:r>
+              <a:rPr lang="en-US" dirty="0"/>
+              <a:t>Key difference – </a:t>
+            </a:r>
+            <a:r>
+              <a:rPr lang="en-US" dirty="0" smtClean="0"/>
+              <a:t>PK_r2 + 160ms</a:t>
+            </a:r>
+            <a:endParaRPr lang="ru-RU" dirty="0"/>
+          </a:p>
+        </p:txBody>
+      </p:sp>
+      <p:pic>
+        <p:nvPicPr>
+          <p:cNvPr id="13314" name="Picture 2"/>
+          <p:cNvPicPr>
+            <a:picLocks noGrp="1" noChangeAspect="1" noChangeArrowheads="1"/>
+          </p:cNvPicPr>
+          <p:nvPr>
+            <p:ph type="pic" sz="quarter" idx="22"/>
+          </p:nvPr>
+        </p:nvPicPr>
+        <p:blipFill>
+          <a:blip r:embed="rId2">
+            <a:extLst>
+              <a:ext uri="{28A0092B-C50C-407E-A947-70E740481C1C}">
+                <a14:useLocalDpi xmlns:a14="http://schemas.microsoft.com/office/drawing/2010/main" val="0"/>
+              </a:ext>
+            </a:extLst>
+          </a:blip>
+          <a:srcRect t="1433" b="1433"/>
+          <a:stretch>
+            <a:fillRect/>
+          </a:stretch>
+        </p:blipFill>
+        <p:spPr bwMode="auto">
+          <a:prstGeom prst="rect">
+            <a:avLst/>
+          </a:prstGeom>
+          <a:noFill/>
+          <a:ln>
+            <a:noFill/>
+          </a:ln>
+          <a:extLst>
+            <a:ext uri="{909E8E84-426E-40DD-AFC4-6F175D3DCCD1}">
+              <a14:hiddenFill xmlns:a14="http://schemas.microsoft.com/office/drawing/2010/main">
+                <a:solidFill>
+                  <a:schemeClr val="accent1"/>
+                </a:solidFill>
+              </a14:hiddenFill>
+            </a:ext>
+            <a:ext uri="{91240B29-F687-4F45-9708-019B960494DF}">
+              <a14:hiddenLine xmlns:a14="http://schemas.microsoft.com/office/drawing/2010/main" w="9525">
+                <a:solidFill>
+                  <a:schemeClr val="tx1"/>
+                </a:solidFill>
+                <a:miter lim="800000"/>
+                <a:headEnd/>
+                <a:tailEnd/>
+              </a14:hiddenLine>
+            </a:ext>
+          </a:extLst>
+        </p:spPr>
+      </p:pic>
+      <p:pic>
+        <p:nvPicPr>
+          <p:cNvPr id="13315" name="Picture 3"/>
+          <p:cNvPicPr>
+            <a:picLocks noGrp="1" noChangeAspect="1" noChangeArrowheads="1"/>
+          </p:cNvPicPr>
+          <p:nvPr>
+            <p:ph type="pic" sz="quarter" idx="20"/>
+          </p:nvPr>
+        </p:nvPicPr>
+        <p:blipFill>
+          <a:blip r:embed="rId3">
+            <a:extLst>
+              <a:ext uri="{28A0092B-C50C-407E-A947-70E740481C1C}">
+                <a14:useLocalDpi xmlns:a14="http://schemas.microsoft.com/office/drawing/2010/main" val="0"/>
+              </a:ext>
+            </a:extLst>
+          </a:blip>
+          <a:srcRect t="2211" b="2211"/>
+          <a:stretch>
+            <a:fillRect/>
+          </a:stretch>
+        </p:blipFill>
+        <p:spPr bwMode="auto">
+          <a:prstGeom prst="rect">
+            <a:avLst/>
+          </a:prstGeom>
+          <a:noFill/>
+          <a:ln>
+            <a:noFill/>
+          </a:ln>
+          <a:extLst>
+            <a:ext uri="{909E8E84-426E-40DD-AFC4-6F175D3DCCD1}">
+              <a14:hiddenFill xmlns:a14="http://schemas.microsoft.com/office/drawing/2010/main">
+                <a:solidFill>
+                  <a:schemeClr val="accent1"/>
+                </a:solidFill>
+              </a14:hiddenFill>
+            </a:ext>
+            <a:ext uri="{91240B29-F687-4F45-9708-019B960494DF}">
+              <a14:hiddenLine xmlns:a14="http://schemas.microsoft.com/office/drawing/2010/main" w="9525">
+                <a:solidFill>
+                  <a:schemeClr val="tx1"/>
+                </a:solidFill>
+                <a:miter lim="800000"/>
+                <a:headEnd/>
+                <a:tailEnd/>
+              </a14:hiddenLine>
+            </a:ext>
+          </a:extLst>
+        </p:spPr>
+      </p:pic>
+    </p:spTree>
+    <p:extLst>
+      <p:ext uri="{BB962C8B-B14F-4D97-AF65-F5344CB8AC3E}">
+        <p14:creationId xmlns:p14="http://schemas.microsoft.com/office/powerpoint/2010/main" val="1924456158"/>
+      </p:ext>
+    </p:extLst>
+  </p:cSld>
+  <p:clrMapOvr>
+    <a:masterClrMapping/>
+  </p:clrMapOvr>
+  <p:timing>
+    <p:tnLst>
+      <p:par>
+        <p:cTn id="1" dur="indefinite" restart="never" nodeType="tmRoot"/>
+      </p:par>
+    </p:tnLst>
+  </p:timing>
+</p:sld>
+</file>
+
+<file path=ppt/slides/slide16.xml><?xml version="1.0" encoding="utf-8"?>
+<p:sld xmlns:a="http://schemas.openxmlformats.org/drawingml/2006/main" xmlns:r="http://schemas.openxmlformats.org/officeDocument/2006/relationships" xmlns:p="http://schemas.openxmlformats.org/presentationml/2006/main">
+  <p:cSld>
+    <p:spTree>
+      <p:nvGrpSpPr>
+        <p:cNvPr id="1" name=""/>
+        <p:cNvGrpSpPr/>
+        <p:nvPr/>
+      </p:nvGrpSpPr>
+      <p:grpSpPr>
+        <a:xfrm>
+          <a:off x="0" y="0"/>
+          <a:ext cx="0" cy="0"/>
+          <a:chOff x="0" y="0"/>
+          <a:chExt cx="0" cy="0"/>
+        </a:xfrm>
+      </p:grpSpPr>
+      <p:sp>
+        <p:nvSpPr>
+          <p:cNvPr id="5" name="Заголовок 4"/>
+          <p:cNvSpPr>
+            <a:spLocks noGrp="1"/>
+          </p:cNvSpPr>
+          <p:nvPr>
+            <p:ph type="ctrTitle"/>
+          </p:nvPr>
+        </p:nvSpPr>
+        <p:spPr/>
+        <p:txBody>
+          <a:bodyPr/>
+          <a:lstStyle/>
+          <a:p>
+            <a:endParaRPr lang="ru-RU"/>
+          </a:p>
+        </p:txBody>
+      </p:sp>
+      <p:sp>
+        <p:nvSpPr>
+          <p:cNvPr id="7" name="Текст 6"/>
+          <p:cNvSpPr>
+            <a:spLocks noGrp="1"/>
+          </p:cNvSpPr>
+          <p:nvPr>
+            <p:ph type="body" sz="quarter" idx="26"/>
+          </p:nvPr>
+        </p:nvSpPr>
+        <p:spPr/>
+        <p:txBody>
+          <a:bodyPr>
+            <a:normAutofit fontScale="85000" lnSpcReduction="20000"/>
+          </a:bodyPr>
+          <a:lstStyle/>
+          <a:p>
+            <a:r>
+              <a:rPr lang="en-US" dirty="0"/>
+              <a:t>Key difference – </a:t>
+            </a:r>
+            <a:r>
+              <a:rPr lang="en-US" dirty="0" smtClean="0"/>
+              <a:t>PK_r2 + 160ms</a:t>
+            </a:r>
+            <a:endParaRPr lang="ru-RU" dirty="0"/>
+          </a:p>
+        </p:txBody>
+      </p:sp>
+      <p:pic>
+        <p:nvPicPr>
+          <p:cNvPr id="14340" name="Picture 4"/>
+          <p:cNvPicPr>
+            <a:picLocks noGrp="1" noChangeAspect="1" noChangeArrowheads="1"/>
+          </p:cNvPicPr>
+          <p:nvPr>
+            <p:ph type="pic" sz="quarter" idx="20"/>
+          </p:nvPr>
+        </p:nvPicPr>
+        <p:blipFill>
+          <a:blip r:embed="rId2">
+            <a:extLst>
+              <a:ext uri="{28A0092B-C50C-407E-A947-70E740481C1C}">
+                <a14:useLocalDpi xmlns:a14="http://schemas.microsoft.com/office/drawing/2010/main" val="0"/>
+              </a:ext>
+            </a:extLst>
+          </a:blip>
+          <a:srcRect t="2211" b="2211"/>
+          <a:stretch>
+            <a:fillRect/>
+          </a:stretch>
+        </p:blipFill>
+        <p:spPr bwMode="auto">
+          <a:prstGeom prst="rect">
+            <a:avLst/>
+          </a:prstGeom>
+          <a:noFill/>
+          <a:ln>
+            <a:noFill/>
+          </a:ln>
+          <a:extLst>
+            <a:ext uri="{909E8E84-426E-40DD-AFC4-6F175D3DCCD1}">
+              <a14:hiddenFill xmlns:a14="http://schemas.microsoft.com/office/drawing/2010/main">
+                <a:solidFill>
+                  <a:schemeClr val="accent1"/>
+                </a:solidFill>
+              </a14:hiddenFill>
+            </a:ext>
+            <a:ext uri="{91240B29-F687-4F45-9708-019B960494DF}">
+              <a14:hiddenLine xmlns:a14="http://schemas.microsoft.com/office/drawing/2010/main" w="9525">
+                <a:solidFill>
+                  <a:schemeClr val="tx1"/>
+                </a:solidFill>
+                <a:miter lim="800000"/>
+                <a:headEnd/>
+                <a:tailEnd/>
+              </a14:hiddenLine>
+            </a:ext>
+          </a:extLst>
+        </p:spPr>
+      </p:pic>
+      <p:pic>
+        <p:nvPicPr>
+          <p:cNvPr id="14341" name="Picture 5"/>
+          <p:cNvPicPr>
+            <a:picLocks noGrp="1" noChangeAspect="1" noChangeArrowheads="1"/>
+          </p:cNvPicPr>
+          <p:nvPr>
+            <p:ph type="pic" sz="quarter" idx="22"/>
+          </p:nvPr>
+        </p:nvPicPr>
+        <p:blipFill>
+          <a:blip r:embed="rId3">
+            <a:extLst>
+              <a:ext uri="{28A0092B-C50C-407E-A947-70E740481C1C}">
+                <a14:useLocalDpi xmlns:a14="http://schemas.microsoft.com/office/drawing/2010/main" val="0"/>
+              </a:ext>
+            </a:extLst>
+          </a:blip>
+          <a:srcRect t="1433" b="1433"/>
+          <a:stretch>
+            <a:fillRect/>
+          </a:stretch>
+        </p:blipFill>
+        <p:spPr bwMode="auto">
+          <a:prstGeom prst="rect">
+            <a:avLst/>
+          </a:prstGeom>
+          <a:noFill/>
+          <a:ln>
+            <a:noFill/>
+          </a:ln>
+          <a:extLst>
+            <a:ext uri="{909E8E84-426E-40DD-AFC4-6F175D3DCCD1}">
+              <a14:hiddenFill xmlns:a14="http://schemas.microsoft.com/office/drawing/2010/main">
+                <a:solidFill>
+                  <a:schemeClr val="accent1"/>
+                </a:solidFill>
+              </a14:hiddenFill>
+            </a:ext>
+            <a:ext uri="{91240B29-F687-4F45-9708-019B960494DF}">
+              <a14:hiddenLine xmlns:a14="http://schemas.microsoft.com/office/drawing/2010/main" w="9525">
+                <a:solidFill>
+                  <a:schemeClr val="tx1"/>
+                </a:solidFill>
+                <a:miter lim="800000"/>
+                <a:headEnd/>
+                <a:tailEnd/>
+              </a14:hiddenLine>
+            </a:ext>
+          </a:extLst>
+        </p:spPr>
+      </p:pic>
+    </p:spTree>
+    <p:extLst>
+      <p:ext uri="{BB962C8B-B14F-4D97-AF65-F5344CB8AC3E}">
+        <p14:creationId xmlns:p14="http://schemas.microsoft.com/office/powerpoint/2010/main" val="3256237944"/>
+      </p:ext>
+    </p:extLst>
+  </p:cSld>
+  <p:clrMapOvr>
+    <a:masterClrMapping/>
+  </p:clrMapOvr>
+  <p:timing>
+    <p:tnLst>
+      <p:par>
+        <p:cTn id="1" dur="indefinite" restart="never" nodeType="tmRoot"/>
+      </p:par>
+    </p:tnLst>
+  </p:timing>
+</p:sld>
+</file>
+
+<file path=ppt/slides/slide17.xml><?xml version="1.0" encoding="utf-8"?>
+<p:sld xmlns:a="http://schemas.openxmlformats.org/drawingml/2006/main" xmlns:r="http://schemas.openxmlformats.org/officeDocument/2006/relationships" xmlns:p="http://schemas.openxmlformats.org/presentationml/2006/main">
+  <p:cSld>
+    <p:spTree>
+      <p:nvGrpSpPr>
+        <p:cNvPr id="1" name=""/>
+        <p:cNvGrpSpPr/>
+        <p:nvPr/>
+      </p:nvGrpSpPr>
+      <p:grpSpPr>
+        <a:xfrm>
+          <a:off x="0" y="0"/>
+          <a:ext cx="0" cy="0"/>
+          <a:chOff x="0" y="0"/>
+          <a:chExt cx="0" cy="0"/>
+        </a:xfrm>
+      </p:grpSpPr>
+      <p:sp>
+        <p:nvSpPr>
+          <p:cNvPr id="5" name="Заголовок 4"/>
+          <p:cNvSpPr>
+            <a:spLocks noGrp="1"/>
+          </p:cNvSpPr>
+          <p:nvPr>
+            <p:ph type="ctrTitle"/>
+          </p:nvPr>
+        </p:nvSpPr>
+        <p:spPr/>
+        <p:txBody>
+          <a:bodyPr/>
+          <a:lstStyle/>
+          <a:p>
+            <a:endParaRPr lang="ru-RU"/>
+          </a:p>
+        </p:txBody>
+      </p:sp>
+      <p:sp>
+        <p:nvSpPr>
+          <p:cNvPr id="7" name="Текст 6"/>
+          <p:cNvSpPr>
+            <a:spLocks noGrp="1"/>
+          </p:cNvSpPr>
+          <p:nvPr>
+            <p:ph type="body" sz="quarter" idx="26"/>
+          </p:nvPr>
+        </p:nvSpPr>
+        <p:spPr/>
+        <p:txBody>
+          <a:bodyPr>
+            <a:normAutofit fontScale="85000" lnSpcReduction="20000"/>
+          </a:bodyPr>
+          <a:lstStyle/>
+          <a:p>
+            <a:r>
+              <a:rPr lang="en-US" dirty="0"/>
+              <a:t>Key difference – </a:t>
+            </a:r>
+            <a:r>
+              <a:rPr lang="en-US" dirty="0" smtClean="0"/>
+              <a:t>PK_r2 + 160ms</a:t>
+            </a:r>
+            <a:endParaRPr lang="ru-RU" dirty="0"/>
+          </a:p>
+        </p:txBody>
+      </p:sp>
+      <p:pic>
+        <p:nvPicPr>
+          <p:cNvPr id="14338" name="Picture 2"/>
+          <p:cNvPicPr>
+            <a:picLocks noGrp="1" noChangeAspect="1" noChangeArrowheads="1"/>
+          </p:cNvPicPr>
+          <p:nvPr>
+            <p:ph type="pic" sz="quarter" idx="22"/>
+          </p:nvPr>
+        </p:nvPicPr>
+        <p:blipFill>
+          <a:blip r:embed="rId2">
+            <a:extLst>
+              <a:ext uri="{28A0092B-C50C-407E-A947-70E740481C1C}">
+                <a14:useLocalDpi xmlns:a14="http://schemas.microsoft.com/office/drawing/2010/main" val="0"/>
+              </a:ext>
+            </a:extLst>
+          </a:blip>
+          <a:srcRect t="1433" b="1433"/>
+          <a:stretch>
+            <a:fillRect/>
+          </a:stretch>
+        </p:blipFill>
+        <p:spPr bwMode="auto">
+          <a:prstGeom prst="rect">
+            <a:avLst/>
+          </a:prstGeom>
+          <a:noFill/>
+          <a:ln>
+            <a:noFill/>
+          </a:ln>
+          <a:extLst>
+            <a:ext uri="{909E8E84-426E-40DD-AFC4-6F175D3DCCD1}">
+              <a14:hiddenFill xmlns:a14="http://schemas.microsoft.com/office/drawing/2010/main">
+                <a:solidFill>
+                  <a:schemeClr val="accent1"/>
+                </a:solidFill>
+              </a14:hiddenFill>
+            </a:ext>
+            <a:ext uri="{91240B29-F687-4F45-9708-019B960494DF}">
+              <a14:hiddenLine xmlns:a14="http://schemas.microsoft.com/office/drawing/2010/main" w="9525">
+                <a:solidFill>
+                  <a:schemeClr val="tx1"/>
+                </a:solidFill>
+                <a:miter lim="800000"/>
+                <a:headEnd/>
+                <a:tailEnd/>
+              </a14:hiddenLine>
+            </a:ext>
+          </a:extLst>
+        </p:spPr>
+      </p:pic>
+      <p:pic>
+        <p:nvPicPr>
+          <p:cNvPr id="14339" name="Picture 3"/>
+          <p:cNvPicPr>
+            <a:picLocks noGrp="1" noChangeAspect="1" noChangeArrowheads="1"/>
+          </p:cNvPicPr>
+          <p:nvPr>
+            <p:ph type="pic" sz="quarter" idx="20"/>
+          </p:nvPr>
+        </p:nvPicPr>
+        <p:blipFill>
+          <a:blip r:embed="rId3">
+            <a:extLst>
+              <a:ext uri="{28A0092B-C50C-407E-A947-70E740481C1C}">
+                <a14:useLocalDpi xmlns:a14="http://schemas.microsoft.com/office/drawing/2010/main" val="0"/>
+              </a:ext>
+            </a:extLst>
+          </a:blip>
+          <a:srcRect t="2211" b="2211"/>
+          <a:stretch>
+            <a:fillRect/>
+          </a:stretch>
+        </p:blipFill>
+        <p:spPr bwMode="auto">
+          <a:prstGeom prst="rect">
+            <a:avLst/>
+          </a:prstGeom>
+          <a:noFill/>
+          <a:ln>
+            <a:noFill/>
+          </a:ln>
+          <a:extLst>
+            <a:ext uri="{909E8E84-426E-40DD-AFC4-6F175D3DCCD1}">
+              <a14:hiddenFill xmlns:a14="http://schemas.microsoft.com/office/drawing/2010/main">
+                <a:solidFill>
+                  <a:schemeClr val="accent1"/>
+                </a:solidFill>
+              </a14:hiddenFill>
+            </a:ext>
+            <a:ext uri="{91240B29-F687-4F45-9708-019B960494DF}">
+              <a14:hiddenLine xmlns:a14="http://schemas.microsoft.com/office/drawing/2010/main" w="9525">
+                <a:solidFill>
+                  <a:schemeClr val="tx1"/>
+                </a:solidFill>
+                <a:miter lim="800000"/>
+                <a:headEnd/>
+                <a:tailEnd/>
+              </a14:hiddenLine>
+            </a:ext>
+          </a:extLst>
+        </p:spPr>
+      </p:pic>
+    </p:spTree>
+    <p:extLst>
+      <p:ext uri="{BB962C8B-B14F-4D97-AF65-F5344CB8AC3E}">
+        <p14:creationId xmlns:p14="http://schemas.microsoft.com/office/powerpoint/2010/main" val="297716107"/>
+      </p:ext>
+    </p:extLst>
+  </p:cSld>
+  <p:clrMapOvr>
+    <a:masterClrMapping/>
+  </p:clrMapOvr>
+  <p:timing>
+    <p:tnLst>
+      <p:par>
+        <p:cTn id="1" dur="indefinite" restart="never" nodeType="tmRoot"/>
+      </p:par>
+    </p:tnLst>
+  </p:timing>
+</p:sld>
+</file>
+
+<file path=ppt/slides/slide18.xml><?xml version="1.0" encoding="utf-8"?>
+<p:sld xmlns:a="http://schemas.openxmlformats.org/drawingml/2006/main" xmlns:r="http://schemas.openxmlformats.org/officeDocument/2006/relationships" xmlns:p="http://schemas.openxmlformats.org/presentationml/2006/main">
+  <p:cSld>
+    <p:spTree>
+      <p:nvGrpSpPr>
+        <p:cNvPr id="1" name=""/>
+        <p:cNvGrpSpPr/>
+        <p:nvPr/>
+      </p:nvGrpSpPr>
+      <p:grpSpPr>
+        <a:xfrm>
+          <a:off x="0" y="0"/>
+          <a:ext cx="0" cy="0"/>
+          <a:chOff x="0" y="0"/>
+          <a:chExt cx="0" cy="0"/>
+        </a:xfrm>
+      </p:grpSpPr>
+      <p:sp>
+        <p:nvSpPr>
+          <p:cNvPr id="5" name="Заголовок 4"/>
+          <p:cNvSpPr>
+            <a:spLocks noGrp="1"/>
+          </p:cNvSpPr>
+          <p:nvPr>
+            <p:ph type="ctrTitle"/>
+          </p:nvPr>
+        </p:nvSpPr>
+        <p:spPr/>
+        <p:txBody>
+          <a:bodyPr/>
+          <a:lstStyle/>
+          <a:p>
+            <a:endParaRPr lang="ru-RU"/>
+          </a:p>
+        </p:txBody>
+      </p:sp>
+      <p:sp>
+        <p:nvSpPr>
+          <p:cNvPr id="7" name="Текст 6"/>
+          <p:cNvSpPr>
+            <a:spLocks noGrp="1"/>
+          </p:cNvSpPr>
+          <p:nvPr>
+            <p:ph type="body" sz="quarter" idx="26"/>
+          </p:nvPr>
+        </p:nvSpPr>
+        <p:spPr/>
+        <p:txBody>
+          <a:bodyPr>
+            <a:normAutofit fontScale="85000" lnSpcReduction="20000"/>
+          </a:bodyPr>
+          <a:lstStyle/>
+          <a:p>
+            <a:r>
+              <a:rPr lang="en-US" dirty="0"/>
+              <a:t>Key difference – </a:t>
+            </a:r>
+            <a:r>
+              <a:rPr lang="en-US" dirty="0" smtClean="0"/>
+              <a:t>PK_r2 + 120ms</a:t>
+            </a:r>
+            <a:endParaRPr lang="ru-RU" dirty="0"/>
+          </a:p>
+        </p:txBody>
+      </p:sp>
+      <p:pic>
+        <p:nvPicPr>
+          <p:cNvPr id="15364" name="Picture 4"/>
+          <p:cNvPicPr>
+            <a:picLocks noGrp="1" noChangeAspect="1" noChangeArrowheads="1"/>
+          </p:cNvPicPr>
+          <p:nvPr>
+            <p:ph type="pic" sz="quarter" idx="22"/>
+          </p:nvPr>
+        </p:nvPicPr>
+        <p:blipFill>
+          <a:blip r:embed="rId2">
+            <a:extLst>
+              <a:ext uri="{28A0092B-C50C-407E-A947-70E740481C1C}">
+                <a14:useLocalDpi xmlns:a14="http://schemas.microsoft.com/office/drawing/2010/main" val="0"/>
+              </a:ext>
+            </a:extLst>
+          </a:blip>
+          <a:srcRect t="1433" b="1433"/>
+          <a:stretch>
+            <a:fillRect/>
+          </a:stretch>
+        </p:blipFill>
+        <p:spPr bwMode="auto">
+          <a:prstGeom prst="rect">
+            <a:avLst/>
+          </a:prstGeom>
+          <a:noFill/>
+          <a:ln>
+            <a:noFill/>
+          </a:ln>
+          <a:extLst>
+            <a:ext uri="{909E8E84-426E-40DD-AFC4-6F175D3DCCD1}">
+              <a14:hiddenFill xmlns:a14="http://schemas.microsoft.com/office/drawing/2010/main">
+                <a:solidFill>
+                  <a:schemeClr val="accent1"/>
+                </a:solidFill>
+              </a14:hiddenFill>
+            </a:ext>
+            <a:ext uri="{91240B29-F687-4F45-9708-019B960494DF}">
+              <a14:hiddenLine xmlns:a14="http://schemas.microsoft.com/office/drawing/2010/main" w="9525">
+                <a:solidFill>
+                  <a:schemeClr val="tx1"/>
+                </a:solidFill>
+                <a:miter lim="800000"/>
+                <a:headEnd/>
+                <a:tailEnd/>
+              </a14:hiddenLine>
+            </a:ext>
+          </a:extLst>
+        </p:spPr>
+      </p:pic>
+      <p:pic>
+        <p:nvPicPr>
+          <p:cNvPr id="15365" name="Picture 5"/>
+          <p:cNvPicPr>
+            <a:picLocks noGrp="1" noChangeAspect="1" noChangeArrowheads="1"/>
+          </p:cNvPicPr>
+          <p:nvPr>
+            <p:ph type="pic" sz="quarter" idx="20"/>
+          </p:nvPr>
+        </p:nvPicPr>
+        <p:blipFill>
+          <a:blip r:embed="rId3">
+            <a:extLst>
+              <a:ext uri="{28A0092B-C50C-407E-A947-70E740481C1C}">
+                <a14:useLocalDpi xmlns:a14="http://schemas.microsoft.com/office/drawing/2010/main" val="0"/>
+              </a:ext>
+            </a:extLst>
+          </a:blip>
+          <a:srcRect t="2211" b="2211"/>
+          <a:stretch>
+            <a:fillRect/>
+          </a:stretch>
+        </p:blipFill>
+        <p:spPr bwMode="auto">
+          <a:prstGeom prst="rect">
+            <a:avLst/>
+          </a:prstGeom>
+          <a:noFill/>
+          <a:ln>
+            <a:noFill/>
+          </a:ln>
+          <a:extLst>
+            <a:ext uri="{909E8E84-426E-40DD-AFC4-6F175D3DCCD1}">
+              <a14:hiddenFill xmlns:a14="http://schemas.microsoft.com/office/drawing/2010/main">
+                <a:solidFill>
+                  <a:schemeClr val="accent1"/>
+                </a:solidFill>
+              </a14:hiddenFill>
+            </a:ext>
+            <a:ext uri="{91240B29-F687-4F45-9708-019B960494DF}">
+              <a14:hiddenLine xmlns:a14="http://schemas.microsoft.com/office/drawing/2010/main" w="9525">
+                <a:solidFill>
+                  <a:schemeClr val="tx1"/>
+                </a:solidFill>
+                <a:miter lim="800000"/>
+                <a:headEnd/>
+                <a:tailEnd/>
+              </a14:hiddenLine>
+            </a:ext>
+          </a:extLst>
+        </p:spPr>
+      </p:pic>
+    </p:spTree>
+    <p:extLst>
+      <p:ext uri="{BB962C8B-B14F-4D97-AF65-F5344CB8AC3E}">
+        <p14:creationId xmlns:p14="http://schemas.microsoft.com/office/powerpoint/2010/main" val="2514242940"/>
+      </p:ext>
+    </p:extLst>
+  </p:cSld>
+  <p:clrMapOvr>
+    <a:masterClrMapping/>
+  </p:clrMapOvr>
+  <p:timing>
+    <p:tnLst>
+      <p:par>
+        <p:cTn id="1" dur="indefinite" restart="never" nodeType="tmRoot"/>
+      </p:par>
+    </p:tnLst>
+  </p:timing>
+</p:sld>
+</file>
+
+<file path=ppt/slides/slide19.xml><?xml version="1.0" encoding="utf-8"?>
+<p:sld xmlns:a="http://schemas.openxmlformats.org/drawingml/2006/main" xmlns:r="http://schemas.openxmlformats.org/officeDocument/2006/relationships" xmlns:p="http://schemas.openxmlformats.org/presentationml/2006/main">
+  <p:cSld>
+    <p:spTree>
+      <p:nvGrpSpPr>
+        <p:cNvPr id="1" name=""/>
+        <p:cNvGrpSpPr/>
+        <p:nvPr/>
+      </p:nvGrpSpPr>
+      <p:grpSpPr>
+        <a:xfrm>
+          <a:off x="0" y="0"/>
+          <a:ext cx="0" cy="0"/>
+          <a:chOff x="0" y="0"/>
+          <a:chExt cx="0" cy="0"/>
+        </a:xfrm>
+      </p:grpSpPr>
+      <p:sp>
+        <p:nvSpPr>
+          <p:cNvPr id="5" name="Заголовок 4"/>
+          <p:cNvSpPr>
+            <a:spLocks noGrp="1"/>
+          </p:cNvSpPr>
+          <p:nvPr>
+            <p:ph type="ctrTitle"/>
+          </p:nvPr>
+        </p:nvSpPr>
+        <p:spPr/>
+        <p:txBody>
+          <a:bodyPr/>
+          <a:lstStyle/>
+          <a:p>
+            <a:endParaRPr lang="ru-RU"/>
+          </a:p>
+        </p:txBody>
+      </p:sp>
+      <p:sp>
+        <p:nvSpPr>
+          <p:cNvPr id="7" name="Текст 6"/>
+          <p:cNvSpPr>
+            <a:spLocks noGrp="1"/>
+          </p:cNvSpPr>
+          <p:nvPr>
+            <p:ph type="body" sz="quarter" idx="26"/>
+          </p:nvPr>
+        </p:nvSpPr>
+        <p:spPr/>
+        <p:txBody>
+          <a:bodyPr>
+            <a:normAutofit fontScale="85000" lnSpcReduction="20000"/>
+          </a:bodyPr>
+          <a:lstStyle/>
+          <a:p>
+            <a:r>
+              <a:rPr lang="en-US" dirty="0"/>
+              <a:t>Key difference – </a:t>
+            </a:r>
+            <a:r>
+              <a:rPr lang="en-US" dirty="0" smtClean="0"/>
+              <a:t>PK_r2 + 120ms</a:t>
+            </a:r>
+            <a:endParaRPr lang="ru-RU" dirty="0"/>
+          </a:p>
+        </p:txBody>
+      </p:sp>
+      <p:pic>
+        <p:nvPicPr>
+          <p:cNvPr id="16386" name="Picture 2"/>
+          <p:cNvPicPr>
+            <a:picLocks noGrp="1" noChangeAspect="1" noChangeArrowheads="1"/>
+          </p:cNvPicPr>
+          <p:nvPr>
+            <p:ph type="pic" sz="quarter" idx="20"/>
+          </p:nvPr>
+        </p:nvPicPr>
+        <p:blipFill>
+          <a:blip r:embed="rId2">
+            <a:extLst>
+              <a:ext uri="{28A0092B-C50C-407E-A947-70E740481C1C}">
+                <a14:useLocalDpi xmlns:a14="http://schemas.microsoft.com/office/drawing/2010/main" val="0"/>
+              </a:ext>
+            </a:extLst>
+          </a:blip>
+          <a:srcRect t="2211" b="2211"/>
+          <a:stretch>
+            <a:fillRect/>
+          </a:stretch>
+        </p:blipFill>
+        <p:spPr bwMode="auto">
+          <a:prstGeom prst="rect">
+            <a:avLst/>
+          </a:prstGeom>
+          <a:noFill/>
+          <a:ln>
+            <a:noFill/>
+          </a:ln>
+          <a:extLst>
+            <a:ext uri="{909E8E84-426E-40DD-AFC4-6F175D3DCCD1}">
+              <a14:hiddenFill xmlns:a14="http://schemas.microsoft.com/office/drawing/2010/main">
+                <a:solidFill>
+                  <a:schemeClr val="accent1"/>
+                </a:solidFill>
+              </a14:hiddenFill>
+            </a:ext>
+            <a:ext uri="{91240B29-F687-4F45-9708-019B960494DF}">
+              <a14:hiddenLine xmlns:a14="http://schemas.microsoft.com/office/drawing/2010/main" w="9525">
+                <a:solidFill>
+                  <a:schemeClr val="tx1"/>
+                </a:solidFill>
+                <a:miter lim="800000"/>
+                <a:headEnd/>
+                <a:tailEnd/>
+              </a14:hiddenLine>
+            </a:ext>
+          </a:extLst>
+        </p:spPr>
+      </p:pic>
+      <p:pic>
+        <p:nvPicPr>
+          <p:cNvPr id="16387" name="Picture 3"/>
+          <p:cNvPicPr>
+            <a:picLocks noGrp="1" noChangeAspect="1" noChangeArrowheads="1"/>
+          </p:cNvPicPr>
+          <p:nvPr>
+            <p:ph type="pic" sz="quarter" idx="22"/>
+          </p:nvPr>
+        </p:nvPicPr>
+        <p:blipFill>
+          <a:blip r:embed="rId3">
+            <a:extLst>
+              <a:ext uri="{28A0092B-C50C-407E-A947-70E740481C1C}">
+                <a14:useLocalDpi xmlns:a14="http://schemas.microsoft.com/office/drawing/2010/main" val="0"/>
+              </a:ext>
+            </a:extLst>
+          </a:blip>
+          <a:srcRect t="1433" b="1433"/>
+          <a:stretch>
+            <a:fillRect/>
+          </a:stretch>
+        </p:blipFill>
+        <p:spPr bwMode="auto">
+          <a:prstGeom prst="rect">
+            <a:avLst/>
+          </a:prstGeom>
+          <a:noFill/>
+          <a:ln>
+            <a:noFill/>
+          </a:ln>
+          <a:extLst>
+            <a:ext uri="{909E8E84-426E-40DD-AFC4-6F175D3DCCD1}">
+              <a14:hiddenFill xmlns:a14="http://schemas.microsoft.com/office/drawing/2010/main">
+                <a:solidFill>
+                  <a:schemeClr val="accent1"/>
+                </a:solidFill>
+              </a14:hiddenFill>
+            </a:ext>
+            <a:ext uri="{91240B29-F687-4F45-9708-019B960494DF}">
+              <a14:hiddenLine xmlns:a14="http://schemas.microsoft.com/office/drawing/2010/main" w="9525">
+                <a:solidFill>
+                  <a:schemeClr val="tx1"/>
+                </a:solidFill>
+                <a:miter lim="800000"/>
+                <a:headEnd/>
+                <a:tailEnd/>
+              </a14:hiddenLine>
+            </a:ext>
+          </a:extLst>
+        </p:spPr>
+      </p:pic>
+    </p:spTree>
+    <p:extLst>
+      <p:ext uri="{BB962C8B-B14F-4D97-AF65-F5344CB8AC3E}">
+        <p14:creationId xmlns:p14="http://schemas.microsoft.com/office/powerpoint/2010/main" val="778978924"/>
+      </p:ext>
+    </p:extLst>
+  </p:cSld>
+  <p:clrMapOvr>
+    <a:masterClrMapping/>
+  </p:clrMapOvr>
+  <p:timing>
+    <p:tnLst>
+      <p:par>
+        <p:cTn id="1" dur="indefinite" restart="never" nodeType="tmRoot"/>
+      </p:par>
+    </p:tnLst>
+  </p:timing>
+</p:sld>
+</file>
+
+<file path=ppt/slides/slide2.xml><?xml version="1.0" encoding="utf-8"?>
+<p:sld xmlns:a="http://schemas.openxmlformats.org/drawingml/2006/main" xmlns:r="http://schemas.openxmlformats.org/officeDocument/2006/relationships" xmlns:p="http://schemas.openxmlformats.org/presentationml/2006/main">
+  <p:cSld>
+    <p:spTree>
+      <p:nvGrpSpPr>
+        <p:cNvPr id="1" name=""/>
+        <p:cNvGrpSpPr/>
+        <p:nvPr/>
+      </p:nvGrpSpPr>
+      <p:grpSpPr>
+        <a:xfrm>
+          <a:off x="0" y="0"/>
+          <a:ext cx="0" cy="0"/>
+          <a:chOff x="0" y="0"/>
+          <a:chExt cx="0" cy="0"/>
+        </a:xfrm>
+      </p:grpSpPr>
+      <p:sp>
+        <p:nvSpPr>
+          <p:cNvPr id="4" name="Заголовок 3"/>
+          <p:cNvSpPr>
+            <a:spLocks noGrp="1"/>
+          </p:cNvSpPr>
+          <p:nvPr>
+            <p:ph type="ctrTitle"/>
+          </p:nvPr>
+        </p:nvSpPr>
+        <p:spPr/>
+        <p:txBody>
+          <a:bodyPr/>
+          <a:lstStyle/>
+          <a:p>
+            <a:endParaRPr lang="ru-RU"/>
+          </a:p>
+        </p:txBody>
+      </p:sp>
+      <p:sp>
+        <p:nvSpPr>
+          <p:cNvPr id="6" name="Текст 5"/>
+          <p:cNvSpPr>
+            <a:spLocks noGrp="1"/>
+          </p:cNvSpPr>
+          <p:nvPr>
+            <p:ph type="body" sz="quarter" idx="25"/>
+          </p:nvPr>
+        </p:nvSpPr>
+        <p:spPr/>
+        <p:txBody>
+          <a:bodyPr>
+            <a:normAutofit fontScale="70000" lnSpcReduction="20000"/>
+          </a:bodyPr>
+          <a:lstStyle/>
+          <a:p>
+            <a:endParaRPr lang="ru-RU"/>
+          </a:p>
+        </p:txBody>
+      </p:sp>
+      <p:sp>
+        <p:nvSpPr>
+          <p:cNvPr id="7" name="Текст 6"/>
+          <p:cNvSpPr>
+            <a:spLocks noGrp="1"/>
+          </p:cNvSpPr>
+          <p:nvPr>
+            <p:ph type="body" sz="quarter" idx="26"/>
+          </p:nvPr>
+        </p:nvSpPr>
+        <p:spPr/>
+        <p:txBody>
+          <a:bodyPr>
+            <a:normAutofit fontScale="85000" lnSpcReduction="20000"/>
+          </a:bodyPr>
+          <a:lstStyle/>
+          <a:p>
+            <a:r>
+              <a:rPr lang="en-US" dirty="0" smtClean="0"/>
               <a:t>GMM clustering</a:t>
             </a:r>
             <a:endParaRPr lang="ru-RU" dirty="0"/>
@@ -7579,10 +10028,17 @@
   <p:clrMapOvr>
     <a:masterClrMapping/>
   </p:clrMapOvr>
+  <p:timing>
+    <p:tnLst>
+      <p:par>
+        <p:cTn id="1" dur="indefinite" restart="never" nodeType="tmRoot"/>
+      </p:par>
+    </p:tnLst>
+  </p:timing>
 </p:sld>
 </file>
 
-<file path=ppt/slides/slide2.xml><?xml version="1.0" encoding="utf-8"?>
+<file path=ppt/slides/slide20.xml><?xml version="1.0" encoding="utf-8"?>
 <p:sld xmlns:a="http://schemas.openxmlformats.org/drawingml/2006/main" xmlns:r="http://schemas.openxmlformats.org/officeDocument/2006/relationships" xmlns:p="http://schemas.openxmlformats.org/presentationml/2006/main">
   <p:cSld>
     <p:spTree>
@@ -7601,7 +10057,7 @@
       </p:grpSpPr>
       <p:sp>
         <p:nvSpPr>
-          <p:cNvPr id="4" name="Заголовок 3"/>
+          <p:cNvPr id="5" name="Заголовок 4"/>
           <p:cNvSpPr>
             <a:spLocks noGrp="1"/>
           </p:cNvSpPr>
@@ -7612,27 +10068,6 @@
         <p:spPr/>
         <p:txBody>
           <a:bodyPr/>
-          <a:lstStyle/>
-          <a:p>
-            <a:endParaRPr lang="ru-RU"/>
-          </a:p>
-        </p:txBody>
-      </p:sp>
-      <p:sp>
-        <p:nvSpPr>
-          <p:cNvPr id="6" name="Текст 5"/>
-          <p:cNvSpPr>
-            <a:spLocks noGrp="1"/>
-          </p:cNvSpPr>
-          <p:nvPr>
-            <p:ph type="body" sz="quarter" idx="25"/>
-          </p:nvPr>
-        </p:nvSpPr>
-        <p:spPr/>
-        <p:txBody>
-          <a:bodyPr>
-            <a:normAutofit fontScale="70000" lnSpcReduction="20000"/>
-          </a:bodyPr>
           <a:lstStyle/>
           <a:p>
             <a:endParaRPr lang="ru-RU"/>
@@ -7657,100 +10092,28 @@
           <a:lstStyle/>
           <a:p>
             <a:r>
+              <a:rPr lang="en-US" dirty="0"/>
+              <a:t>Key difference – </a:t>
+            </a:r>
+            <a:r>
               <a:rPr lang="en-US" dirty="0" smtClean="0"/>
-              <a:t>K-means clustering</a:t>
+              <a:t>PK_r2 + 80ms</a:t>
             </a:r>
             <a:endParaRPr lang="ru-RU" dirty="0"/>
-          </a:p>
-        </p:txBody>
-      </p:sp>
-      <p:sp>
-        <p:nvSpPr>
-          <p:cNvPr id="11" name="AutoShape 2" descr="data:image/png;base64,iVBORw0KGgoAAAANSUhEUgAAAjUAAAH0CAMAAADylywmAAABlVBMVEUAAAAAAAsAABUAACsAAFUAAKoACwAACysAC1UAC4AAFQAAFSsAFVUAFYAAFaoAICsAIFUAINQAKwsAKyAAKysAK1UAK4AAK/8ANYAANf8AQKoAQNQAQP8AVQAAVQsAVRUAVSsAVVUAVYAAVaoAgAsAgCsAgDUAgNQAqhUAqkAAqlUAqv8A1CAA1DUA1EAA1IAA1NQA1P8A/ysA/zUA/0AA/6oA/9QA//8VAAAVACsVAKoVANQVKwAVgAArAAArACsrAFUrAIArAKorAP8rKwArK1UrK4ArVQArVaorgNQrqgBAACtAAFVAAIBAAKpAAP9AKwBAVQBA1ABVAABVACtVAFVVAP9VKwBVK4BVVQBVVapVgABVqv9V/wBrACtrAFVrAIBrANRrAP9rgABrqgBr/wCAAACAAFWAAICAAKqAANSAAP+AKwCAKyuAK1WAVQCAgCuAqgCAqoCA1ACA1NSA1P+A/wCqAACqVQCqVSuq///UAADUgCvU1IDU////AAD/AL//qlX/vwD/1ID//6r//9T////T5YA3AAAACXBIWXMAAAsSAAALEgHS3X78AAAgAElEQVR4nO2di5/c1nXfkSzd+iFbSRzqxWFMec1E3HVFk53lsFY9flCRSioNaw6llCnFtnG9JD1S6sQmdiOywi53uX93cXFf59x7gcEdAPPA/H4fLmcHg3uBuee7OOe+kzMIilWy7BuA1lCgBooXqIHiBWqgeIEaKF6gBooXqIHiBWqgeIEaKF6gBooXqIHiBWqgeIEaKF6gBooXqIHiBWqgeIEaKF6gBooXqIHiBWqgeIEaKF6gBooXqIHiBWqgeIEaKF6gBooXqIHiBWqgeIEaKF6gBooXqIHiBWqgeIEaKF6gBooXqIHiBWqgeIEaKF6gBooXqIHiBWqgeIEaKF6gBooXqIHiBWqgeIEaKF6gBooXqIHiBWqgeIEaKF6gBooXqIHiBWqgeIEaKF6gBooXqIHiBWqgeIEaKF6gBopXE2oSaA3UGirU8ktKCy1IoAaKF6iB4gVqoHiBGiheoAaKF6iB4gVqoHiBGiheoAaKF6iB4gVqoHiBGiheoAaKF6iB4gVqoHiBGiheoGZ1lGUvCx0JLftmKgVqVkegZilp11WZlaTmJcGneFOW8mVYXd8wqFkBgZp6mZ6Mi6Hu575azA2tqNJ0WsgwMxppL2VkyamSIk7n0/WNL4eaV188LF6P3/g6Om2PBGqiMj399Cv2GpO2FxKsSGZGIeWGT3MF0JCv7KA4XZydyl/6S83GP2tAzTyZnk42NK6ZcklIBoOB5mWgfxcY2CBZnSrfDIeDQf4yGIhf9GHGXNffAnWoxQrUdJJpT6nxUKHUFLQE3JTghpxXuCGL0nCo8NHMiJNHKvNuvw1q3osRqGme6QZFw8qisoItIlbCjBcLy5jWUCMSiKiZSOQy1BLuTPumjDIzHHb7pVDz7ligprVMN+BZY5vcCBXSriweligogBg14pDDjDhV4GLI0bkXh8XJOv9uvxxq3h0J1CwyU1ADahabdnVk+oZcagwGkglDjY1sWLBDEuhk4nNCjWzNKd4QBKfdttmg5t2JQE0HmfY5GjZ91JoY1bTCnBL3USPLjKFGfuJQI96KnEx7jeayOKTP6L7fGzXvtgVqusq0r8+aIy3roUzjirC3bur14uEiCmag6F8daVSUf5JNxTLr4qjtuurye6Lm3aZAzZIyXVtqjo4YMzYaZpIexqeG18fTIDGWGxMJi6TB63QLDqhpS6Cm80x7VvPmuOTSfdFiFMzAviGVZCrS8mdwsZVoDzPpmoxGIfWRmr5Fw6BmEZkGat6dbuzQoRxeBlaKGEqN8TGci0jZKndWwkw/qenRswbULC7TftS8Wfg7KFNmuxjl6JipZkZ3Rk7tyBgHD/bW6W2oVC+p6SbtogVqViXT9aGmHjOMGtK3YKkxKGgyClGE9JBh0+3JZKY16NHH0nkVDrOjr76kaHhye+60KyNQs+BMTz/9ffJwzrQrI1Cz4ExFjfswFAuvCzVOA00FMwNr1OEwwIxDDSHFHiLNMvIjNmiH4UO56S6yWWZ7TV6R8sEBNaCmRIFxNbXTLl0lzTOzqLHtNVPbVkOombIPU+ulvEZg1b4sftWHi//llRbRE4U6VLRADaiJUr3wd8B7oUaSGR3nMndEWmS09wrMYWDcmGQ0RlYuS1NDWo87KYel9Xk/fPVFkvgdCqAG1JRJ9EMd5lXvk4/Wpx+qbkWbUENCU2nzqStSn7bOikGkvZWROcN2fLOYmDHTK2ryaPjVl8/Wa7Q5qLFakofKHzTHt8/OjrcXc0NNpRdVVGHwLGasFDW03hz2PoFRxd64Gs0Mk0NN5qqT8lhWNHxY9Hn70IAaULPgtJ1IYBJd1WbM2DY5g4plxlSk/SF+UxnxVlPjeCe5uCOoWbZAjS/0eVeILNAaRYtlRtWOPd9kPrFMONwEx/kxh8QxIm9k9K2o6aQHE33eFQI1JUKfd6mieJHLnRlpp6SMTGGZRQ0JkJ0z3La+EFPUV2VyuEQHRYM+71KBmlKhz7tUoKZUqEMFVQ8YYebQ8cw0BzOrOyYOmt7DxLYSu4ut6RPN7/IXsigoqFmsQE2lQE1AQWLq+qqMMqPIoNuzEGrYAapw402QHEmM2mlB93cxajrYQxPUBARqZgjUBDRnAw2hhnqQEZdpHS7hZkjFImJ7gKU0n8tZEORSkhtQsxiBmhkCNQE1YKaYiVBKjedwApN0GS+sIk7H+5HspB80mDBqhsNO4mFQExComSFQE9Cc1AhDFdVxEZsKQz8dJ7fS9A83kzv5z+5Iz2YKAaSDXxMEW1ScmZcOdTov0s0t78N4qA58FKgJqC1qHt16+svfpg/upeJnBGq6y3T51IjBNHMwI0ykxutqm/5gmD74PP1v/zm5J374lrqes7IeypkCZRkyB51EjBf7G6hZoFqn5l76sfgBNd1luuLUhOrkek6A1zR3eTf9sPBQH4sfOry31OUwRERo7RwKckOYsTGxQamDeBjUeGqPmr0kufMvIhK+J35ATXeZrgY1kT6KuiUjTkdK52lPbVcjCX8ZNfJUOycq1Zm52KVehZscADWLEqiZKVDjCdTMFKhxJEfWkLWCS2VG10gbOTENMy21aPGppiG4iYtJbyEypHgoytwINRlXEYq1zQ2ocdQ+NUmSgJqOM10FamRpz6ZGIWNpYPYUVOXHi6nJjBpzuqx6KUjspnSGmhIRiOxqkNUtNsuk5mQcno3SKNMW07YhUFNDMUY6vf/s7EVgoaJGmbaZtg3J1pp63BhpExqvQaYLuNQ4MoTYWLgCGMMN8U/sqEZFre1ol5FttZBijCTWKKqYkzJfpm2mbUOtUzOqhKZX1CRc8uDGPGvqRcPUKm5Q66ExmwTbB+URxUBikbDHkt09yrhO6UdbLaQyaorFWtwPTyehlfRqZ9rkhhYmUFNDMdSc/PzZ2XGdcHhtqTFLG82iRi8UbSq41dRwBRpxiqwkN4wZZ3QNo6YkU/lqbkwvXj0YtFhOMdSIPcCEl5o30yY3tBiBmnrCs4bKUFPNjFvJzZwWviA3QVRkHgQ/b0xwUOQKZBtMeUvkGvoul0rN2XGSbNV41IAaUNNepp2nbaxa1GS+ZFObMbQlYm97tJcku09uimHnwRBWTZi0eRkqSqhx6JQhNHFcrHNBv4KaDtU2NVeT7dHl3b03/uctCwCoicu087SNNXsVauWbJCok5CxR+rEYOfzgk2TrroQg4MEIZcSLzaDG/OoMNJa35eWtovu2ygnUUHVFzWfTp78CNfNl2nnaxuqCmt/cST/85C6omTfTztM2VJ1dEljtSQ0zp5i4RHycpmMx9VJ6qDptxExOt5QDkkOWvCHS4mOpUTfeVkmBGqsuqHFjWFATm2nnaRup3i4JxkMJXhwTSbs6B1LtdYLUSGOTA3bPhZoiEOmdNUnlzlnesa2yAjVaoKa+yqgpvmJ31JyMixEYge6JJVHzUquSGdZY4zBjNtWeU04TUH14TAgtQ2MnFxNej9aeGrEXndCxP/AC1ICaEukRgauyF1399agZNcS3SGaMD5oj8LUoKnsH8yjzgJIasn+CS1/xpq0hfXjWCIGaOC0prjmdrExcU9M1FWJ+RLxVR7VFq2Cp+NRk6DApa9eBwX0eNeRN5opdpZ0yWxI13aSdS6AmXptOTdyWuc6bIDVV6AQ/KNySdXnaTw1LvVRApKUvQA0Bvp1S2/SaN6iZRxsdDdfcntt72NtRxYVFAtTERMOeO1HUlOARoE/hYqkxXQjOnbY1WSGGmhfF86Fk58EamVqtSM17NanZmyRXhsOLSbJ9NSnWm11vaoQCT4famVqtyLNmdhzsPewZM0a65k3WPqsmZa/gQZPBrpA9n2TfF/7p8u7BvtN76XVAsA03VHrjlEIzSJdCTa2JLWtT814eNWJYqHzd2WVPm/zNwUH2A0HN9o398dbdNaSGz9jN9WK7QaZNbqgTLY+ad4t/YjD65WTrWpCa57s39vef/moNqXEP13vUrAk1RUgTZIXtMDdyjORbgp6jiKlJzWURtmSTzA4MzDN7/cr1yfMsOxiNDvbFqC736ppeCZBu/TWfOMxLoLNMhdjtjOeLo6ZWVLMuNe9lUqM8VE7OpWsuNe8kySQ/tp9fbJzc6wE1h7ebZGq1EtEwGU6jMakmYjY1yjVVtNeoj0Q0vLN744di8ovjoZhbdK4s2TIgZSE5N2Y/UAvCtVF0UdS8+rKWg1qTmvcyqQlk2ltqaoY1a/GscYbuESM5Re8ZmFrFOAtRXGw8L+sfotyUADVikx4C3Oj+cJatosEOqxnwuwuqeeFtbJ83qGmgje29VNTInmaHGnkoODiP2MQZCkORmTp90UE5ZzjU5H9TxSvBLECN3rzOJHOA4ViCmqZaBWpyMsqoKR7FoIZr+TVvRY1uCmOlq12Tw43pzHGokQgQaqpYISqKgHRTW+MPhz41liiWiTNUmLmnwDXXmZrViYZBzTxamdHmfu9Fl9IrjrwseYiX2DkcaZo9ulPVoxBLDTO8ugux3myp3QOHDG8S6KCPao2bDX3WrAQ1owKaEmrk7YAaqmXXvEuoGZU6AslMYRPpCBxq9CYZpuey/vQow4pkh1BTerpzSE5OMKNrDDPilz5R003a+gI1jVRGTfEUBjWgJqglUXMyfvjqiyS0UvoiqDky6+/l8oAptZesNjkNuMps3sDPyAm8ZP5c1S2MgmeY5iKJismnZPTxulIjouHDh3I/j9i0LQjUNNRyqMlr3EX/+ZL6vBk10gbimU6aXwK2EsxkvhxmqmbRsbdqTdmdZGtf527zl5+NbpyvR40ih442r4JPnNWsAJfkofIHzfHtvObtDyjdEGr0mrI/Ge1MPGrG8rPRzjlQw3RY1LwDo5AXTo3eUi5QvAPdSGxtldn11Uy7raVFuQrx2ayVRPJnzbsH2cHB+XNOU7P4/3uD1w6yd2/88N1AQkIN7ZKa6u1dgk09DFkRPDcrwI2sQ60SNYO3vldGzc4uqFlA2no6OnI8VNCqpktHW4pYwnZuG2qM6aZVvoFRIyY+fes771+/NOTdWrkm2fM76RuX84dx+NaMnK0yaUd7yu+SdZQvlJq8stzS7hvLrHmvDDXZJHnzreRP3g9Rk43FNLvQs2btqBExbGtzL5dW865mhoabpNPJEkSoMVawNovohwrMVdIomC6tYELTTR4Y2qc/s33wIU/ZNB6OoabWTqkVmbKcllfzBjUdU8NHL5x89H/b8lDLq3lT/2RcCSGCW1TNIdJWJZBQpxSuccuD4c+kaXXGQ9JHrcLsqc2hihvGhbycjqmLFr6SmFwg36QQY541eTAS8im1M6VaWs0b1Cyamo96sO+l8ky6gc9r+rejhh3/xBZv1C5JvQkaR1s+5CQkM2yOp57rRMYDVlND+WMXJSvIBlNLX9qkEKPimv8OakCNUGwdqh0PdTopnfrbNTW6E4GUqS3czItQuecwsa7uL6zd7aStxahhXpAxo31bhdVTPq/SXNbzmOQNdaxN4uEoak4nodF3tTMlGX36+7I1t0BN36hpmKmVqHEfhgkENaCmRLKdJvjo6pYa28ntyPDhUaM/kZGCsSczcIAZr0XWSlnaMmPYJJmWVMxYNrox2eFCDu0LJbEZNmuxWSY186VtJFCzxtR0lHa2dHNwyXjaIDLET6lST31RXJRK2mVVT5X2LEM65dY08MzwUMXd6mHGJGfvpiRRJQ1G8xcjqAE18dokal5S/6RokL9WEyOpGXFgCCLUbsU762hKrT6izGR69B3rwg55Kbni7NUkGWuHxqiRp3sxtYngQU28ekCNXM/v8u6N/eegpqW0M/TS1rolLKYMq4nRHkpRw+xQwoWukwdMrwytnZJZzYRGwgVLIWrePcjEmJuDZF+Hz85FtWskqxSQgzY79XcyZ0mWUVNkDWpWk5qLk2z/ANS0lLZStp87s+SMOBmzPRQlYWYLX+Ac1mfFBsM4LmvqqkDtR1eu5x7q0n62v5959XpaZychOluUyX794mvNWZagZq2ouV6sOHt1LKJhUNNO2kqZ8XvaM5DyruufiIcqqRsTR1DyKYFHVMKN79DWNJVx6gfNr/K21VmlDYysOYBUyB1mQM1MgRpQEy86gs96qLrUOEwEfJTnGdgH1l2oYzRRmbML+DcydkZQ419t5EXD+sYNk/I7qde5yhLUgJp4bQo1fLRw5q3TGEGNNAlJnWXS0cgzHAQMS/qNQ00QlyqJhR6NDzM3ZMcOM2q0t2Tej321uUoT1KwbNcUw/XWi5kV4Kb26mTa5oaYCNUuj5rDGTqkVmXaetkKMmpIVieagpggzpoQML0iZ6k/tGzXrZC6pDQKHKi6TGZdRI99IXMhKo4ulpu5GP6CmS2pkXLPK1PC5l8Vyr3UeNytHDVsPIECNXvfILVLNTEaMRGotxOHYAXVehYhwY5gJ9zLRBCXUpOmwEropl8SHDOFx/NMCnjUnP39W73kDakANV53YZkWpcfq8yZqt+hApTRM22jhSdRzxATUj5aaGZBwetTo7IM5kPdolZPitMPYzZ5FGjXMAFv1im3iciXtzcwNqQE28YqgRa9e8+uf1q3mTCbpeu7AoNjuxiJWmmbJvu6ZNej1hwaOCmC3Ajfw/1MtEMatanE16KHO27U/L9GAbfQP6P76DVMABz1Gise01La1E0k3aEoGapVLTMNPO0wblEeP1QKlCD5Wp48MyV45LIp7ByqOCRcPOpzO0tz16Ok5uie2ci/eSB9MkYLkjV9bnjPRgZVAzW32iRqxS/OjW019eurazDWpaShsQDYDLPFSFHNi89B41DgyEGu2jhjx0Ll2ZKKj8WfPpZ2KRx53dkR57LD2QC6meK2HpzvRq+ZKfJtyAmrWkZq941ICaNtJykcWNZJE73mkGMIOAQ1JGKK1XM3fD4LGvxq05QNTyUnvCQ+298dvx55YIOdKGXZCsGysbDLSn8tsHQQ1XT6nJo+HdB0lyEdS0lJaL1Le90icHHUck3zrU6N4A1cpnISHN/wHfZLozuTXZAZWUVsYJSM5oQb5zeKpB9mJrFhwLmYt6pZFlL1+2ZSRQA2rijSSH/YAaUBNjpJ5Qw0tIIWCpcaKWIprRLcLmU1380zg5mJac5WVt3to6lpeDQ4Ic7TN1K2xpoG7m5SGYATVUoAbUxCq8gy5FyJBkiSKtNPKgsaP8P3UcjFXFgJmprUN5zBAvpnvEHRMHbB7BsE3q5GO+s6Dm6KgdI4EaUBNvpJ5QE+RGExE4TOJhMvteG8BQUwEByZCc5bTZ2kxJc65Hjc3HY0YF0KWgOFw69MkzVHMPqKECNf2j5mRcjGIPTK5qhxoyIcFBg0odlNVs7wzPG6VWJdQETMMmNph8eKbmTaD2TTJj1AWdlHNYZsdWdNS/qIq7ZGZNqBF70QkFdrYDNf2jRpt7rkyt9CrVne1Fx6gh/btBaiw7rG1PxanarEFmyLSjIDdG1lGwPMSinleGwx8nya0nN/+0ctCNRcF0O9El1abEd1lEnBHK9nTTSTcHM9HUvGhnPtRinzXtUTNO7qTpH24mtx4nW3dboeby7t73h8O/en86vX/3x5f6Sc3J3/5DO7Poigl5i4hraCd2NoMZ80a00cvQNmX6za2nv/yn6eNbo9H/zv+f+nIG7kk3QAzrQ/DpZ/m/331y80/e/6v3BTVB58cOGhACnrKCGiYLzFEH1PC5l2evvvxjOx6qo7RW3VDzQJh4+ijZujZ9fO6zNqm5e/3Se8lf9IQa5+iL2y3FNR2l1Tqy4twMgsR4kjbxV77PqSl22N7bnk6f/JTZKtCBSLoq9Wa4hhzzyaPi8XX/7tNfDYePP6DIGZXE3nw6N6fGfA81poZO1hK/iDB4fmbiqDn56Ou2qOm25t0VNbmHEuu2XtvbFmZuhRox4+BxHglv3f1Roh9f/aLmRWHp0r0HZ2Zq1XE0XE6NZkf6obRiyG6AmqLC894VYWLx49nKvOPWJC4xbH6flSn1cYY8fWbA6TDgzR0Nh5Qa8uewSGrO1qXm3RU1xTMlbDJQc9Y5NWv6rAE11Ubqukehy5o3Y6aEmjrRTWDJT6bKjmwyik9drAKWqRfL2NTeVbxqkXvDZPLckHJjjmUZoWauIu5h7+UaUpP/AYGalaGm1EN5zJgDdh8U4peYlXITl1HjVrpSQk0pN2qpPQ9X21cdHthDPA9Np6EbqlXVhmSunfxlbanpsubdMTXFjYOa4OFuqekwGj46cqjxuKHLHDncZLan2xmVEqCGsFJCjTmozReETa1/6NwOD8HLfeUoLLa7prkhfYC0DM9VyMuhpsOa9zpSMwrENaDG0yKfNdIlMf8kH9bOCmumhLXFjO0oN9LEIeNpaojNA31FKkyesZoj40ZlHGTG3p4js8xRUM2Y6WHNu3tqSsZDgZo1rkMFqSHS8aEoWoWJR40mI+VGcQbwyjMcIsypZgQNTzIakQNBe5MpC5zgEK4lzKibp1Mv2BprxkO1a6SkuFdQA2pijNQ1NV3VvHkY/FLHwqRAqx7cGTMMGRCjx+CFTUcVYMb/fIbMMvsyrynNqm56FYQ7sn88c0xMmG2kjqnpLBpeQ2r2tkVf+q74aUSNzOBqcm40fXqpl9QEat7uuMH5RHlhNDByRHk6/LA/VRKD2go4cQZBWvRrauZdW0xkZkFjiwUaL+/uvSF+zO2RtIbAcl6kZAb37z756ZOb35gqasQH1kcNKTVzTO826uGzpktq5IPh1pSMyWpIjcjy3dHoXfHTiBqZgaBG3l3/qOms5s2XVHPWgzVwaAM6z+/CLbDarmto9WD45f+6+Y3S+UiGvTKXFKTmwceWGkeltWuXGjEI+XGyVVBDPtAFsP7UdJO2c2qUiT/97Omv2qQmB/HD/2E9lKOa1FzeFSOQp9PHH4CaSK0nNbnTu5PaaNhRTWqE53x865EYfdxTakQULJyUH9a0QI0tLVZrGDiVKXKSUUpVUuG5LGYViPV+A9QEuDFD6YKn1SNC3Q5dv9O5mIp9LPLsCw5CWhg1x/U2S61FTVF9Ovkv8WkrtQBq9sZ5NAxqgodD1Jz84quzF9vzZ2qVI3Py0dcd9HnT6lCW+dx4FaYSZsIccGvNoobOLGGj74ba/PpqJO8AMzaVGk4j7jV0Kr99k3MJN4v0UIKceTO1Op1s/VFsNFWgE5m2UqBmBajxW97aedaIFptk++y49Zq3ZoLM8mdFZXYv0cjo02QRG16cZSSYCeOYcT5X2fL5D2TsTZAZj2+XfZebaSga9qiZPyCOe9acjFd8V7HNoWYi+w+SvxF9CJaa/E985ajJfcv9Fd9jV3Jj4l6vsBgzZGKUdRP+TF3utkqYCfzpmzPZGz1jKpS3ISuUnR7zKyT7Dy7v3vj1r69d3Tb5m4GGZHzNcBjY7HKx1LS0W+rJ+GHuo9qveW8MNaoD4uLWvQcrTo3oNWrnWSP6oQR+rUfDkhq2dlpQ7IHPfJA3+FejRBCoz4wP0DQwk0Fxw9xZkBk9v0BTc/FOen4n+cttk3VBjTMTSnzfknh4Ic+a1nZLzWvcxXbyHYw23xBqpIe6dC/9y2ujnb+xdyQeNStGTcNMifIHzfHt/Onl18jaoEYWbogby5R69eJPjZHjtKTNC7tyambDYtr5iIIeyg43dkBTH1iXU0TDV96bZDeTn/0mST5P1Qpr8nQLS2j7bgecuQp5Wf1Qh8WzNFCNBzX1qJEvLIP+U9NJWinio7Q78lZXM/JsbJ2WAxRZQ7q+UzJnU/4IOWa/Su27yFna/GJqUyrnVNEAd6j3FDdOT19HnqO4qOBm/ngY1ICa1ozUdZ/3pHTFrXaoUYaxJWRK0xZr1ZoSmplMQ+RQUJcYHx+bVF+DUKO9DDldUuNQHrh/k16fWe2a1pKaT39ftnAxqHGpeTpOJvk9jJNx/nONUUNm+opzn9xMdvcmxdn9pOarPB4OjroANS41j25lk+fZ80m2v7+fbVNq6KoC4tzHt6ajyxNx9pKoKXLseI7C6SQATuvUWKtlbh9VyLQUE8OMPZUFKdH0kDoOjZsIL0QypknTB5+nD0aiGTh/zuyw8X6aGp3iUbK1f3CQHRzMqjoRcOYq4mVSM1/ameonNRd3b5wXg8KqqJlOn05KqXknSd4cDN5Kkj8fXPjmWlLTUVophwevMlQti4jJh1IzIg03U29O75wy3om80ddI09/cST8Uqxzf+OTvz6n70feqHJSuQ92/+/TSj65c/35+2Kfm9Tff+Zb4/8J3B+fPNXzagBpHq0eN2PNjZ/dqknwwSZLtEaUm1Q2QkponN7fev66GRHnUvFb8G3x76+0L330N1Pgi9raT/aMMTOJl2Sor8+BmtYoBJDApjuTi+KiqbWDsLArS5iPcWhU1337zwjfPvwlqAgI1AWqkh/rO2xf+/XeS5HugxhPbgs44Ere9t9werGauLUJ6kbVN1W/1aLEuzUGtjJkglp4fc64h2o0HxWiJUDR8/s0iGh68Rj9oz0igZp2pGZQMxAqrPSOtNzUkHpYFKwu4um3PWbPIEEaf/R43NXHhq7Q5UlTai5NP7NQEU10i5FGMmGoTMyc3oGY9qKFNM+qOHidb1y4myTdWnRqxwtU67ComuCkK1o5rmVpwvCd70FWZM6xPUbiUrMSo/aB6K6/kDKwpWdqaZWX41BctrmQ7D0wQ/JOipfgyay0eVUy2XBI1Yszwyc9XfI6C1CZQM9o5N3Jbi1eQmmK8ZjtzFLpJa2Vsa5khZgnEAsRZUBkrBX0LMbw8R4230/E0i5ft2aFL0n5Ls8IaTVDMPdDUqByubk8f3WLf5WqytS+oeZ1WrqmCzcZtGUlR48+9XPn5UFJrQY3YvXAqNnr+mdjseQY1IzsSVVEjdlIUCx3Rr3Hp2k6SX/j890T7TBiaADZtGaksGn71RY0NDEFNPWqKnVJFN9Ov/8+dmc8an5r8uXLtd//1n5zvsiNG1/zZ2yW+aCnUVIzBq5FpkxuKVKtmrtYAAA7aSURBVObKa9gQryQOMVzoQx5AJYv+Gg8jZC6nB2t6fNG7KHZlTtMHyd1HxabyclCnmsPiJdK/MobJbUllkwv/LvnWn72d///nK0LNybhODQrURFHz4E76d8XyVm1Qszc5EBgID/VWiJqFxDX8YF1oVo8a084i/YctfkIN4cY5IHkgY80D2zA71HBgQ9RMi728P/xt+uDu7z75T8VGz5ptU4fSDsksdOz4S/aQKXSQJJdEq3AeDZ+TQ+xLXBVTdF9UDDVyZ+a1qEOtBTV5NHznX+7kkfAHcqPncmr+IBbtu/F3n82khk/qXglqmmbaeVoqU4aODamHYmKz17RTUubR0AU81NTaUV6L2UO1GwW48UJsfXOKcXmqSlIM/Nw5xxMxWvhfiHlThxlQY9Urai7n1aUbP3wX1HSRlopNNXP8FGswtqAwhFILDmOGSvk5zVXATBqFEGrssAyg5SHSMmzO3dve2X3wOUtkqRlRgPRlI8gBNVq9oubBtb3ty0lysSE1b4kB5+/4jcagRovsKsuoqRgOQ6xJuLG7YJMTbT7MLwT+jknezmZSygfJZYrsFRhb8oBoP74nJit4t2z9rgGEfcrv5XwxSSHc1dCGkUDNoqhRq1tVU+O0GM1LzevJ1tuhZw2oseIFmpUOrDGWMqah7sn4nuDWUqTYS0bPKaYc/2Qvq6ixzszzZepsGwkrfrx70DmQmabu3eTIgJpKgRqXmu+83TE1xTV7QI3nXUQJBclJQyqspHMwrMQNYsl0wyIZamzzF5O1Sca6BdgjbGRvyLQReNV8+n0C1LzVtYcCNTWokZNgvy3GspTYogY1VB1TU6U2jNQjaljRl4qRwg7YmrfIrzik7SGnGInXvGYSNJJwWyPJAqPGyqI9ZHfDPRm7NXHA95AuNaO44cNtGAnU1KFGTYIVz5l3WqemGLM1upgk2zvJ1j1Q01laroVRI0bNtU9NMWZrJIaT/2T6+A6o6SwtV/EVKiYNGQs51OgPSO1FU2PW4ZQlrTyUfN4EzCipUUk8XixIhSRe9oNi9M20GHjz+NxnbpjjUcOjt0hkYrkBNQ2okZNgL3y3S2oe3cp/f/JTUNNZWk/iSV7Oiyx92gqSBppf9foARmlKLKUbaezHhBfzkezJ1rWj1DYSZ9n+QTbJa2I6tYWj2CmxgOf+NTF/ha+y7lGT6e0jMvVbpKL6okDNkqlJDp5Pcj/nUyN2Snx8Swwnf5KIxdXWmJpaW9GtDjWyBKslmfCQIf5JnhHoaWLU6D4v8nnGpbNVIXZxbH//oNhIw1LlLO8o74MhTRiWeKjMpY+zwXqkmhuphJrjlnZL7Sitp9WnZnLQe2oOt/61f88au3UCOxikpmx9D7mPSrCnqtD1JLmSFUsGv5ckYnKkrsg/T5LEeCh5WQMIDX8ZNSZbcWlyy/rNHMREclNGDZc53kMP1ZiaoiOpmhqxxKJcMvg/DLMJoSbLDmw0vPbUlKktasTqFElwd/BWqZnBTca2b6H9TEySGjl3IAhNkqQ2qYdMnuoHxb/hxWR/+F5ykFl3ZpsPMw2r454IMwFqAl9qbmZWnhqxF53Qsb+FYY+puXgl288RGcdQU6wkAWoK6VWqO9iLzpE1Xik43MCB4cGWqlBRF9SQa7DM1K/Pi2XqD/b/41+M97OJIoV2VJj7S3koLJFUx3Tt2/lC4ibMfTZgJqLuvQnPmm6pGZABMmXUZGJLjEkeDf91/rMPaubM9HSyoLhGVo/LvZQsMF3amSvDTSk1I2eP3pE6wLyPjqgJm85ELZ2UVrj1qGKauZzNoBJrXsp3FK4vEdDXLtWWjdQ8U1DDImH1qAE13aUNio1C4HMUTJHpONdhxvFWQWoy2wugrWosSirr+hDLn6BEmWGhrzygjlaNTW7kneS2P8szUr1MF1bzBjX9oWZx0fAqUSPWjgE182e6uJq33apZ2YAiYIwa7Lwm8JTENRKF/Wz8p8PA9Dx9BX22qaKrTzUzRZDCEUnpKB9VqeL3xO62vKujLi+Rc3b7/6zplprnogNy/8eXQE1jrVDNW26qYH0A8U6BfiVTu5F21S0qQ9sS452cJQf37z75qdxehbgc3zqKGnV9OmRnxBEx/mkn2bp2NUl+5jk0VguTv83PzBxl2v86VNfUZOPHyVYdagYyromgRqxefnk3/fVzUNNh2qA803j+yQPHugFjHI8aaTexaaAYDv6BHgaTMbMOnazlMkipHpanr+QzI5uCxUg/0eVZnMF9k9veE0PNy5dzOCWm/te8u6VGrKj3KJFzCDqgJhuLLs8DUCO0yGhYcGMGy1D/VFaong2kYR3jaDJYYy7tXvK5IRMWLL0KS+m0WB9Ulj24J0LtbP/aiN1S5krkkVNQE5YGtGj1v+a9xtT84aao1ifjEagRWuyzxrbB1aLGdktVifohgs/QFaPGejtGjWkh1Er1eijEIbFJD9QPit9mIdMaL1L9r3mvCjUXvjkcXr8EajrJdFHUVBNRhxnp+AwzGpNMbj1pqvHa2OfPDX88TkQ0zKhRGOm5mcZlSWZK7rTIlPooO0crzEvLJQpqFkTNhe++NixGmoOauTNdYM1byLT3x65z5YYmlBo5j8A4CesuzDa3hp78//NXfiA8VGqbAq2PMiGyzofwMPs+gt+nZZfkaBOi4ZWg5nWxLwaoaZJpoOYd2PeuPREryNKcRcosmrTVCyNbZkzNm42SUHpNR8PaK3FqZN2bsFdKBLmLkomWneGitBnPmpWghjU7g5o5Ml1ozRvUtK1NqEOJfm/V8y1+OTqq5iZg76DFbB0osxUmGs3wA+ygxETjNrABinhrYrDZ1AQ+7aL8XIEaUBOvZVITnFzVGTVKR0ezqImTB8nA9lEFfVSAKwMJYUb7r4hb6aLkwlpSHWqiKkx+YANqQE2ZTic5L4t71ghujqzaoybskEqYIUm4TIDstGFX+6fFw2K0NA91Onnj/4EaUBOb6ck4tFxbR9ScnR0dMW7KIIhmpi4t1SlpZZzFwowrmbTrlt/Z2ow6lBCoaU+bQ02hGdREiSESzQ1N5BJj1xphryLJknFRWlqf98NXXySJ36EAakBNmUQ/1OHDHJ6PFtMPRdSQGgcTctwjZ3YrHRkjY3lh68JmVqvBi9TS+rxffflsUaPNmUBNC1qSh8ofNMe3z86OtxdzQ44kN3V2rayJkdw7oyTIrUrtrCnB1meTTK0SLEbLioYPi6ZhHxpQA2oWnLa+ZHdmYSdt+jqIGJs6x/VcciU6VWGWk1If285MkukK8iIFakBNvJbVe3l77rStCNQ00rLqUL9PHs6ZtiUZamavnMnbUkY67uA1JYWLmbrLuKlDJIdlVXmRWt5o88PwrkGgBtSUSLbTnE4WNb4mIDO8L5IZ2kMUJmbqsFPrKpaXBX3/RlruzJZ50rYkUNNAG1qHEiqoqRMHl1AjpQ4FmCGeagY1q++SHIEaUBOvjaZmUFnnVmFyqYcq8U4mCtZvFVzltKwRLkqgBtTEa6OpqR4+7OGi1iUKUGM+m5KlSYhkPMz4XFNepEANqIlX36iJWpSiJjF2Xw2z3ROrTDu7OpXITm5aX1q0ekZN3FomoGZOgZqg2Cr11suohkFnTqTcfbeaGQHaGrskR6AG1MSrZ9S0EdfQyUnE7iz8DSBWgosejdcTXqT6Rk2UQM2cAjWgJl4bTc0ZB8e037J2YGF6sp9lsOvKQ0yf3i9YjEANqInXplMja0XSzyjHYzuNGAtyY/eMDe2l1DBc+uaSHIEaUBOvPlFz+o9ipf2HJ+OtZ7XTyCF90juRbiXWOixpUA6r1EPpzVP6zYtUj6g5GW+f/VvOy789C0wELhOomUc9oiZ/1rz68kPxnDkumTUTlJysQGrVbqOwYaacGj0fav57Xy/1jZpnuZvK/0UI1MSrX9Tk3un0HysmQIQkQSHA6F9EYKs2WGHtfJSZYoDORjglpp5RIyLhw+BaFaUCNfHqEzXzScTCuptgRBwRlZ3YRPai7H6Ti5UVqAE18QI1uleBBMJBasyb/nVGRgvUgJp4gRpnwATbwUfuGUbWhd54XqRADaiJF6gBNfECNd6QPhrQmMoSYKECNaAmXqBGKEBNmpoDy7ij1RaoEQI1cQI1QoOQlnEjayJQIwRq4gRqhMBLnECNEKiJE6iRAiwxAjVSoCZGoAaKF6iB4rWu1EStUwO1rNWjBloDtYYKtXwXmS7mKsh0aQI1yHRVr70+xbbhma7Utden2DY805W69voU24ZnulLXXp9i2/BMV+ra61NsG57pGlwbWleBGiheoAaKF6iB4gVqoHiBGiheoAaKF6iB4gVqoHiBGiherVJz8ouvzs6Ok+Rc/vIiKV5PJ8kbX59VvsRnqg62m+nJOEketp2petf213/1RbM7bao2qTkuCj//li+2z84Oi6XuxdfL31W9xGeqDrab6en9Z2cnP3/WbqbqXdtfP8fnYZNMG6tFag63/vUXcqny/Fu++rLYjEUsXp6/q3qJz1QdbDfTYhuQw4ct36l813amJ3/7Dw8bfP3mat9D5cppz5+U4oF/8tHX4q+46iU+U3Ww9Uw7uVPxruVMX335xy+qi3ZWpk3VATXFpk/5wz7/ds+O3yi+RdVLfKbqYOuZvvriduuZFu9azvTFbeGImmTaVJ08a/R9Hz5s8VljMz1r71lDMz2d3D5rPdPWHmCsTF/171lzZsK26jChpg/2M1UHW870ZCx+bf1OmwVLoUxfFNOcbvcqriGPylf//JV46BehfflLfKbqYLuZSmhazlS9a/3ri2dNk0ybqv1nTf6nIDaZUy8ttdfwTFtqr2GZyr/ghy3faY1SmOfr96m9BtoUgRooXqAGiheogeIFaqB4gRooXqAGiheogeIFaqB4gRooXqAGiheogeIFaqB4gRooXqAGiheogeIFaqB4gRooXqAGiheogeIFaqB4gRooXqAGiheogeIFaqB4gRooXqAGiheogeIFaqB4gRooXqAGiheogeIFaqB4gRooXqAGiheogeIFaqB4gRooXqAGiheogeIFaqB4gRooXqAGiheogeIFaqB4gRooXqAGitf/B86McBWuvPILAAAAAElFTkSuQmCC"/>
-          <p:cNvSpPr>
-            <a:spLocks noChangeAspect="1" noChangeArrowheads="1"/>
-          </p:cNvSpPr>
-          <p:nvPr/>
-        </p:nvSpPr>
-        <p:spPr bwMode="auto">
-          <a:xfrm>
-            <a:off x="155575" y="-144463"/>
-            <a:ext cx="304800" cy="304801"/>
-          </a:xfrm>
-          <a:prstGeom prst="rect">
-            <a:avLst/>
-          </a:prstGeom>
-          <a:noFill/>
-          <a:extLst>
-            <a:ext uri="{909E8E84-426E-40DD-AFC4-6F175D3DCCD1}">
-              <a14:hiddenFill xmlns:a14="http://schemas.microsoft.com/office/drawing/2010/main">
-                <a:solidFill>
-                  <a:srgbClr val="FFFFFF"/>
-                </a:solidFill>
-              </a14:hiddenFill>
-            </a:ext>
-          </a:extLst>
-        </p:spPr>
-        <p:txBody>
-          <a:bodyPr vert="horz" wrap="square" lIns="91440" tIns="45720" rIns="91440" bIns="45720" numCol="1" anchor="t" anchorCtr="0" compatLnSpc="1">
-            <a:prstTxWarp prst="textNoShape">
-              <a:avLst/>
-            </a:prstTxWarp>
-          </a:bodyPr>
-          <a:lstStyle/>
-          <a:p>
-            <a:endParaRPr lang="ru-RU"/>
-          </a:p>
-        </p:txBody>
-      </p:sp>
-      <p:sp>
-        <p:nvSpPr>
-          <p:cNvPr id="12" name="AutoShape 4" descr="data:image/png;base64,iVBORw0KGgoAAAANSUhEUgAAAjUAAAH0CAMAAADylywmAAABlVBMVEUAAAAAAAsAABUAACsAAFUAAKoACwAACysAC1UAC4AAFQAAFSsAFVUAFYAAFaoAICsAIFUAINQAKwsAKyAAKysAK1UAK4AAK/8ANYAANf8AQKoAQNQAQP8AVQAAVQsAVRUAVSsAVVUAVYAAVaoAgAsAgCsAgDUAgNQAqhUAqkAAqlUAqv8A1CAA1DUA1EAA1IAA1NQA1P8A/ysA/zUA/0AA/6oA/9QA//8VAAAVACsVAKoVANQVKwAVgAArAAArACsrAFUrAIArAKorAP8rKwArK1UrK4ArVQArVaorgNQrqgBAACtAAFVAAIBAAKpAAP9AKwBAVQBA1ABVAABVACtVAFVVAP9VKwBVK4BVVQBVVapVgABVqv9V/wBrACtrAFVrAIBrANRrAP9rgABrqgBr/wCAAACAAFWAAICAAKqAANSAAP+AKwCAKyuAK1WAVQCAgCuAqgCAqoCA1ACA1NSA1P+A/wCqAACqVQCqVSuq///UAADUgCvU1IDU////AAD/AL//qlX/vwD/1ID//6r//9T////T5YA3AAAACXBIWXMAAAsSAAALEgHS3X78AAAgAElEQVR4nO2di5/c1nXfkSzd+iFbSRzqxWFMec1E3HVFk53lsFY9flCRSioNaw6llCnFtnG9JD1S6sQmdiOywi53uX93cXFf59x7gcEdAPPA/H4fLmcHg3uBuee7OOe+kzMIilWy7BuA1lCgBooXqIHiBWqgeIEaKF6gBooXqIHiBWqgeIEaKF6gBooXqIHiBWqgeIEaKF6gBooXqIHiBWqgeIEaKF6gBooXqIHiBWqgeIEaKF6gBooXqIHiBWqgeIEaKF6gBooXqIHiBWqgeIEaKF6gBooXqIHiBWqgeIEaKF6gBooXqIHiBWqgeIEaKF6gBooXqIHiBWqgeIEaKF6gBooXqIHiBWqgeIEaKF6gBooXqIHiBWqgeIEaKF6gBooXqIHiBWqgeIEaKF6gBooXqIHiBWqgeIEaKF6gBopXE2oSaA3UGirU8ktKCy1IoAaKF6iB4gVqoHiBGiheoAaKF6iB4gVqoHiBGiheoAaKF6iB4gVqoHiBGiheoAaKF6iB4gVqoHiBGiheoGZ1lGUvCx0JLftmKgVqVkegZilp11WZlaTmJcGneFOW8mVYXd8wqFkBgZp6mZ6Mi6Hu575azA2tqNJ0WsgwMxppL2VkyamSIk7n0/WNL4eaV188LF6P3/g6Om2PBGqiMj399Cv2GpO2FxKsSGZGIeWGT3MF0JCv7KA4XZydyl/6S83GP2tAzTyZnk42NK6ZcklIBoOB5mWgfxcY2CBZnSrfDIeDQf4yGIhf9GHGXNffAnWoxQrUdJJpT6nxUKHUFLQE3JTghpxXuCGL0nCo8NHMiJNHKvNuvw1q3osRqGme6QZFw8qisoItIlbCjBcLy5jWUCMSiKiZSOQy1BLuTPumjDIzHHb7pVDz7ligprVMN+BZY5vcCBXSriweligogBg14pDDjDhV4GLI0bkXh8XJOv9uvxxq3h0J1CwyU1ADahabdnVk+oZcagwGkglDjY1sWLBDEuhk4nNCjWzNKd4QBKfdttmg5t2JQE0HmfY5GjZ91JoY1bTCnBL3USPLjKFGfuJQI96KnEx7jeayOKTP6L7fGzXvtgVqusq0r8+aIy3roUzjirC3bur14uEiCmag6F8daVSUf5JNxTLr4qjtuurye6Lm3aZAzZIyXVtqjo4YMzYaZpIexqeG18fTIDGWGxMJi6TB63QLDqhpS6Cm80x7VvPmuOTSfdFiFMzAviGVZCrS8mdwsZVoDzPpmoxGIfWRmr5Fw6BmEZkGat6dbuzQoRxeBlaKGEqN8TGci0jZKndWwkw/qenRswbULC7TftS8Wfg7KFNmuxjl6JipZkZ3Rk7tyBgHD/bW6W2oVC+p6SbtogVqViXT9aGmHjOMGtK3YKkxKGgyClGE9JBh0+3JZKY16NHH0nkVDrOjr76kaHhye+60KyNQs+BMTz/9ffJwzrQrI1Cz4ExFjfswFAuvCzVOA00FMwNr1OEwwIxDDSHFHiLNMvIjNmiH4UO56S6yWWZ7TV6R8sEBNaCmRIFxNbXTLl0lzTOzqLHtNVPbVkOombIPU+ulvEZg1b4sftWHi//llRbRE4U6VLRADaiJUr3wd8B7oUaSGR3nMndEWmS09wrMYWDcmGQ0RlYuS1NDWo87KYel9Xk/fPVFkvgdCqAG1JRJ9EMd5lXvk4/Wpx+qbkWbUENCU2nzqStSn7bOikGkvZWROcN2fLOYmDHTK2ryaPjVl8/Wa7Q5qLFakofKHzTHt8/OjrcXc0NNpRdVVGHwLGasFDW03hz2PoFRxd64Gs0Mk0NN5qqT8lhWNHxY9Hn70IAaULPgtJ1IYBJd1WbM2DY5g4plxlSk/SF+UxnxVlPjeCe5uCOoWbZAjS/0eVeILNAaRYtlRtWOPd9kPrFMONwEx/kxh8QxIm9k9K2o6aQHE33eFQI1JUKfd6mieJHLnRlpp6SMTGGZRQ0JkJ0z3La+EFPUV2VyuEQHRYM+71KBmlKhz7tUoKZUqEMFVQ8YYebQ8cw0BzOrOyYOmt7DxLYSu4ut6RPN7/IXsigoqFmsQE2lQE1AQWLq+qqMMqPIoNuzEGrYAapw402QHEmM2mlB93cxajrYQxPUBARqZgjUBDRnAw2hhnqQEZdpHS7hZkjFImJ7gKU0n8tZEORSkhtQsxiBmhkCNQE1YKaYiVBKjedwApN0GS+sIk7H+5HspB80mDBqhsNO4mFQExComSFQE9Cc1AhDFdVxEZsKQz8dJ7fS9A83kzv5z+5Iz2YKAaSDXxMEW1ScmZcOdTov0s0t78N4qA58FKgJqC1qHt16+svfpg/upeJnBGq6y3T51IjBNHMwI0ykxutqm/5gmD74PP1v/zm5J374lrqes7IeypkCZRkyB51EjBf7G6hZoFqn5l76sfgBNd1luuLUhOrkek6A1zR3eTf9sPBQH4sfOry31OUwRERo7RwKckOYsTGxQamDeBjUeGqPmr0kufMvIhK+J35ATXeZrgY1kT6KuiUjTkdK52lPbVcjCX8ZNfJUOycq1Zm52KVehZscADWLEqiZKVDjCdTMFKhxJEfWkLWCS2VG10gbOTENMy21aPGppiG4iYtJbyEypHgoytwINRlXEYq1zQ2ocdQ+NUmSgJqOM10FamRpz6ZGIWNpYPYUVOXHi6nJjBpzuqx6KUjspnSGmhIRiOxqkNUtNsuk5mQcno3SKNMW07YhUFNDMUY6vf/s7EVgoaJGmbaZtg3J1pp63BhpExqvQaYLuNQ4MoTYWLgCGMMN8U/sqEZFre1ol5FttZBijCTWKKqYkzJfpm2mbUOtUzOqhKZX1CRc8uDGPGvqRcPUKm5Q66ExmwTbB+URxUBikbDHkt09yrhO6UdbLaQyaorFWtwPTyehlfRqZ9rkhhYmUFNDMdSc/PzZ2XGdcHhtqTFLG82iRi8UbSq41dRwBRpxiqwkN4wZZ3QNo6YkU/lqbkwvXj0YtFhOMdSIPcCEl5o30yY3tBiBmnrCs4bKUFPNjFvJzZwWviA3QVRkHgQ/b0xwUOQKZBtMeUvkGvoul0rN2XGSbNV41IAaUNNepp2nbaxa1GS+ZFObMbQlYm97tJcku09uimHnwRBWTZi0eRkqSqhx6JQhNHFcrHNBv4KaDtU2NVeT7dHl3b03/uctCwCoicu087SNNXsVauWbJCok5CxR+rEYOfzgk2TrroQg4MEIZcSLzaDG/OoMNJa35eWtovu2ygnUUHVFzWfTp78CNfNl2nnaxuqCmt/cST/85C6omTfTztM2VJ1dEljtSQ0zp5i4RHycpmMx9VJ6qDptxExOt5QDkkOWvCHS4mOpUTfeVkmBGqsuqHFjWFATm2nnaRup3i4JxkMJXhwTSbs6B1LtdYLUSGOTA3bPhZoiEOmdNUnlzlnesa2yAjVaoKa+yqgpvmJ31JyMixEYge6JJVHzUquSGdZY4zBjNtWeU04TUH14TAgtQ2MnFxNej9aeGrEXndCxP/AC1ICaEukRgauyF1399agZNcS3SGaMD5oj8LUoKnsH8yjzgJIasn+CS1/xpq0hfXjWCIGaOC0prjmdrExcU9M1FWJ+RLxVR7VFq2Cp+NRk6DApa9eBwX0eNeRN5opdpZ0yWxI13aSdS6AmXptOTdyWuc6bIDVV6AQ/KNySdXnaTw1LvVRApKUvQA0Bvp1S2/SaN6iZRxsdDdfcntt72NtRxYVFAtTERMOeO1HUlOARoE/hYqkxXQjOnbY1WSGGmhfF86Fk58EamVqtSM17NanZmyRXhsOLSbJ9NSnWm11vaoQCT4famVqtyLNmdhzsPewZM0a65k3WPqsmZa/gQZPBrpA9n2TfF/7p8u7BvtN76XVAsA03VHrjlEIzSJdCTa2JLWtT814eNWJYqHzd2WVPm/zNwUH2A0HN9o398dbdNaSGz9jN9WK7QaZNbqgTLY+ad4t/YjD65WTrWpCa57s39vef/moNqXEP13vUrAk1RUgTZIXtMDdyjORbgp6jiKlJzWURtmSTzA4MzDN7/cr1yfMsOxiNDvbFqC736ppeCZBu/TWfOMxLoLNMhdjtjOeLo6ZWVLMuNe9lUqM8VE7OpWsuNe8kySQ/tp9fbJzc6wE1h7ebZGq1EtEwGU6jMakmYjY1yjVVtNeoj0Q0vLN744di8ovjoZhbdK4s2TIgZSE5N2Y/UAvCtVF0UdS8+rKWg1qTmvcyqQlk2ltqaoY1a/GscYbuESM5Re8ZmFrFOAtRXGw8L+sfotyUADVikx4C3Oj+cJatosEOqxnwuwuqeeFtbJ83qGmgje29VNTInmaHGnkoODiP2MQZCkORmTp90UE5ZzjU5H9TxSvBLECN3rzOJHOA4ViCmqZaBWpyMsqoKR7FoIZr+TVvRY1uCmOlq12Tw43pzHGokQgQaqpYISqKgHRTW+MPhz41liiWiTNUmLmnwDXXmZrViYZBzTxamdHmfu9Fl9IrjrwseYiX2DkcaZo9ulPVoxBLDTO8ugux3myp3QOHDG8S6KCPao2bDX3WrAQ1owKaEmrk7YAaqmXXvEuoGZU6AslMYRPpCBxq9CYZpuey/vQow4pkh1BTerpzSE5OMKNrDDPilz5R003a+gI1jVRGTfEUBjWgJqglUXMyfvjqiyS0UvoiqDky6+/l8oAptZesNjkNuMps3sDPyAm8ZP5c1S2MgmeY5iKJismnZPTxulIjouHDh3I/j9i0LQjUNNRyqMlr3EX/+ZL6vBk10gbimU6aXwK2EsxkvhxmqmbRsbdqTdmdZGtf527zl5+NbpyvR40ih442r4JPnNWsAJfkofIHzfHtvObtDyjdEGr0mrI/Ge1MPGrG8rPRzjlQw3RY1LwDo5AXTo3eUi5QvAPdSGxtldn11Uy7raVFuQrx2ayVRPJnzbsH2cHB+XNOU7P4/3uD1w6yd2/88N1AQkIN7ZKa6u1dgk09DFkRPDcrwI2sQ60SNYO3vldGzc4uqFlA2no6OnI8VNCqpktHW4pYwnZuG2qM6aZVvoFRIyY+fes771+/NOTdWrkm2fM76RuX84dx+NaMnK0yaUd7yu+SdZQvlJq8stzS7hvLrHmvDDXZJHnzreRP3g9Rk43FNLvQs2btqBExbGtzL5dW865mhoabpNPJEkSoMVawNovohwrMVdIomC6tYELTTR4Y2qc/s33wIU/ZNB6OoabWTqkVmbKcllfzBjUdU8NHL5x89H/b8lDLq3lT/2RcCSGCW1TNIdJWJZBQpxSuccuD4c+kaXXGQ9JHrcLsqc2hihvGhbycjqmLFr6SmFwg36QQY541eTAS8im1M6VaWs0b1Cyamo96sO+l8ky6gc9r+rejhh3/xBZv1C5JvQkaR1s+5CQkM2yOp57rRMYDVlND+WMXJSvIBlNLX9qkEKPimv8OakCNUGwdqh0PdTopnfrbNTW6E4GUqS3czItQuecwsa7uL6zd7aStxahhXpAxo31bhdVTPq/SXNbzmOQNdaxN4uEoak4nodF3tTMlGX36+7I1t0BN36hpmKmVqHEfhgkENaCmRLKdJvjo6pYa28ntyPDhUaM/kZGCsSczcIAZr0XWSlnaMmPYJJmWVMxYNrox2eFCDu0LJbEZNmuxWSY186VtJFCzxtR0lHa2dHNwyXjaIDLET6lST31RXJRK2mVVT5X2LEM65dY08MzwUMXd6mHGJGfvpiRRJQ1G8xcjqAE18dokal5S/6RokL9WEyOpGXFgCCLUbsU762hKrT6izGR69B3rwg55Kbni7NUkGWuHxqiRp3sxtYngQU28ekCNXM/v8u6N/eegpqW0M/TS1rolLKYMq4nRHkpRw+xQwoWukwdMrwytnZJZzYRGwgVLIWrePcjEmJuDZF+Hz85FtWskqxSQgzY79XcyZ0mWUVNkDWpWk5qLk2z/ANS0lLZStp87s+SMOBmzPRQlYWYLX+Ac1mfFBsM4LmvqqkDtR1eu5x7q0n62v5959XpaZychOluUyX794mvNWZagZq2ouV6sOHt1LKJhUNNO2kqZ8XvaM5DyruufiIcqqRsTR1DyKYFHVMKN79DWNJVx6gfNr/K21VmlDYysOYBUyB1mQM1MgRpQEy86gs96qLrUOEwEfJTnGdgH1l2oYzRRmbML+DcydkZQ419t5EXD+sYNk/I7qde5yhLUgJp4bQo1fLRw5q3TGEGNNAlJnWXS0cgzHAQMS/qNQ00QlyqJhR6NDzM3ZMcOM2q0t2Tej321uUoT1KwbNcUw/XWi5kV4Kb26mTa5oaYCNUuj5rDGTqkVmXaetkKMmpIVieagpggzpoQML0iZ6k/tGzXrZC6pDQKHKi6TGZdRI99IXMhKo4ulpu5GP6CmS2pkXLPK1PC5l8Vyr3UeNytHDVsPIECNXvfILVLNTEaMRGotxOHYAXVehYhwY5gJ9zLRBCXUpOmwEropl8SHDOFx/NMCnjUnP39W73kDakANV53YZkWpcfq8yZqt+hApTRM22jhSdRzxATUj5aaGZBwetTo7IM5kPdolZPitMPYzZ5FGjXMAFv1im3iciXtzcwNqQE28YqgRa9e8+uf1q3mTCbpeu7AoNjuxiJWmmbJvu6ZNej1hwaOCmC3Ajfw/1MtEMatanE16KHO27U/L9GAbfQP6P76DVMABz1Gise01La1E0k3aEoGapVLTMNPO0wblEeP1QKlCD5Wp48MyV45LIp7ByqOCRcPOpzO0tz16Ok5uie2ci/eSB9MkYLkjV9bnjPRgZVAzW32iRqxS/OjW019eurazDWpaShsQDYDLPFSFHNi89B41DgyEGu2jhjx0Ll2ZKKj8WfPpZ2KRx53dkR57LD2QC6meK2HpzvRq+ZKfJtyAmrWkZq941ICaNtJykcWNZJE73mkGMIOAQ1JGKK1XM3fD4LGvxq05QNTyUnvCQ+298dvx55YIOdKGXZCsGysbDLSn8tsHQQ1XT6nJo+HdB0lyEdS0lJaL1Le90icHHUck3zrU6N4A1cpnISHN/wHfZLozuTXZAZWUVsYJSM5oQb5zeKpB9mJrFhwLmYt6pZFlL1+2ZSRQA2rijSSH/YAaUBNjpJ5Qw0tIIWCpcaKWIprRLcLmU1380zg5mJac5WVt3to6lpeDQ4Ic7TN1K2xpoG7m5SGYATVUoAbUxCq8gy5FyJBkiSKtNPKgsaP8P3UcjFXFgJmprUN5zBAvpnvEHRMHbB7BsE3q5GO+s6Dm6KgdI4EaUBNvpJ5QE+RGExE4TOJhMvteG8BQUwEByZCc5bTZ2kxJc65Hjc3HY0YF0KWgOFw69MkzVHMPqKECNf2j5mRcjGIPTK5qhxoyIcFBg0odlNVs7wzPG6VWJdQETMMmNph8eKbmTaD2TTJj1AWdlHNYZsdWdNS/qIq7ZGZNqBF70QkFdrYDNf2jRpt7rkyt9CrVne1Fx6gh/btBaiw7rG1PxanarEFmyLSjIDdG1lGwPMSinleGwx8nya0nN/+0ctCNRcF0O9El1abEd1lEnBHK9nTTSTcHM9HUvGhnPtRinzXtUTNO7qTpH24mtx4nW3dboeby7t73h8O/en86vX/3x5f6Sc3J3/5DO7Poigl5i4hraCd2NoMZ80a00cvQNmX6za2nv/yn6eNbo9H/zv+f+nIG7kk3QAzrQ/DpZ/m/331y80/e/6v3BTVB58cOGhACnrKCGiYLzFEH1PC5l2evvvxjOx6qo7RW3VDzQJh4+ijZujZ9fO6zNqm5e/3Se8lf9IQa5+iL2y3FNR2l1Tqy4twMgsR4kjbxV77PqSl22N7bnk6f/JTZKtCBSLoq9Wa4hhzzyaPi8XX/7tNfDYePP6DIGZXE3nw6N6fGfA81poZO1hK/iDB4fmbiqDn56Ou2qOm25t0VNbmHEuu2XtvbFmZuhRox4+BxHglv3f1Roh9f/aLmRWHp0r0HZ2Zq1XE0XE6NZkf6obRiyG6AmqLC894VYWLx49nKvOPWJC4xbH6flSn1cYY8fWbA6TDgzR0Nh5Qa8uewSGrO1qXm3RU1xTMlbDJQc9Y5NWv6rAE11Ubqukehy5o3Y6aEmjrRTWDJT6bKjmwyik9drAKWqRfL2NTeVbxqkXvDZPLckHJjjmUZoWauIu5h7+UaUpP/AYGalaGm1EN5zJgDdh8U4peYlXITl1HjVrpSQk0pN2qpPQ9X21cdHthDPA9Np6EbqlXVhmSunfxlbanpsubdMTXFjYOa4OFuqekwGj46cqjxuKHLHDncZLan2xmVEqCGsFJCjTmozReETa1/6NwOD8HLfeUoLLa7prkhfYC0DM9VyMuhpsOa9zpSMwrENaDG0yKfNdIlMf8kH9bOCmumhLXFjO0oN9LEIeNpaojNA31FKkyesZoj40ZlHGTG3p4js8xRUM2Y6WHNu3tqSsZDgZo1rkMFqSHS8aEoWoWJR40mI+VGcQbwyjMcIsypZgQNTzIakQNBe5MpC5zgEK4lzKibp1Mv2BprxkO1a6SkuFdQA2pijNQ1NV3VvHkY/FLHwqRAqx7cGTMMGRCjx+CFTUcVYMb/fIbMMvsyrynNqm56FYQ7sn88c0xMmG2kjqnpLBpeQ2r2tkVf+q74aUSNzOBqcm40fXqpl9QEat7uuMH5RHlhNDByRHk6/LA/VRKD2go4cQZBWvRrauZdW0xkZkFjiwUaL+/uvSF+zO2RtIbAcl6kZAb37z756ZOb35gqasQH1kcNKTVzTO826uGzpktq5IPh1pSMyWpIjcjy3dHoXfHTiBqZgaBG3l3/qOms5s2XVHPWgzVwaAM6z+/CLbDarmto9WD45f+6+Y3S+UiGvTKXFKTmwceWGkeltWuXGjEI+XGyVVBDPtAFsP7UdJO2c2qUiT/97Omv2qQmB/HD/2E9lKOa1FzeFSOQp9PHH4CaSK0nNbnTu5PaaNhRTWqE53x865EYfdxTakQULJyUH9a0QI0tLVZrGDiVKXKSUUpVUuG5LGYViPV+A9QEuDFD6YKn1SNC3Q5dv9O5mIp9LPLsCw5CWhg1x/U2S61FTVF9Ovkv8WkrtQBq9sZ5NAxqgodD1Jz84quzF9vzZ2qVI3Py0dcd9HnT6lCW+dx4FaYSZsIccGvNoobOLGGj74ba/PpqJO8AMzaVGk4j7jV0Kr99k3MJN4v0UIKceTO1Op1s/VFsNFWgE5m2UqBmBajxW97aedaIFptk++y49Zq3ZoLM8mdFZXYv0cjo02QRG16cZSSYCeOYcT5X2fL5D2TsTZAZj2+XfZebaSga9qiZPyCOe9acjFd8V7HNoWYi+w+SvxF9CJaa/E985ajJfcv9Fd9jV3Jj4l6vsBgzZGKUdRP+TF3utkqYCfzpmzPZGz1jKpS3ISuUnR7zKyT7Dy7v3vj1r69d3Tb5m4GGZHzNcBjY7HKx1LS0W+rJ+GHuo9qveW8MNaoD4uLWvQcrTo3oNWrnWSP6oQR+rUfDkhq2dlpQ7IHPfJA3+FejRBCoz4wP0DQwk0Fxw9xZkBk9v0BTc/FOen4n+cttk3VBjTMTSnzfknh4Ic+a1nZLzWvcxXbyHYw23xBqpIe6dC/9y2ujnb+xdyQeNStGTcNMifIHzfHt/Onl18jaoEYWbogby5R69eJPjZHjtKTNC7tyambDYtr5iIIeyg43dkBTH1iXU0TDV96bZDeTn/0mST5P1Qpr8nQLS2j7bgecuQp5Wf1Qh8WzNFCNBzX1qJEvLIP+U9NJWinio7Q78lZXM/JsbJ2WAxRZQ7q+UzJnU/4IOWa/Su27yFna/GJqUyrnVNEAd6j3FDdOT19HnqO4qOBm/ngY1ICa1ozUdZ/3pHTFrXaoUYaxJWRK0xZr1ZoSmplMQ+RQUJcYHx+bVF+DUKO9DDldUuNQHrh/k16fWe2a1pKaT39ftnAxqHGpeTpOJvk9jJNx/nONUUNm+opzn9xMdvcmxdn9pOarPB4OjroANS41j25lk+fZ80m2v7+fbVNq6KoC4tzHt6ajyxNx9pKoKXLseI7C6SQATuvUWKtlbh9VyLQUE8OMPZUFKdH0kDoOjZsIL0QypknTB5+nD0aiGTh/zuyw8X6aGp3iUbK1f3CQHRzMqjoRcOYq4mVSM1/ameonNRd3b5wXg8KqqJlOn05KqXknSd4cDN5Kkj8fXPjmWlLTUVophwevMlQti4jJh1IzIg03U29O75wy3om80ddI09/cST8Uqxzf+OTvz6n70feqHJSuQ92/+/TSj65c/35+2Kfm9Tff+Zb4/8J3B+fPNXzagBpHq0eN2PNjZ/dqknwwSZLtEaUm1Q2QkponN7fev66GRHnUvFb8G3x76+0L330N1Pgi9raT/aMMTOJl2Sor8+BmtYoBJDApjuTi+KiqbWDsLArS5iPcWhU1337zwjfPvwlqAgI1AWqkh/rO2xf+/XeS5HugxhPbgs44Ere9t9werGauLUJ6kbVN1W/1aLEuzUGtjJkglp4fc64h2o0HxWiJUDR8/s0iGh68Rj9oz0igZp2pGZQMxAqrPSOtNzUkHpYFKwu4um3PWbPIEEaf/R43NXHhq7Q5UlTai5NP7NQEU10i5FGMmGoTMyc3oGY9qKFNM+qOHidb1y4myTdWnRqxwtU67ComuCkK1o5rmVpwvCd70FWZM6xPUbiUrMSo/aB6K6/kDKwpWdqaZWX41BctrmQ7D0wQ/JOipfgyay0eVUy2XBI1Yszwyc9XfI6C1CZQM9o5N3Jbi1eQmmK8ZjtzFLpJa2Vsa5khZgnEAsRZUBkrBX0LMbw8R4230/E0i5ft2aFL0n5Ls8IaTVDMPdDUqByubk8f3WLf5WqytS+oeZ1WrqmCzcZtGUlR48+9XPn5UFJrQY3YvXAqNnr+mdjseQY1IzsSVVEjdlIUCx3Rr3Hp2k6SX/j890T7TBiaADZtGaksGn71RY0NDEFNPWqKnVJFN9Ov/8+dmc8an5r8uXLtd//1n5zvsiNG1/zZ2yW+aCnUVIzBq5FpkxuKVKtmrtYAAA7aSURBVObKa9gQryQOMVzoQx5AJYv+Gg8jZC6nB2t6fNG7KHZlTtMHyd1HxabyclCnmsPiJdK/MobJbUllkwv/LvnWn72d///nK0LNybhODQrURFHz4E76d8XyVm1Qszc5EBgID/VWiJqFxDX8YF1oVo8a084i/YctfkIN4cY5IHkgY80D2zA71HBgQ9RMi728P/xt+uDu7z75T8VGz5ptU4fSDsksdOz4S/aQKXSQJJdEq3AeDZ+TQ+xLXBVTdF9UDDVyZ+a1qEOtBTV5NHznX+7kkfAHcqPncmr+IBbtu/F3n82khk/qXglqmmbaeVoqU4aODamHYmKz17RTUubR0AU81NTaUV6L2UO1GwW48UJsfXOKcXmqSlIM/Nw5xxMxWvhfiHlThxlQY9Urai7n1aUbP3wX1HSRlopNNXP8FGswtqAwhFILDmOGSvk5zVXATBqFEGrssAyg5SHSMmzO3dve2X3wOUtkqRlRgPRlI8gBNVq9oubBtb3ty0lysSE1b4kB5+/4jcagRovsKsuoqRgOQ6xJuLG7YJMTbT7MLwT+jknezmZSygfJZYrsFRhb8oBoP74nJit4t2z9rgGEfcrv5XwxSSHc1dCGkUDNoqhRq1tVU+O0GM1LzevJ1tuhZw2oseIFmpUOrDGWMqah7sn4nuDWUqTYS0bPKaYc/2Qvq6ixzszzZepsGwkrfrx70DmQmabu3eTIgJpKgRqXmu+83TE1xTV7QI3nXUQJBclJQyqspHMwrMQNYsl0wyIZamzzF5O1Sca6BdgjbGRvyLQReNV8+n0C1LzVtYcCNTWokZNgvy3GspTYogY1VB1TU6U2jNQjaljRl4qRwg7YmrfIrzik7SGnGInXvGYSNJJwWyPJAqPGyqI9ZHfDPRm7NXHA95AuNaO44cNtGAnU1KFGTYIVz5l3WqemGLM1upgk2zvJ1j1Q01laroVRI0bNtU9NMWZrJIaT/2T6+A6o6SwtV/EVKiYNGQs51OgPSO1FU2PW4ZQlrTyUfN4EzCipUUk8XixIhSRe9oNi9M20GHjz+NxnbpjjUcOjt0hkYrkBNQ2okZNgL3y3S2oe3cp/f/JTUNNZWk/iSV7Oiyx92gqSBppf9foARmlKLKUbaezHhBfzkezJ1rWj1DYSZ9n+QTbJa2I6tYWj2CmxgOf+NTF/ha+y7lGT6e0jMvVbpKL6okDNkqlJDp5Pcj/nUyN2Snx8Swwnf5KIxdXWmJpaW9GtDjWyBKslmfCQIf5JnhHoaWLU6D4v8nnGpbNVIXZxbH//oNhIw1LlLO8o74MhTRiWeKjMpY+zwXqkmhuphJrjlnZL7Sitp9WnZnLQe2oOt/61f88au3UCOxikpmx9D7mPSrCnqtD1JLmSFUsGv5ckYnKkrsg/T5LEeCh5WQMIDX8ZNSZbcWlyy/rNHMREclNGDZc53kMP1ZiaoiOpmhqxxKJcMvg/DLMJoSbLDmw0vPbUlKktasTqFElwd/BWqZnBTca2b6H9TEySGjl3IAhNkqQ2qYdMnuoHxb/hxWR/+F5ykFl3ZpsPMw2r454IMwFqAl9qbmZWnhqxF53Qsb+FYY+puXgl288RGcdQU6wkAWoK6VWqO9iLzpE1Xik43MCB4cGWqlBRF9SQa7DM1K/Pi2XqD/b/41+M97OJIoV2VJj7S3koLJFUx3Tt2/lC4ibMfTZgJqLuvQnPmm6pGZABMmXUZGJLjEkeDf91/rMPaubM9HSyoLhGVo/LvZQsMF3amSvDTSk1I2eP3pE6wLyPjqgJm85ELZ2UVrj1qGKauZzNoBJrXsp3FK4vEdDXLtWWjdQ8U1DDImH1qAE13aUNio1C4HMUTJHpONdhxvFWQWoy2wugrWosSirr+hDLn6BEmWGhrzygjlaNTW7kneS2P8szUr1MF1bzBjX9oWZx0fAqUSPWjgE182e6uJq33apZ2YAiYIwa7Lwm8JTENRKF/Wz8p8PA9Dx9BX22qaKrTzUzRZDCEUnpKB9VqeL3xO62vKujLi+Rc3b7/6zplprnogNy/8eXQE1jrVDNW26qYH0A8U6BfiVTu5F21S0qQ9sS452cJQf37z75qdxehbgc3zqKGnV9OmRnxBEx/mkn2bp2NUl+5jk0VguTv83PzBxl2v86VNfUZOPHyVYdagYyromgRqxefnk3/fVzUNNh2qA803j+yQPHugFjHI8aaTexaaAYDv6BHgaTMbMOnazlMkipHpanr+QzI5uCxUg/0eVZnMF9k9veE0PNy5dzOCWm/te8u6VGrKj3KJFzCDqgJhuLLs8DUCO0yGhYcGMGy1D/VFaong2kYR3jaDJYYy7tXvK5IRMWLL0KS+m0WB9Ulj24J0LtbP/aiN1S5krkkVNQE5YGtGj1v+a9xtT84aao1ifjEagRWuyzxrbB1aLGdktVifohgs/QFaPGejtGjWkh1Er1eijEIbFJD9QPit9mIdMaL1L9r3mvCjUXvjkcXr8EajrJdFHUVBNRhxnp+AwzGpNMbj1pqvHa2OfPDX88TkQ0zKhRGOm5mcZlSWZK7rTIlPooO0crzEvLJQpqFkTNhe++NixGmoOauTNdYM1byLT3x65z5YYmlBo5j8A4CesuzDa3hp78//NXfiA8VGqbAq2PMiGyzofwMPs+gt+nZZfkaBOi4ZWg5nWxLwaoaZJpoOYd2PeuPREryNKcRcosmrTVCyNbZkzNm42SUHpNR8PaK3FqZN2bsFdKBLmLkomWneGitBnPmpWghjU7g5o5Ml1ozRvUtK1NqEOJfm/V8y1+OTqq5iZg76DFbB0osxUmGs3wA+ygxETjNrABinhrYrDZ1AQ+7aL8XIEaUBOvZVITnFzVGTVKR0ezqImTB8nA9lEFfVSAKwMJYUb7r4hb6aLkwlpSHWqiKkx+YANqQE2ZTic5L4t71ghujqzaoybskEqYIUm4TIDstGFX+6fFw2K0NA91Onnj/4EaUBOb6ck4tFxbR9ScnR0dMW7KIIhmpi4t1SlpZZzFwowrmbTrlt/Z2ow6lBCoaU+bQ02hGdREiSESzQ1N5BJj1xphryLJknFRWlqf98NXXySJ36EAakBNmUQ/1OHDHJ6PFtMPRdSQGgcTctwjZ3YrHRkjY3lh68JmVqvBi9TS+rxffflsUaPNmUBNC1qSh8ofNMe3z86OtxdzQ44kN3V2rayJkdw7oyTIrUrtrCnB1meTTK0SLEbLioYPi6ZhHxpQA2oWnLa+ZHdmYSdt+jqIGJs6x/VcciU6VWGWk1If285MkukK8iIFakBNvJbVe3l77rStCNQ00rLqUL9PHs6ZtiUZamavnMnbUkY67uA1JYWLmbrLuKlDJIdlVXmRWt5o88PwrkGgBtSUSLbTnE4WNb4mIDO8L5IZ2kMUJmbqsFPrKpaXBX3/RlruzJZ50rYkUNNAG1qHEiqoqRMHl1AjpQ4FmCGeagY1q++SHIEaUBOvjaZmUFnnVmFyqYcq8U4mCtZvFVzltKwRLkqgBtTEa6OpqR4+7OGi1iUKUGM+m5KlSYhkPMz4XFNepEANqIlX36iJWpSiJjF2Xw2z3ROrTDu7OpXITm5aX1q0ekZN3FomoGZOgZqg2Cr11suohkFnTqTcfbeaGQHaGrskR6AG1MSrZ9S0EdfQyUnE7iz8DSBWgosejdcTXqT6Rk2UQM2cAjWgJl4bTc0ZB8e037J2YGF6sp9lsOvKQ0yf3i9YjEANqInXplMja0XSzyjHYzuNGAtyY/eMDe2l1DBc+uaSHIEaUBOvPlFz+o9ipf2HJ+OtZ7XTyCF90juRbiXWOixpUA6r1EPpzVP6zYtUj6g5GW+f/VvOy789C0wELhOomUc9oiZ/1rz68kPxnDkumTUTlJysQGrVbqOwYaacGj0fav57Xy/1jZpnuZvK/0UI1MSrX9Tk3un0HysmQIQkQSHA6F9EYKs2WGHtfJSZYoDORjglpp5RIyLhw+BaFaUCNfHqEzXzScTCuptgRBwRlZ3YRPai7H6Ti5UVqAE18QI1uleBBMJBasyb/nVGRgvUgJp4gRpnwATbwUfuGUbWhd54XqRADaiJF6gBNfECNd6QPhrQmMoSYKECNaAmXqBGKEBNmpoDy7ij1RaoEQI1cQI1QoOQlnEjayJQIwRq4gRqhMBLnECNEKiJE6iRAiwxAjVSoCZGoAaKF6iB4rWu1EStUwO1rNWjBloDtYYKtXwXmS7mKsh0aQI1yHRVr70+xbbhma7Utden2DY805W69voU24ZnulLXXp9i2/BMV+ra61NsG57pGlwbWleBGiheoAaKF6iB4gVqoHiBGiheoAaKF6iB4gVqoHiBGiherVJz8ouvzs6Ok+Rc/vIiKV5PJ8kbX59VvsRnqg62m+nJOEketp2petf213/1RbM7bao2qTkuCj//li+2z84Oi6XuxdfL31W9xGeqDrab6en9Z2cnP3/WbqbqXdtfP8fnYZNMG6tFag63/vUXcqny/Fu++rLYjEUsXp6/q3qJz1QdbDfTYhuQw4ct36l813amJ3/7Dw8bfP3mat9D5cppz5+U4oF/8tHX4q+46iU+U3Ww9Uw7uVPxruVMX335xy+qi3ZWpk3VATXFpk/5wz7/ds+O3yi+RdVLfKbqYOuZvvriduuZFu9azvTFbeGImmTaVJ08a/R9Hz5s8VljMz1r71lDMz2d3D5rPdPWHmCsTF/171lzZsK26jChpg/2M1UHW870ZCx+bf1OmwVLoUxfFNOcbvcqriGPylf//JV46BehfflLfKbqYLuZSmhazlS9a/3ri2dNk0ybqv1nTf6nIDaZUy8ttdfwTFtqr2GZyr/ghy3faY1SmOfr96m9BtoUgRooXqAGiheogeIFaqB4gRooXqAGiheogeIFaqB4gRooXqAGiheogeIFaqB4gRooXqAGiheogeIFaqB4gRooXqAGiheogeIFaqB4gRooXqAGiheogeIFaqB4gRooXqAGiheogeIFaqB4gRooXqAGiheogeIFaqB4gRooXqAGiheogeIFaqB4gRooXqAGiheogeIFaqB4gRooXqAGiheogeIFaqB4gRooXqAGitf/B86McBWuvPILAAAAAElFTkSuQmCC"/>
-          <p:cNvSpPr>
-            <a:spLocks noChangeAspect="1" noChangeArrowheads="1"/>
-          </p:cNvSpPr>
-          <p:nvPr/>
-        </p:nvSpPr>
-        <p:spPr bwMode="auto">
-          <a:xfrm>
-            <a:off x="307975" y="7937"/>
-            <a:ext cx="304800" cy="304801"/>
-          </a:xfrm>
-          <a:prstGeom prst="rect">
-            <a:avLst/>
-          </a:prstGeom>
-          <a:noFill/>
-          <a:extLst>
-            <a:ext uri="{909E8E84-426E-40DD-AFC4-6F175D3DCCD1}">
-              <a14:hiddenFill xmlns:a14="http://schemas.microsoft.com/office/drawing/2010/main">
-                <a:solidFill>
-                  <a:srgbClr val="FFFFFF"/>
-                </a:solidFill>
-              </a14:hiddenFill>
-            </a:ext>
-          </a:extLst>
-        </p:spPr>
-        <p:txBody>
-          <a:bodyPr vert="horz" wrap="square" lIns="91440" tIns="45720" rIns="91440" bIns="45720" numCol="1" anchor="t" anchorCtr="0" compatLnSpc="1">
-            <a:prstTxWarp prst="textNoShape">
-              <a:avLst/>
-            </a:prstTxWarp>
-          </a:bodyPr>
-          <a:lstStyle/>
-          <a:p>
-            <a:endParaRPr lang="ru-RU"/>
           </a:p>
         </p:txBody>
       </p:sp>
       <p:pic>
         <p:nvPicPr>
-          <p:cNvPr id="2050" name="Picture 2"/>
+          <p:cNvPr id="17412" name="Picture 4"/>
           <p:cNvPicPr>
-            <a:picLocks noChangeAspect="1" noChangeArrowheads="1"/>
+            <a:picLocks noGrp="1" noChangeAspect="1" noChangeArrowheads="1"/>
           </p:cNvPicPr>
-          <p:nvPr/>
+          <p:nvPr>
+            <p:ph type="pic" sz="quarter" idx="22"/>
+          </p:nvPr>
         </p:nvPicPr>
-        <p:blipFill rotWithShape="1">
+        <p:blipFill>
           <a:blip r:embed="rId2">
             <a:extLst>
               <a:ext uri="{28A0092B-C50C-407E-A947-70E740481C1C}">
@@ -7758,14 +10121,12 @@
               </a:ext>
             </a:extLst>
           </a:blip>
-          <a:srcRect l="5086" t="9024" r="5086" b="9024"/>
-          <a:stretch/>
+          <a:srcRect t="1433" b="1433"/>
+          <a:stretch>
+            <a:fillRect/>
+          </a:stretch>
         </p:blipFill>
         <p:spPr bwMode="auto">
-          <a:xfrm>
-            <a:off x="4625860" y="949665"/>
-            <a:ext cx="4410636" cy="3561034"/>
-          </a:xfrm>
           <a:prstGeom prst="rect">
             <a:avLst/>
           </a:prstGeom>
@@ -7796,14 +10157,708 @@
       </p:pic>
       <p:pic>
         <p:nvPicPr>
-          <p:cNvPr id="2053" name="Picture 5"/>
+          <p:cNvPr id="17413" name="Picture 5"/>
+          <p:cNvPicPr>
+            <a:picLocks noGrp="1" noChangeAspect="1" noChangeArrowheads="1"/>
+          </p:cNvPicPr>
+          <p:nvPr>
+            <p:ph type="pic" sz="quarter" idx="20"/>
+          </p:nvPr>
+        </p:nvPicPr>
+        <p:blipFill>
+          <a:blip r:embed="rId3">
+            <a:extLst>
+              <a:ext uri="{28A0092B-C50C-407E-A947-70E740481C1C}">
+                <a14:useLocalDpi xmlns:a14="http://schemas.microsoft.com/office/drawing/2010/main" val="0"/>
+              </a:ext>
+            </a:extLst>
+          </a:blip>
+          <a:srcRect t="2211" b="2211"/>
+          <a:stretch>
+            <a:fillRect/>
+          </a:stretch>
+        </p:blipFill>
+        <p:spPr bwMode="auto">
+          <a:prstGeom prst="rect">
+            <a:avLst/>
+          </a:prstGeom>
+          <a:noFill/>
+          <a:ln>
+            <a:noFill/>
+          </a:ln>
+          <a:extLst>
+            <a:ext uri="{909E8E84-426E-40DD-AFC4-6F175D3DCCD1}">
+              <a14:hiddenFill xmlns:a14="http://schemas.microsoft.com/office/drawing/2010/main">
+                <a:solidFill>
+                  <a:schemeClr val="accent1"/>
+                </a:solidFill>
+              </a14:hiddenFill>
+            </a:ext>
+            <a:ext uri="{91240B29-F687-4F45-9708-019B960494DF}">
+              <a14:hiddenLine xmlns:a14="http://schemas.microsoft.com/office/drawing/2010/main" w="9525">
+                <a:solidFill>
+                  <a:schemeClr val="tx1"/>
+                </a:solidFill>
+                <a:miter lim="800000"/>
+                <a:headEnd/>
+                <a:tailEnd/>
+              </a14:hiddenLine>
+            </a:ext>
+          </a:extLst>
+        </p:spPr>
+      </p:pic>
+    </p:spTree>
+    <p:extLst>
+      <p:ext uri="{BB962C8B-B14F-4D97-AF65-F5344CB8AC3E}">
+        <p14:creationId xmlns:p14="http://schemas.microsoft.com/office/powerpoint/2010/main" val="1783106871"/>
+      </p:ext>
+    </p:extLst>
+  </p:cSld>
+  <p:clrMapOvr>
+    <a:masterClrMapping/>
+  </p:clrMapOvr>
+  <p:timing>
+    <p:tnLst>
+      <p:par>
+        <p:cTn id="1" dur="indefinite" restart="never" nodeType="tmRoot"/>
+      </p:par>
+    </p:tnLst>
+  </p:timing>
+</p:sld>
+</file>
+
+<file path=ppt/slides/slide21.xml><?xml version="1.0" encoding="utf-8"?>
+<p:sld xmlns:a="http://schemas.openxmlformats.org/drawingml/2006/main" xmlns:r="http://schemas.openxmlformats.org/officeDocument/2006/relationships" xmlns:p="http://schemas.openxmlformats.org/presentationml/2006/main">
+  <p:cSld>
+    <p:spTree>
+      <p:nvGrpSpPr>
+        <p:cNvPr id="1" name=""/>
+        <p:cNvGrpSpPr/>
+        <p:nvPr/>
+      </p:nvGrpSpPr>
+      <p:grpSpPr>
+        <a:xfrm>
+          <a:off x="0" y="0"/>
+          <a:ext cx="0" cy="0"/>
+          <a:chOff x="0" y="0"/>
+          <a:chExt cx="0" cy="0"/>
+        </a:xfrm>
+      </p:grpSpPr>
+      <p:sp>
+        <p:nvSpPr>
+          <p:cNvPr id="5" name="Заголовок 4"/>
+          <p:cNvSpPr>
+            <a:spLocks noGrp="1"/>
+          </p:cNvSpPr>
+          <p:nvPr>
+            <p:ph type="ctrTitle"/>
+          </p:nvPr>
+        </p:nvSpPr>
+        <p:spPr/>
+        <p:txBody>
+          <a:bodyPr/>
+          <a:lstStyle/>
+          <a:p>
+            <a:endParaRPr lang="ru-RU"/>
+          </a:p>
+        </p:txBody>
+      </p:sp>
+      <p:sp>
+        <p:nvSpPr>
+          <p:cNvPr id="7" name="Текст 6"/>
+          <p:cNvSpPr>
+            <a:spLocks noGrp="1"/>
+          </p:cNvSpPr>
+          <p:nvPr>
+            <p:ph type="body" sz="quarter" idx="26"/>
+          </p:nvPr>
+        </p:nvSpPr>
+        <p:spPr/>
+        <p:txBody>
+          <a:bodyPr>
+            <a:normAutofit fontScale="85000" lnSpcReduction="20000"/>
+          </a:bodyPr>
+          <a:lstStyle/>
+          <a:p>
+            <a:r>
+              <a:rPr lang="en-US" dirty="0"/>
+              <a:t>Key difference – </a:t>
+            </a:r>
+            <a:r>
+              <a:rPr lang="en-US" dirty="0" smtClean="0"/>
+              <a:t>PK_r2 + 80ms</a:t>
+            </a:r>
+            <a:endParaRPr lang="ru-RU" dirty="0"/>
+          </a:p>
+        </p:txBody>
+      </p:sp>
+      <p:pic>
+        <p:nvPicPr>
+          <p:cNvPr id="19458" name="Picture 2"/>
+          <p:cNvPicPr>
+            <a:picLocks noGrp="1" noChangeAspect="1" noChangeArrowheads="1"/>
+          </p:cNvPicPr>
+          <p:nvPr>
+            <p:ph type="pic" sz="quarter" idx="20"/>
+          </p:nvPr>
+        </p:nvPicPr>
+        <p:blipFill>
+          <a:blip r:embed="rId2">
+            <a:extLst>
+              <a:ext uri="{28A0092B-C50C-407E-A947-70E740481C1C}">
+                <a14:useLocalDpi xmlns:a14="http://schemas.microsoft.com/office/drawing/2010/main" val="0"/>
+              </a:ext>
+            </a:extLst>
+          </a:blip>
+          <a:srcRect t="2211" b="2211"/>
+          <a:stretch>
+            <a:fillRect/>
+          </a:stretch>
+        </p:blipFill>
+        <p:spPr bwMode="auto">
+          <a:prstGeom prst="rect">
+            <a:avLst/>
+          </a:prstGeom>
+          <a:noFill/>
+          <a:ln>
+            <a:noFill/>
+          </a:ln>
+          <a:extLst>
+            <a:ext uri="{909E8E84-426E-40DD-AFC4-6F175D3DCCD1}">
+              <a14:hiddenFill xmlns:a14="http://schemas.microsoft.com/office/drawing/2010/main">
+                <a:solidFill>
+                  <a:schemeClr val="accent1"/>
+                </a:solidFill>
+              </a14:hiddenFill>
+            </a:ext>
+            <a:ext uri="{91240B29-F687-4F45-9708-019B960494DF}">
+              <a14:hiddenLine xmlns:a14="http://schemas.microsoft.com/office/drawing/2010/main" w="9525">
+                <a:solidFill>
+                  <a:schemeClr val="tx1"/>
+                </a:solidFill>
+                <a:miter lim="800000"/>
+                <a:headEnd/>
+                <a:tailEnd/>
+              </a14:hiddenLine>
+            </a:ext>
+          </a:extLst>
+        </p:spPr>
+      </p:pic>
+      <p:pic>
+        <p:nvPicPr>
+          <p:cNvPr id="19459" name="Picture 3"/>
+          <p:cNvPicPr>
+            <a:picLocks noGrp="1" noChangeAspect="1" noChangeArrowheads="1"/>
+          </p:cNvPicPr>
+          <p:nvPr>
+            <p:ph type="pic" sz="quarter" idx="22"/>
+          </p:nvPr>
+        </p:nvPicPr>
+        <p:blipFill>
+          <a:blip r:embed="rId3">
+            <a:extLst>
+              <a:ext uri="{28A0092B-C50C-407E-A947-70E740481C1C}">
+                <a14:useLocalDpi xmlns:a14="http://schemas.microsoft.com/office/drawing/2010/main" val="0"/>
+              </a:ext>
+            </a:extLst>
+          </a:blip>
+          <a:srcRect t="1433" b="1433"/>
+          <a:stretch>
+            <a:fillRect/>
+          </a:stretch>
+        </p:blipFill>
+        <p:spPr bwMode="auto">
+          <a:prstGeom prst="rect">
+            <a:avLst/>
+          </a:prstGeom>
+          <a:noFill/>
+          <a:ln>
+            <a:noFill/>
+          </a:ln>
+          <a:extLst>
+            <a:ext uri="{909E8E84-426E-40DD-AFC4-6F175D3DCCD1}">
+              <a14:hiddenFill xmlns:a14="http://schemas.microsoft.com/office/drawing/2010/main">
+                <a:solidFill>
+                  <a:schemeClr val="accent1"/>
+                </a:solidFill>
+              </a14:hiddenFill>
+            </a:ext>
+            <a:ext uri="{91240B29-F687-4F45-9708-019B960494DF}">
+              <a14:hiddenLine xmlns:a14="http://schemas.microsoft.com/office/drawing/2010/main" w="9525">
+                <a:solidFill>
+                  <a:schemeClr val="tx1"/>
+                </a:solidFill>
+                <a:miter lim="800000"/>
+                <a:headEnd/>
+                <a:tailEnd/>
+              </a14:hiddenLine>
+            </a:ext>
+          </a:extLst>
+        </p:spPr>
+      </p:pic>
+    </p:spTree>
+    <p:extLst>
+      <p:ext uri="{BB962C8B-B14F-4D97-AF65-F5344CB8AC3E}">
+        <p14:creationId xmlns:p14="http://schemas.microsoft.com/office/powerpoint/2010/main" val="2012559222"/>
+      </p:ext>
+    </p:extLst>
+  </p:cSld>
+  <p:clrMapOvr>
+    <a:masterClrMapping/>
+  </p:clrMapOvr>
+  <p:timing>
+    <p:tnLst>
+      <p:par>
+        <p:cTn id="1" dur="indefinite" restart="never" nodeType="tmRoot"/>
+      </p:par>
+    </p:tnLst>
+  </p:timing>
+</p:sld>
+</file>
+
+<file path=ppt/slides/slide22.xml><?xml version="1.0" encoding="utf-8"?>
+<p:sld xmlns:a="http://schemas.openxmlformats.org/drawingml/2006/main" xmlns:r="http://schemas.openxmlformats.org/officeDocument/2006/relationships" xmlns:p="http://schemas.openxmlformats.org/presentationml/2006/main">
+  <p:cSld>
+    <p:spTree>
+      <p:nvGrpSpPr>
+        <p:cNvPr id="1" name=""/>
+        <p:cNvGrpSpPr/>
+        <p:nvPr/>
+      </p:nvGrpSpPr>
+      <p:grpSpPr>
+        <a:xfrm>
+          <a:off x="0" y="0"/>
+          <a:ext cx="0" cy="0"/>
+          <a:chOff x="0" y="0"/>
+          <a:chExt cx="0" cy="0"/>
+        </a:xfrm>
+      </p:grpSpPr>
+      <p:sp>
+        <p:nvSpPr>
+          <p:cNvPr id="5" name="Заголовок 4"/>
+          <p:cNvSpPr>
+            <a:spLocks noGrp="1"/>
+          </p:cNvSpPr>
+          <p:nvPr>
+            <p:ph type="ctrTitle"/>
+          </p:nvPr>
+        </p:nvSpPr>
+        <p:spPr/>
+        <p:txBody>
+          <a:bodyPr/>
+          <a:lstStyle/>
+          <a:p>
+            <a:endParaRPr lang="ru-RU"/>
+          </a:p>
+        </p:txBody>
+      </p:sp>
+      <p:sp>
+        <p:nvSpPr>
+          <p:cNvPr id="7" name="Текст 6"/>
+          <p:cNvSpPr>
+            <a:spLocks noGrp="1"/>
+          </p:cNvSpPr>
+          <p:nvPr>
+            <p:ph type="body" sz="quarter" idx="26"/>
+          </p:nvPr>
+        </p:nvSpPr>
+        <p:spPr/>
+        <p:txBody>
+          <a:bodyPr>
+            <a:normAutofit fontScale="85000" lnSpcReduction="20000"/>
+          </a:bodyPr>
+          <a:lstStyle/>
+          <a:p>
+            <a:r>
+              <a:rPr lang="en-US" dirty="0"/>
+              <a:t>Key difference – </a:t>
+            </a:r>
+            <a:r>
+              <a:rPr lang="en-US" dirty="0" smtClean="0"/>
+              <a:t>PK_r2 + 80ms</a:t>
+            </a:r>
+            <a:endParaRPr lang="ru-RU" dirty="0"/>
+          </a:p>
+        </p:txBody>
+      </p:sp>
+      <p:pic>
+        <p:nvPicPr>
+          <p:cNvPr id="20483" name="Picture 3"/>
+          <p:cNvPicPr>
+            <a:picLocks noGrp="1" noChangeAspect="1" noChangeArrowheads="1"/>
+          </p:cNvPicPr>
+          <p:nvPr>
+            <p:ph type="pic" sz="quarter" idx="20"/>
+          </p:nvPr>
+        </p:nvPicPr>
+        <p:blipFill>
+          <a:blip r:embed="rId2">
+            <a:extLst>
+              <a:ext uri="{28A0092B-C50C-407E-A947-70E740481C1C}">
+                <a14:useLocalDpi xmlns:a14="http://schemas.microsoft.com/office/drawing/2010/main" val="0"/>
+              </a:ext>
+            </a:extLst>
+          </a:blip>
+          <a:srcRect t="2211" b="2211"/>
+          <a:stretch>
+            <a:fillRect/>
+          </a:stretch>
+        </p:blipFill>
+        <p:spPr bwMode="auto">
+          <a:prstGeom prst="rect">
+            <a:avLst/>
+          </a:prstGeom>
+          <a:noFill/>
+          <a:ln>
+            <a:noFill/>
+          </a:ln>
+          <a:extLst>
+            <a:ext uri="{909E8E84-426E-40DD-AFC4-6F175D3DCCD1}">
+              <a14:hiddenFill xmlns:a14="http://schemas.microsoft.com/office/drawing/2010/main">
+                <a:solidFill>
+                  <a:schemeClr val="accent1"/>
+                </a:solidFill>
+              </a14:hiddenFill>
+            </a:ext>
+            <a:ext uri="{91240B29-F687-4F45-9708-019B960494DF}">
+              <a14:hiddenLine xmlns:a14="http://schemas.microsoft.com/office/drawing/2010/main" w="9525">
+                <a:solidFill>
+                  <a:schemeClr val="tx1"/>
+                </a:solidFill>
+                <a:miter lim="800000"/>
+                <a:headEnd/>
+                <a:tailEnd/>
+              </a14:hiddenLine>
+            </a:ext>
+          </a:extLst>
+        </p:spPr>
+      </p:pic>
+      <p:pic>
+        <p:nvPicPr>
+          <p:cNvPr id="20484" name="Picture 4"/>
+          <p:cNvPicPr>
+            <a:picLocks noGrp="1" noChangeAspect="1" noChangeArrowheads="1"/>
+          </p:cNvPicPr>
+          <p:nvPr>
+            <p:ph type="pic" sz="quarter" idx="22"/>
+          </p:nvPr>
+        </p:nvPicPr>
+        <p:blipFill>
+          <a:blip r:embed="rId3">
+            <a:extLst>
+              <a:ext uri="{28A0092B-C50C-407E-A947-70E740481C1C}">
+                <a14:useLocalDpi xmlns:a14="http://schemas.microsoft.com/office/drawing/2010/main" val="0"/>
+              </a:ext>
+            </a:extLst>
+          </a:blip>
+          <a:srcRect t="1433" b="1433"/>
+          <a:stretch>
+            <a:fillRect/>
+          </a:stretch>
+        </p:blipFill>
+        <p:spPr bwMode="auto">
+          <a:prstGeom prst="rect">
+            <a:avLst/>
+          </a:prstGeom>
+          <a:noFill/>
+          <a:ln>
+            <a:noFill/>
+          </a:ln>
+          <a:extLst>
+            <a:ext uri="{909E8E84-426E-40DD-AFC4-6F175D3DCCD1}">
+              <a14:hiddenFill xmlns:a14="http://schemas.microsoft.com/office/drawing/2010/main">
+                <a:solidFill>
+                  <a:schemeClr val="accent1"/>
+                </a:solidFill>
+              </a14:hiddenFill>
+            </a:ext>
+            <a:ext uri="{91240B29-F687-4F45-9708-019B960494DF}">
+              <a14:hiddenLine xmlns:a14="http://schemas.microsoft.com/office/drawing/2010/main" w="9525">
+                <a:solidFill>
+                  <a:schemeClr val="tx1"/>
+                </a:solidFill>
+                <a:miter lim="800000"/>
+                <a:headEnd/>
+                <a:tailEnd/>
+              </a14:hiddenLine>
+            </a:ext>
+          </a:extLst>
+        </p:spPr>
+      </p:pic>
+    </p:spTree>
+    <p:extLst>
+      <p:ext uri="{BB962C8B-B14F-4D97-AF65-F5344CB8AC3E}">
+        <p14:creationId xmlns:p14="http://schemas.microsoft.com/office/powerpoint/2010/main" val="1828479801"/>
+      </p:ext>
+    </p:extLst>
+  </p:cSld>
+  <p:clrMapOvr>
+    <a:masterClrMapping/>
+  </p:clrMapOvr>
+  <p:timing>
+    <p:tnLst>
+      <p:par>
+        <p:cTn id="1" dur="indefinite" restart="never" nodeType="tmRoot"/>
+      </p:par>
+    </p:tnLst>
+  </p:timing>
+</p:sld>
+</file>
+
+<file path=ppt/slides/slide23.xml><?xml version="1.0" encoding="utf-8"?>
+<p:sld xmlns:a="http://schemas.openxmlformats.org/drawingml/2006/main" xmlns:r="http://schemas.openxmlformats.org/officeDocument/2006/relationships" xmlns:p="http://schemas.openxmlformats.org/presentationml/2006/main">
+  <p:cSld>
+    <p:spTree>
+      <p:nvGrpSpPr>
+        <p:cNvPr id="1" name=""/>
+        <p:cNvGrpSpPr/>
+        <p:nvPr/>
+      </p:nvGrpSpPr>
+      <p:grpSpPr>
+        <a:xfrm>
+          <a:off x="0" y="0"/>
+          <a:ext cx="0" cy="0"/>
+          <a:chOff x="0" y="0"/>
+          <a:chExt cx="0" cy="0"/>
+        </a:xfrm>
+      </p:grpSpPr>
+      <p:sp>
+        <p:nvSpPr>
+          <p:cNvPr id="5" name="Заголовок 4"/>
+          <p:cNvSpPr>
+            <a:spLocks noGrp="1"/>
+          </p:cNvSpPr>
+          <p:nvPr>
+            <p:ph type="ctrTitle"/>
+          </p:nvPr>
+        </p:nvSpPr>
+        <p:spPr/>
+        <p:txBody>
+          <a:bodyPr/>
+          <a:lstStyle/>
+          <a:p>
+            <a:endParaRPr lang="ru-RU"/>
+          </a:p>
+        </p:txBody>
+      </p:sp>
+      <p:sp>
+        <p:nvSpPr>
+          <p:cNvPr id="7" name="Текст 6"/>
+          <p:cNvSpPr>
+            <a:spLocks noGrp="1"/>
+          </p:cNvSpPr>
+          <p:nvPr>
+            <p:ph type="body" sz="quarter" idx="26"/>
+          </p:nvPr>
+        </p:nvSpPr>
+        <p:spPr/>
+        <p:txBody>
+          <a:bodyPr>
+            <a:normAutofit fontScale="85000" lnSpcReduction="20000"/>
+          </a:bodyPr>
+          <a:lstStyle/>
+          <a:p>
+            <a:r>
+              <a:rPr lang="en-US" dirty="0"/>
+              <a:t>Key difference – </a:t>
+            </a:r>
+            <a:r>
+              <a:rPr lang="en-US" dirty="0" smtClean="0"/>
+              <a:t>PK_r2 + 80ms</a:t>
+            </a:r>
+            <a:endParaRPr lang="ru-RU" dirty="0"/>
+          </a:p>
+        </p:txBody>
+      </p:sp>
+      <p:pic>
+        <p:nvPicPr>
+          <p:cNvPr id="21506" name="Picture 2"/>
+          <p:cNvPicPr>
+            <a:picLocks noGrp="1" noChangeAspect="1" noChangeArrowheads="1"/>
+          </p:cNvPicPr>
+          <p:nvPr>
+            <p:ph type="pic" sz="quarter" idx="20"/>
+          </p:nvPr>
+        </p:nvPicPr>
+        <p:blipFill>
+          <a:blip r:embed="rId2">
+            <a:extLst>
+              <a:ext uri="{28A0092B-C50C-407E-A947-70E740481C1C}">
+                <a14:useLocalDpi xmlns:a14="http://schemas.microsoft.com/office/drawing/2010/main" val="0"/>
+              </a:ext>
+            </a:extLst>
+          </a:blip>
+          <a:srcRect t="2211" b="2211"/>
+          <a:stretch>
+            <a:fillRect/>
+          </a:stretch>
+        </p:blipFill>
+        <p:spPr bwMode="auto">
+          <a:prstGeom prst="rect">
+            <a:avLst/>
+          </a:prstGeom>
+          <a:noFill/>
+          <a:ln>
+            <a:noFill/>
+          </a:ln>
+          <a:extLst>
+            <a:ext uri="{909E8E84-426E-40DD-AFC4-6F175D3DCCD1}">
+              <a14:hiddenFill xmlns:a14="http://schemas.microsoft.com/office/drawing/2010/main">
+                <a:solidFill>
+                  <a:schemeClr val="accent1"/>
+                </a:solidFill>
+              </a14:hiddenFill>
+            </a:ext>
+            <a:ext uri="{91240B29-F687-4F45-9708-019B960494DF}">
+              <a14:hiddenLine xmlns:a14="http://schemas.microsoft.com/office/drawing/2010/main" w="9525">
+                <a:solidFill>
+                  <a:schemeClr val="tx1"/>
+                </a:solidFill>
+                <a:miter lim="800000"/>
+                <a:headEnd/>
+                <a:tailEnd/>
+              </a14:hiddenLine>
+            </a:ext>
+          </a:extLst>
+        </p:spPr>
+      </p:pic>
+      <p:pic>
+        <p:nvPicPr>
+          <p:cNvPr id="21508" name="Picture 4"/>
+          <p:cNvPicPr>
+            <a:picLocks noGrp="1" noChangeAspect="1" noChangeArrowheads="1"/>
+          </p:cNvPicPr>
+          <p:nvPr>
+            <p:ph type="pic" sz="quarter" idx="22"/>
+          </p:nvPr>
+        </p:nvPicPr>
+        <p:blipFill>
+          <a:blip r:embed="rId3">
+            <a:extLst>
+              <a:ext uri="{28A0092B-C50C-407E-A947-70E740481C1C}">
+                <a14:useLocalDpi xmlns:a14="http://schemas.microsoft.com/office/drawing/2010/main" val="0"/>
+              </a:ext>
+            </a:extLst>
+          </a:blip>
+          <a:srcRect t="1433" b="1433"/>
+          <a:stretch>
+            <a:fillRect/>
+          </a:stretch>
+        </p:blipFill>
+        <p:spPr bwMode="auto">
+          <a:prstGeom prst="rect">
+            <a:avLst/>
+          </a:prstGeom>
+          <a:noFill/>
+          <a:ln>
+            <a:noFill/>
+          </a:ln>
+          <a:extLst>
+            <a:ext uri="{909E8E84-426E-40DD-AFC4-6F175D3DCCD1}">
+              <a14:hiddenFill xmlns:a14="http://schemas.microsoft.com/office/drawing/2010/main">
+                <a:solidFill>
+                  <a:schemeClr val="accent1"/>
+                </a:solidFill>
+              </a14:hiddenFill>
+            </a:ext>
+            <a:ext uri="{91240B29-F687-4F45-9708-019B960494DF}">
+              <a14:hiddenLine xmlns:a14="http://schemas.microsoft.com/office/drawing/2010/main" w="9525">
+                <a:solidFill>
+                  <a:schemeClr val="tx1"/>
+                </a:solidFill>
+                <a:miter lim="800000"/>
+                <a:headEnd/>
+                <a:tailEnd/>
+              </a14:hiddenLine>
+            </a:ext>
+          </a:extLst>
+        </p:spPr>
+      </p:pic>
+    </p:spTree>
+    <p:extLst>
+      <p:ext uri="{BB962C8B-B14F-4D97-AF65-F5344CB8AC3E}">
+        <p14:creationId xmlns:p14="http://schemas.microsoft.com/office/powerpoint/2010/main" val="3520206311"/>
+      </p:ext>
+    </p:extLst>
+  </p:cSld>
+  <p:clrMapOvr>
+    <a:masterClrMapping/>
+  </p:clrMapOvr>
+  <p:timing>
+    <p:tnLst>
+      <p:par>
+        <p:cTn id="1" dur="indefinite" restart="never" nodeType="tmRoot"/>
+      </p:par>
+    </p:tnLst>
+  </p:timing>
+</p:sld>
+</file>
+
+<file path=ppt/slides/slide24.xml><?xml version="1.0" encoding="utf-8"?>
+<p:sld xmlns:a="http://schemas.openxmlformats.org/drawingml/2006/main" xmlns:r="http://schemas.openxmlformats.org/officeDocument/2006/relationships" xmlns:p="http://schemas.openxmlformats.org/presentationml/2006/main">
+  <p:cSld>
+    <p:spTree>
+      <p:nvGrpSpPr>
+        <p:cNvPr id="1" name=""/>
+        <p:cNvGrpSpPr/>
+        <p:nvPr/>
+      </p:nvGrpSpPr>
+      <p:grpSpPr>
+        <a:xfrm>
+          <a:off x="0" y="0"/>
+          <a:ext cx="0" cy="0"/>
+          <a:chOff x="0" y="0"/>
+          <a:chExt cx="0" cy="0"/>
+        </a:xfrm>
+      </p:grpSpPr>
+      <p:sp>
+        <p:nvSpPr>
+          <p:cNvPr id="2" name="Текст 1"/>
+          <p:cNvSpPr>
+            <a:spLocks noGrp="1"/>
+          </p:cNvSpPr>
+          <p:nvPr>
+            <p:ph type="body" sz="quarter" idx="19"/>
+          </p:nvPr>
+        </p:nvSpPr>
+        <p:spPr/>
+        <p:txBody>
+          <a:bodyPr/>
+          <a:lstStyle/>
+          <a:p>
+            <a:endParaRPr lang="ru-RU"/>
+          </a:p>
+        </p:txBody>
+      </p:sp>
+      <p:sp>
+        <p:nvSpPr>
+          <p:cNvPr id="3" name="Заголовок 2"/>
+          <p:cNvSpPr>
+            <a:spLocks noGrp="1"/>
+          </p:cNvSpPr>
+          <p:nvPr>
+            <p:ph type="title"/>
+          </p:nvPr>
+        </p:nvSpPr>
+        <p:spPr/>
+        <p:txBody>
+          <a:bodyPr/>
+          <a:lstStyle/>
+          <a:p>
+            <a:endParaRPr lang="ru-RU"/>
+          </a:p>
+        </p:txBody>
+      </p:sp>
+      <p:pic>
+        <p:nvPicPr>
+          <p:cNvPr id="3074" name="Picture 2"/>
           <p:cNvPicPr>
             <a:picLocks noChangeAspect="1" noChangeArrowheads="1"/>
           </p:cNvPicPr>
           <p:nvPr/>
         </p:nvPicPr>
         <p:blipFill>
-          <a:blip r:embed="rId3">
+          <a:blip r:embed="rId2">
             <a:extLst>
               <a:ext uri="{28A0092B-C50C-407E-A947-70E740481C1C}">
                 <a14:useLocalDpi xmlns:a14="http://schemas.microsoft.com/office/drawing/2010/main" val="0"/>
@@ -7817,9 +10872,215 @@
         </p:blipFill>
         <p:spPr bwMode="auto">
           <a:xfrm>
-            <a:off x="307975" y="843558"/>
-            <a:ext cx="4181974" cy="3700860"/>
+            <a:off x="1979712" y="2067694"/>
+            <a:ext cx="2219325" cy="771525"/>
           </a:xfrm>
+          <a:prstGeom prst="rect">
+            <a:avLst/>
+          </a:prstGeom>
+          <a:noFill/>
+          <a:ln>
+            <a:noFill/>
+          </a:ln>
+          <a:effectLst/>
+          <a:extLst>
+            <a:ext uri="{909E8E84-426E-40DD-AFC4-6F175D3DCCD1}">
+              <a14:hiddenFill xmlns:a14="http://schemas.microsoft.com/office/drawing/2010/main">
+                <a:solidFill>
+                  <a:schemeClr val="accent1"/>
+                </a:solidFill>
+              </a14:hiddenFill>
+            </a:ext>
+            <a:ext uri="{91240B29-F687-4F45-9708-019B960494DF}">
+              <a14:hiddenLine xmlns:a14="http://schemas.microsoft.com/office/drawing/2010/main" w="9525">
+                <a:solidFill>
+                  <a:schemeClr val="tx1"/>
+                </a:solidFill>
+                <a:miter lim="800000"/>
+                <a:headEnd/>
+                <a:tailEnd/>
+              </a14:hiddenLine>
+            </a:ext>
+            <a:ext uri="{AF507438-7753-43E0-B8FC-AC1667EBCBE1}">
+              <a14:hiddenEffects xmlns:a14="http://schemas.microsoft.com/office/drawing/2010/main">
+                <a:effectLst>
+                  <a:outerShdw dist="35921" dir="2700000" algn="ctr" rotWithShape="0">
+                    <a:schemeClr val="bg2"/>
+                  </a:outerShdw>
+                </a:effectLst>
+              </a14:hiddenEffects>
+            </a:ext>
+          </a:extLst>
+        </p:spPr>
+      </p:pic>
+    </p:spTree>
+    <p:extLst>
+      <p:ext uri="{BB962C8B-B14F-4D97-AF65-F5344CB8AC3E}">
+        <p14:creationId xmlns:p14="http://schemas.microsoft.com/office/powerpoint/2010/main" val="2969752641"/>
+      </p:ext>
+    </p:extLst>
+  </p:cSld>
+  <p:clrMapOvr>
+    <a:masterClrMapping/>
+  </p:clrMapOvr>
+  <p:timing>
+    <p:tnLst>
+      <p:par>
+        <p:cTn id="1" dur="indefinite" restart="never" nodeType="tmRoot"/>
+      </p:par>
+    </p:tnLst>
+  </p:timing>
+</p:sld>
+</file>
+
+<file path=ppt/slides/slide3.xml><?xml version="1.0" encoding="utf-8"?>
+<p:sld xmlns:a="http://schemas.openxmlformats.org/drawingml/2006/main" xmlns:r="http://schemas.openxmlformats.org/officeDocument/2006/relationships" xmlns:p="http://schemas.openxmlformats.org/presentationml/2006/main">
+  <p:cSld>
+    <p:spTree>
+      <p:nvGrpSpPr>
+        <p:cNvPr id="1" name=""/>
+        <p:cNvGrpSpPr/>
+        <p:nvPr/>
+      </p:nvGrpSpPr>
+      <p:grpSpPr>
+        <a:xfrm>
+          <a:off x="0" y="0"/>
+          <a:ext cx="0" cy="0"/>
+          <a:chOff x="0" y="0"/>
+          <a:chExt cx="0" cy="0"/>
+        </a:xfrm>
+      </p:grpSpPr>
+      <p:sp>
+        <p:nvSpPr>
+          <p:cNvPr id="2" name="Текст 1"/>
+          <p:cNvSpPr>
+            <a:spLocks noGrp="1"/>
+          </p:cNvSpPr>
+          <p:nvPr>
+            <p:ph type="body" sz="quarter" idx="19"/>
+          </p:nvPr>
+        </p:nvSpPr>
+        <p:spPr/>
+        <p:txBody>
+          <a:bodyPr>
+            <a:normAutofit fontScale="85000" lnSpcReduction="20000"/>
+          </a:bodyPr>
+          <a:lstStyle/>
+          <a:p>
+            <a:r>
+              <a:rPr lang="en-US" dirty="0" smtClean="0"/>
+              <a:t>GMM K-Means:</a:t>
+            </a:r>
+          </a:p>
+          <a:p>
+            <a:r>
+              <a:rPr lang="en-US" b="0" dirty="0" smtClean="0"/>
+              <a:t>Even statistically small classes with significant distribution difference are successfully separated from background data.</a:t>
+            </a:r>
+            <a:endParaRPr lang="ru-RU" b="0" dirty="0"/>
+          </a:p>
+        </p:txBody>
+      </p:sp>
+      <p:sp>
+        <p:nvSpPr>
+          <p:cNvPr id="4" name="Заголовок 3"/>
+          <p:cNvSpPr>
+            <a:spLocks noGrp="1"/>
+          </p:cNvSpPr>
+          <p:nvPr>
+            <p:ph type="ctrTitle"/>
+          </p:nvPr>
+        </p:nvSpPr>
+        <p:spPr/>
+        <p:txBody>
+          <a:bodyPr/>
+          <a:lstStyle/>
+          <a:p>
+            <a:endParaRPr lang="ru-RU"/>
+          </a:p>
+        </p:txBody>
+      </p:sp>
+      <p:sp>
+        <p:nvSpPr>
+          <p:cNvPr id="5" name="Текст 4"/>
+          <p:cNvSpPr>
+            <a:spLocks noGrp="1"/>
+          </p:cNvSpPr>
+          <p:nvPr>
+            <p:ph type="body" sz="quarter" idx="21"/>
+          </p:nvPr>
+        </p:nvSpPr>
+        <p:spPr/>
+        <p:txBody>
+          <a:bodyPr>
+            <a:normAutofit lnSpcReduction="10000"/>
+          </a:bodyPr>
+          <a:lstStyle/>
+          <a:p>
+            <a:r>
+              <a:rPr lang="en-US" dirty="0" smtClean="0"/>
+              <a:t>K-Means: </a:t>
+            </a:r>
+          </a:p>
+          <a:p>
+            <a:r>
+              <a:rPr lang="en-US" b="0" dirty="0" smtClean="0"/>
+              <a:t>fuzzy and sometimes illogical splitting of the classes especially when number of classes is low.</a:t>
+            </a:r>
+            <a:endParaRPr lang="ru-RU" b="0" dirty="0"/>
+          </a:p>
+        </p:txBody>
+      </p:sp>
+      <p:sp>
+        <p:nvSpPr>
+          <p:cNvPr id="7" name="Текст 6"/>
+          <p:cNvSpPr>
+            <a:spLocks noGrp="1"/>
+          </p:cNvSpPr>
+          <p:nvPr>
+            <p:ph type="body" sz="quarter" idx="26"/>
+          </p:nvPr>
+        </p:nvSpPr>
+        <p:spPr/>
+        <p:txBody>
+          <a:bodyPr>
+            <a:normAutofit fontScale="85000" lnSpcReduction="20000"/>
+          </a:bodyPr>
+          <a:lstStyle/>
+          <a:p>
+            <a:r>
+              <a:rPr lang="en-US" dirty="0"/>
+              <a:t>Key difference</a:t>
+            </a:r>
+            <a:endParaRPr lang="ru-RU" dirty="0"/>
+          </a:p>
+          <a:p>
+            <a:endParaRPr lang="ru-RU" dirty="0"/>
+          </a:p>
+        </p:txBody>
+      </p:sp>
+      <p:pic>
+        <p:nvPicPr>
+          <p:cNvPr id="2050" name="Picture 2"/>
+          <p:cNvPicPr>
+            <a:picLocks noGrp="1" noChangeAspect="1" noChangeArrowheads="1"/>
+          </p:cNvPicPr>
+          <p:nvPr>
+            <p:ph type="pic" sz="quarter" idx="22"/>
+          </p:nvPr>
+        </p:nvPicPr>
+        <p:blipFill rotWithShape="1">
+          <a:blip r:embed="rId2">
+            <a:extLst>
+              <a:ext uri="{28A0092B-C50C-407E-A947-70E740481C1C}">
+                <a14:useLocalDpi xmlns:a14="http://schemas.microsoft.com/office/drawing/2010/main" val="0"/>
+              </a:ext>
+            </a:extLst>
+          </a:blip>
+          <a:srcRect l="-10181" t="3180" r="-10181" b="3180"/>
+          <a:stretch/>
+        </p:blipFill>
+        <p:spPr bwMode="auto">
           <a:prstGeom prst="rect">
             <a:avLst/>
           </a:prstGeom>
@@ -7848,16 +11109,1349 @@
           </a:extLst>
         </p:spPr>
       </p:pic>
+      <p:pic>
+        <p:nvPicPr>
+          <p:cNvPr id="2051" name="Picture 3"/>
+          <p:cNvPicPr>
+            <a:picLocks noGrp="1" noChangeAspect="1" noChangeArrowheads="1"/>
+          </p:cNvPicPr>
+          <p:nvPr>
+            <p:ph type="pic" sz="quarter" idx="20"/>
+          </p:nvPr>
+        </p:nvPicPr>
+        <p:blipFill rotWithShape="1">
+          <a:blip r:embed="rId3">
+            <a:extLst>
+              <a:ext uri="{28A0092B-C50C-407E-A947-70E740481C1C}">
+                <a14:useLocalDpi xmlns:a14="http://schemas.microsoft.com/office/drawing/2010/main" val="0"/>
+              </a:ext>
+            </a:extLst>
+          </a:blip>
+          <a:srcRect l="-10873" t="3400" r="-10873" b="3400"/>
+          <a:stretch/>
+        </p:blipFill>
+        <p:spPr bwMode="auto">
+          <a:prstGeom prst="rect">
+            <a:avLst/>
+          </a:prstGeom>
+          <a:noFill/>
+          <a:ln>
+            <a:noFill/>
+          </a:ln>
+          <a:extLst>
+            <a:ext uri="{909E8E84-426E-40DD-AFC4-6F175D3DCCD1}">
+              <a14:hiddenFill xmlns:a14="http://schemas.microsoft.com/office/drawing/2010/main">
+                <a:solidFill>
+                  <a:schemeClr val="accent1"/>
+                </a:solidFill>
+              </a14:hiddenFill>
+            </a:ext>
+            <a:ext uri="{91240B29-F687-4F45-9708-019B960494DF}">
+              <a14:hiddenLine xmlns:a14="http://schemas.microsoft.com/office/drawing/2010/main" w="9525">
+                <a:solidFill>
+                  <a:schemeClr val="tx1"/>
+                </a:solidFill>
+                <a:miter lim="800000"/>
+                <a:headEnd/>
+                <a:tailEnd/>
+              </a14:hiddenLine>
+            </a:ext>
+          </a:extLst>
+        </p:spPr>
+      </p:pic>
     </p:spTree>
     <p:extLst>
       <p:ext uri="{BB962C8B-B14F-4D97-AF65-F5344CB8AC3E}">
-        <p14:creationId xmlns:p14="http://schemas.microsoft.com/office/powerpoint/2010/main" val="3284983278"/>
+        <p14:creationId xmlns:p14="http://schemas.microsoft.com/office/powerpoint/2010/main" val="1975711837"/>
       </p:ext>
     </p:extLst>
   </p:cSld>
   <p:clrMapOvr>
     <a:masterClrMapping/>
   </p:clrMapOvr>
+  <p:timing>
+    <p:tnLst>
+      <p:par>
+        <p:cTn id="1" dur="indefinite" restart="never" nodeType="tmRoot"/>
+      </p:par>
+    </p:tnLst>
+  </p:timing>
+</p:sld>
+</file>
+
+<file path=ppt/slides/slide4.xml><?xml version="1.0" encoding="utf-8"?>
+<p:sld xmlns:a="http://schemas.openxmlformats.org/drawingml/2006/main" xmlns:r="http://schemas.openxmlformats.org/officeDocument/2006/relationships" xmlns:p="http://schemas.openxmlformats.org/presentationml/2006/main">
+  <p:cSld>
+    <p:spTree>
+      <p:nvGrpSpPr>
+        <p:cNvPr id="1" name=""/>
+        <p:cNvGrpSpPr/>
+        <p:nvPr/>
+      </p:nvGrpSpPr>
+      <p:grpSpPr>
+        <a:xfrm>
+          <a:off x="0" y="0"/>
+          <a:ext cx="0" cy="0"/>
+          <a:chOff x="0" y="0"/>
+          <a:chExt cx="0" cy="0"/>
+        </a:xfrm>
+      </p:grpSpPr>
+      <p:sp>
+        <p:nvSpPr>
+          <p:cNvPr id="2" name="Текст 1"/>
+          <p:cNvSpPr>
+            <a:spLocks noGrp="1"/>
+          </p:cNvSpPr>
+          <p:nvPr>
+            <p:ph type="body" sz="quarter" idx="19"/>
+          </p:nvPr>
+        </p:nvSpPr>
+        <p:spPr/>
+        <p:txBody>
+          <a:bodyPr>
+            <a:normAutofit lnSpcReduction="10000"/>
+          </a:bodyPr>
+          <a:lstStyle/>
+          <a:p>
+            <a:r>
+              <a:rPr lang="en-US" dirty="0" smtClean="0"/>
+              <a:t>GMM K-Means:</a:t>
+            </a:r>
+          </a:p>
+          <a:p>
+            <a:r>
+              <a:rPr lang="en-US" b="0" dirty="0"/>
+              <a:t>Border/edge artifacts </a:t>
+            </a:r>
+            <a:r>
+              <a:rPr lang="en-US" b="0" dirty="0" smtClean="0"/>
+              <a:t>are successfully separated from the meaningful data</a:t>
+            </a:r>
+            <a:endParaRPr lang="ru-RU" b="0" dirty="0"/>
+          </a:p>
+        </p:txBody>
+      </p:sp>
+      <p:sp>
+        <p:nvSpPr>
+          <p:cNvPr id="4" name="Заголовок 3"/>
+          <p:cNvSpPr>
+            <a:spLocks noGrp="1"/>
+          </p:cNvSpPr>
+          <p:nvPr>
+            <p:ph type="ctrTitle"/>
+          </p:nvPr>
+        </p:nvSpPr>
+        <p:spPr/>
+        <p:txBody>
+          <a:bodyPr/>
+          <a:lstStyle/>
+          <a:p>
+            <a:endParaRPr lang="ru-RU"/>
+          </a:p>
+        </p:txBody>
+      </p:sp>
+      <p:sp>
+        <p:nvSpPr>
+          <p:cNvPr id="5" name="Текст 4"/>
+          <p:cNvSpPr>
+            <a:spLocks noGrp="1"/>
+          </p:cNvSpPr>
+          <p:nvPr>
+            <p:ph type="body" sz="quarter" idx="21"/>
+          </p:nvPr>
+        </p:nvSpPr>
+        <p:spPr/>
+        <p:txBody>
+          <a:bodyPr>
+            <a:normAutofit lnSpcReduction="10000"/>
+          </a:bodyPr>
+          <a:lstStyle/>
+          <a:p>
+            <a:r>
+              <a:rPr lang="en-US" dirty="0" smtClean="0"/>
+              <a:t>K-Means:</a:t>
+            </a:r>
+          </a:p>
+          <a:p>
+            <a:r>
+              <a:rPr lang="en-US" b="0" dirty="0" smtClean="0"/>
+              <a:t>Border/edge artifacts were incorporated in the possibly meaningful cluster (red)</a:t>
+            </a:r>
+            <a:endParaRPr lang="ru-RU" b="0" dirty="0"/>
+          </a:p>
+        </p:txBody>
+      </p:sp>
+      <p:sp>
+        <p:nvSpPr>
+          <p:cNvPr id="7" name="Текст 6"/>
+          <p:cNvSpPr>
+            <a:spLocks noGrp="1"/>
+          </p:cNvSpPr>
+          <p:nvPr>
+            <p:ph type="body" sz="quarter" idx="26"/>
+          </p:nvPr>
+        </p:nvSpPr>
+        <p:spPr/>
+        <p:txBody>
+          <a:bodyPr>
+            <a:normAutofit fontScale="85000" lnSpcReduction="20000"/>
+          </a:bodyPr>
+          <a:lstStyle/>
+          <a:p>
+            <a:r>
+              <a:rPr lang="en-US" dirty="0" smtClean="0"/>
+              <a:t>Key difference – Instantaneous attributes with artifacts</a:t>
+            </a:r>
+            <a:endParaRPr lang="ru-RU" dirty="0"/>
+          </a:p>
+        </p:txBody>
+      </p:sp>
+      <p:pic>
+        <p:nvPicPr>
+          <p:cNvPr id="1026" name="Picture 2"/>
+          <p:cNvPicPr>
+            <a:picLocks noGrp="1" noChangeAspect="1" noChangeArrowheads="1"/>
+          </p:cNvPicPr>
+          <p:nvPr>
+            <p:ph type="pic" sz="quarter" idx="22"/>
+          </p:nvPr>
+        </p:nvPicPr>
+        <p:blipFill>
+          <a:blip r:embed="rId2">
+            <a:extLst>
+              <a:ext uri="{28A0092B-C50C-407E-A947-70E740481C1C}">
+                <a14:useLocalDpi xmlns:a14="http://schemas.microsoft.com/office/drawing/2010/main" val="0"/>
+              </a:ext>
+            </a:extLst>
+          </a:blip>
+          <a:srcRect t="11101" b="11101"/>
+          <a:stretch>
+            <a:fillRect/>
+          </a:stretch>
+        </p:blipFill>
+        <p:spPr bwMode="auto">
+          <a:prstGeom prst="rect">
+            <a:avLst/>
+          </a:prstGeom>
+          <a:noFill/>
+          <a:ln>
+            <a:noFill/>
+          </a:ln>
+          <a:extLst>
+            <a:ext uri="{909E8E84-426E-40DD-AFC4-6F175D3DCCD1}">
+              <a14:hiddenFill xmlns:a14="http://schemas.microsoft.com/office/drawing/2010/main">
+                <a:solidFill>
+                  <a:schemeClr val="accent1"/>
+                </a:solidFill>
+              </a14:hiddenFill>
+            </a:ext>
+            <a:ext uri="{91240B29-F687-4F45-9708-019B960494DF}">
+              <a14:hiddenLine xmlns:a14="http://schemas.microsoft.com/office/drawing/2010/main" w="9525">
+                <a:solidFill>
+                  <a:schemeClr val="tx1"/>
+                </a:solidFill>
+                <a:miter lim="800000"/>
+                <a:headEnd/>
+                <a:tailEnd/>
+              </a14:hiddenLine>
+            </a:ext>
+          </a:extLst>
+        </p:spPr>
+      </p:pic>
+      <p:pic>
+        <p:nvPicPr>
+          <p:cNvPr id="1027" name="Picture 3"/>
+          <p:cNvPicPr>
+            <a:picLocks noGrp="1" noChangeAspect="1" noChangeArrowheads="1"/>
+          </p:cNvPicPr>
+          <p:nvPr>
+            <p:ph type="pic" sz="quarter" idx="20"/>
+          </p:nvPr>
+        </p:nvPicPr>
+        <p:blipFill>
+          <a:blip r:embed="rId3">
+            <a:extLst>
+              <a:ext uri="{28A0092B-C50C-407E-A947-70E740481C1C}">
+                <a14:useLocalDpi xmlns:a14="http://schemas.microsoft.com/office/drawing/2010/main" val="0"/>
+              </a:ext>
+            </a:extLst>
+          </a:blip>
+          <a:srcRect t="11724" b="11724"/>
+          <a:stretch>
+            <a:fillRect/>
+          </a:stretch>
+        </p:blipFill>
+        <p:spPr bwMode="auto">
+          <a:prstGeom prst="rect">
+            <a:avLst/>
+          </a:prstGeom>
+          <a:noFill/>
+          <a:ln>
+            <a:noFill/>
+          </a:ln>
+          <a:extLst>
+            <a:ext uri="{909E8E84-426E-40DD-AFC4-6F175D3DCCD1}">
+              <a14:hiddenFill xmlns:a14="http://schemas.microsoft.com/office/drawing/2010/main">
+                <a:solidFill>
+                  <a:schemeClr val="accent1"/>
+                </a:solidFill>
+              </a14:hiddenFill>
+            </a:ext>
+            <a:ext uri="{91240B29-F687-4F45-9708-019B960494DF}">
+              <a14:hiddenLine xmlns:a14="http://schemas.microsoft.com/office/drawing/2010/main" w="9525">
+                <a:solidFill>
+                  <a:schemeClr val="tx1"/>
+                </a:solidFill>
+                <a:miter lim="800000"/>
+                <a:headEnd/>
+                <a:tailEnd/>
+              </a14:hiddenLine>
+            </a:ext>
+          </a:extLst>
+        </p:spPr>
+      </p:pic>
+    </p:spTree>
+    <p:extLst>
+      <p:ext uri="{BB962C8B-B14F-4D97-AF65-F5344CB8AC3E}">
+        <p14:creationId xmlns:p14="http://schemas.microsoft.com/office/powerpoint/2010/main" val="713225103"/>
+      </p:ext>
+    </p:extLst>
+  </p:cSld>
+  <p:clrMapOvr>
+    <a:masterClrMapping/>
+  </p:clrMapOvr>
+  <p:timing>
+    <p:tnLst>
+      <p:par>
+        <p:cTn id="1" dur="indefinite" restart="never" nodeType="tmRoot"/>
+      </p:par>
+    </p:tnLst>
+  </p:timing>
+</p:sld>
+</file>
+
+<file path=ppt/slides/slide5.xml><?xml version="1.0" encoding="utf-8"?>
+<p:sld xmlns:a="http://schemas.openxmlformats.org/drawingml/2006/main" xmlns:r="http://schemas.openxmlformats.org/officeDocument/2006/relationships" xmlns:p="http://schemas.openxmlformats.org/presentationml/2006/main">
+  <p:cSld>
+    <p:spTree>
+      <p:nvGrpSpPr>
+        <p:cNvPr id="1" name=""/>
+        <p:cNvGrpSpPr/>
+        <p:nvPr/>
+      </p:nvGrpSpPr>
+      <p:grpSpPr>
+        <a:xfrm>
+          <a:off x="0" y="0"/>
+          <a:ext cx="0" cy="0"/>
+          <a:chOff x="0" y="0"/>
+          <a:chExt cx="0" cy="0"/>
+        </a:xfrm>
+      </p:grpSpPr>
+      <p:sp>
+        <p:nvSpPr>
+          <p:cNvPr id="2" name="Текст 1"/>
+          <p:cNvSpPr>
+            <a:spLocks noGrp="1"/>
+          </p:cNvSpPr>
+          <p:nvPr>
+            <p:ph type="body" sz="quarter" idx="19"/>
+          </p:nvPr>
+        </p:nvSpPr>
+        <p:spPr/>
+        <p:txBody>
+          <a:bodyPr>
+            <a:normAutofit/>
+          </a:bodyPr>
+          <a:lstStyle/>
+          <a:p>
+            <a:r>
+              <a:rPr lang="en-US" dirty="0" smtClean="0"/>
+              <a:t>GMM K-Means 7 classes:</a:t>
+            </a:r>
+          </a:p>
+        </p:txBody>
+      </p:sp>
+      <p:sp>
+        <p:nvSpPr>
+          <p:cNvPr id="4" name="Заголовок 3"/>
+          <p:cNvSpPr>
+            <a:spLocks noGrp="1"/>
+          </p:cNvSpPr>
+          <p:nvPr>
+            <p:ph type="ctrTitle"/>
+          </p:nvPr>
+        </p:nvSpPr>
+        <p:spPr/>
+        <p:txBody>
+          <a:bodyPr/>
+          <a:lstStyle/>
+          <a:p>
+            <a:endParaRPr lang="ru-RU"/>
+          </a:p>
+        </p:txBody>
+      </p:sp>
+      <p:sp>
+        <p:nvSpPr>
+          <p:cNvPr id="5" name="Текст 4"/>
+          <p:cNvSpPr>
+            <a:spLocks noGrp="1"/>
+          </p:cNvSpPr>
+          <p:nvPr>
+            <p:ph type="body" sz="quarter" idx="21"/>
+          </p:nvPr>
+        </p:nvSpPr>
+        <p:spPr/>
+        <p:txBody>
+          <a:bodyPr>
+            <a:normAutofit/>
+          </a:bodyPr>
+          <a:lstStyle/>
+          <a:p>
+            <a:r>
+              <a:rPr lang="en-US" dirty="0" smtClean="0"/>
+              <a:t>K-Means 7 classes:</a:t>
+            </a:r>
+          </a:p>
+        </p:txBody>
+      </p:sp>
+      <p:sp>
+        <p:nvSpPr>
+          <p:cNvPr id="7" name="Текст 6"/>
+          <p:cNvSpPr>
+            <a:spLocks noGrp="1"/>
+          </p:cNvSpPr>
+          <p:nvPr>
+            <p:ph type="body" sz="quarter" idx="26"/>
+          </p:nvPr>
+        </p:nvSpPr>
+        <p:spPr/>
+        <p:txBody>
+          <a:bodyPr>
+            <a:normAutofit fontScale="85000" lnSpcReduction="20000"/>
+          </a:bodyPr>
+          <a:lstStyle/>
+          <a:p>
+            <a:r>
+              <a:rPr lang="en-US" dirty="0" smtClean="0"/>
+              <a:t>Key difference – spectral decomposition clustering</a:t>
+            </a:r>
+            <a:endParaRPr lang="ru-RU" dirty="0"/>
+          </a:p>
+        </p:txBody>
+      </p:sp>
+      <p:pic>
+        <p:nvPicPr>
+          <p:cNvPr id="4099" name="Picture 3"/>
+          <p:cNvPicPr>
+            <a:picLocks noGrp="1" noChangeAspect="1" noChangeArrowheads="1"/>
+          </p:cNvPicPr>
+          <p:nvPr>
+            <p:ph type="pic" sz="quarter" idx="22"/>
+          </p:nvPr>
+        </p:nvPicPr>
+        <p:blipFill>
+          <a:blip r:embed="rId2">
+            <a:extLst>
+              <a:ext uri="{28A0092B-C50C-407E-A947-70E740481C1C}">
+                <a14:useLocalDpi xmlns:a14="http://schemas.microsoft.com/office/drawing/2010/main" val="0"/>
+              </a:ext>
+            </a:extLst>
+          </a:blip>
+          <a:srcRect t="11101" b="11101"/>
+          <a:stretch>
+            <a:fillRect/>
+          </a:stretch>
+        </p:blipFill>
+        <p:spPr bwMode="auto">
+          <a:prstGeom prst="rect">
+            <a:avLst/>
+          </a:prstGeom>
+          <a:noFill/>
+          <a:ln>
+            <a:noFill/>
+          </a:ln>
+          <a:extLst>
+            <a:ext uri="{909E8E84-426E-40DD-AFC4-6F175D3DCCD1}">
+              <a14:hiddenFill xmlns:a14="http://schemas.microsoft.com/office/drawing/2010/main">
+                <a:solidFill>
+                  <a:schemeClr val="accent1"/>
+                </a:solidFill>
+              </a14:hiddenFill>
+            </a:ext>
+            <a:ext uri="{91240B29-F687-4F45-9708-019B960494DF}">
+              <a14:hiddenLine xmlns:a14="http://schemas.microsoft.com/office/drawing/2010/main" w="9525">
+                <a:solidFill>
+                  <a:schemeClr val="tx1"/>
+                </a:solidFill>
+                <a:miter lim="800000"/>
+                <a:headEnd/>
+                <a:tailEnd/>
+              </a14:hiddenLine>
+            </a:ext>
+          </a:extLst>
+        </p:spPr>
+      </p:pic>
+      <p:pic>
+        <p:nvPicPr>
+          <p:cNvPr id="4100" name="Picture 4"/>
+          <p:cNvPicPr>
+            <a:picLocks noGrp="1" noChangeAspect="1" noChangeArrowheads="1"/>
+          </p:cNvPicPr>
+          <p:nvPr>
+            <p:ph type="pic" sz="quarter" idx="20"/>
+          </p:nvPr>
+        </p:nvPicPr>
+        <p:blipFill>
+          <a:blip r:embed="rId3">
+            <a:extLst>
+              <a:ext uri="{28A0092B-C50C-407E-A947-70E740481C1C}">
+                <a14:useLocalDpi xmlns:a14="http://schemas.microsoft.com/office/drawing/2010/main" val="0"/>
+              </a:ext>
+            </a:extLst>
+          </a:blip>
+          <a:srcRect t="11724" b="11724"/>
+          <a:stretch>
+            <a:fillRect/>
+          </a:stretch>
+        </p:blipFill>
+        <p:spPr bwMode="auto">
+          <a:prstGeom prst="rect">
+            <a:avLst/>
+          </a:prstGeom>
+          <a:noFill/>
+          <a:ln>
+            <a:noFill/>
+          </a:ln>
+          <a:extLst>
+            <a:ext uri="{909E8E84-426E-40DD-AFC4-6F175D3DCCD1}">
+              <a14:hiddenFill xmlns:a14="http://schemas.microsoft.com/office/drawing/2010/main">
+                <a:solidFill>
+                  <a:schemeClr val="accent1"/>
+                </a:solidFill>
+              </a14:hiddenFill>
+            </a:ext>
+            <a:ext uri="{91240B29-F687-4F45-9708-019B960494DF}">
+              <a14:hiddenLine xmlns:a14="http://schemas.microsoft.com/office/drawing/2010/main" w="9525">
+                <a:solidFill>
+                  <a:schemeClr val="tx1"/>
+                </a:solidFill>
+                <a:miter lim="800000"/>
+                <a:headEnd/>
+                <a:tailEnd/>
+              </a14:hiddenLine>
+            </a:ext>
+          </a:extLst>
+        </p:spPr>
+      </p:pic>
+    </p:spTree>
+    <p:extLst>
+      <p:ext uri="{BB962C8B-B14F-4D97-AF65-F5344CB8AC3E}">
+        <p14:creationId xmlns:p14="http://schemas.microsoft.com/office/powerpoint/2010/main" val="3651242569"/>
+      </p:ext>
+    </p:extLst>
+  </p:cSld>
+  <p:clrMapOvr>
+    <a:masterClrMapping/>
+  </p:clrMapOvr>
+  <p:timing>
+    <p:tnLst>
+      <p:par>
+        <p:cTn id="1" dur="indefinite" restart="never" nodeType="tmRoot"/>
+      </p:par>
+    </p:tnLst>
+  </p:timing>
+</p:sld>
+</file>
+
+<file path=ppt/slides/slide6.xml><?xml version="1.0" encoding="utf-8"?>
+<p:sld xmlns:a="http://schemas.openxmlformats.org/drawingml/2006/main" xmlns:r="http://schemas.openxmlformats.org/officeDocument/2006/relationships" xmlns:p="http://schemas.openxmlformats.org/presentationml/2006/main">
+  <p:cSld>
+    <p:spTree>
+      <p:nvGrpSpPr>
+        <p:cNvPr id="1" name=""/>
+        <p:cNvGrpSpPr/>
+        <p:nvPr/>
+      </p:nvGrpSpPr>
+      <p:grpSpPr>
+        <a:xfrm>
+          <a:off x="0" y="0"/>
+          <a:ext cx="0" cy="0"/>
+          <a:chOff x="0" y="0"/>
+          <a:chExt cx="0" cy="0"/>
+        </a:xfrm>
+      </p:grpSpPr>
+      <p:sp>
+        <p:nvSpPr>
+          <p:cNvPr id="2" name="Текст 1"/>
+          <p:cNvSpPr>
+            <a:spLocks noGrp="1"/>
+          </p:cNvSpPr>
+          <p:nvPr>
+            <p:ph type="body" sz="quarter" idx="19"/>
+          </p:nvPr>
+        </p:nvSpPr>
+        <p:spPr/>
+        <p:txBody>
+          <a:bodyPr>
+            <a:normAutofit/>
+          </a:bodyPr>
+          <a:lstStyle/>
+          <a:p>
+            <a:r>
+              <a:rPr lang="en-US" dirty="0" smtClean="0"/>
+              <a:t>GMM K-Means (automatic classes):</a:t>
+            </a:r>
+          </a:p>
+        </p:txBody>
+      </p:sp>
+      <p:sp>
+        <p:nvSpPr>
+          <p:cNvPr id="4" name="Заголовок 3"/>
+          <p:cNvSpPr>
+            <a:spLocks noGrp="1"/>
+          </p:cNvSpPr>
+          <p:nvPr>
+            <p:ph type="ctrTitle"/>
+          </p:nvPr>
+        </p:nvSpPr>
+        <p:spPr/>
+        <p:txBody>
+          <a:bodyPr/>
+          <a:lstStyle/>
+          <a:p>
+            <a:endParaRPr lang="ru-RU"/>
+          </a:p>
+        </p:txBody>
+      </p:sp>
+      <p:sp>
+        <p:nvSpPr>
+          <p:cNvPr id="5" name="Текст 4"/>
+          <p:cNvSpPr>
+            <a:spLocks noGrp="1"/>
+          </p:cNvSpPr>
+          <p:nvPr>
+            <p:ph type="body" sz="quarter" idx="21"/>
+          </p:nvPr>
+        </p:nvSpPr>
+        <p:spPr/>
+        <p:txBody>
+          <a:bodyPr>
+            <a:normAutofit/>
+          </a:bodyPr>
+          <a:lstStyle/>
+          <a:p>
+            <a:r>
+              <a:rPr lang="en-US" dirty="0" smtClean="0"/>
+              <a:t>K-Means:</a:t>
+            </a:r>
+          </a:p>
+        </p:txBody>
+      </p:sp>
+      <p:sp>
+        <p:nvSpPr>
+          <p:cNvPr id="7" name="Текст 6"/>
+          <p:cNvSpPr>
+            <a:spLocks noGrp="1"/>
+          </p:cNvSpPr>
+          <p:nvPr>
+            <p:ph type="body" sz="quarter" idx="26"/>
+          </p:nvPr>
+        </p:nvSpPr>
+        <p:spPr/>
+        <p:txBody>
+          <a:bodyPr>
+            <a:normAutofit fontScale="85000" lnSpcReduction="20000"/>
+          </a:bodyPr>
+          <a:lstStyle/>
+          <a:p>
+            <a:r>
+              <a:rPr lang="en-US" dirty="0"/>
+              <a:t>Key difference – spectral decomposition clustering</a:t>
+            </a:r>
+            <a:endParaRPr lang="ru-RU" dirty="0"/>
+          </a:p>
+        </p:txBody>
+      </p:sp>
+      <p:pic>
+        <p:nvPicPr>
+          <p:cNvPr id="4099" name="Picture 3"/>
+          <p:cNvPicPr>
+            <a:picLocks noGrp="1" noChangeAspect="1" noChangeArrowheads="1"/>
+          </p:cNvPicPr>
+          <p:nvPr>
+            <p:ph type="pic" sz="quarter" idx="22"/>
+          </p:nvPr>
+        </p:nvPicPr>
+        <p:blipFill>
+          <a:blip r:embed="rId2">
+            <a:extLst>
+              <a:ext uri="{28A0092B-C50C-407E-A947-70E740481C1C}">
+                <a14:useLocalDpi xmlns:a14="http://schemas.microsoft.com/office/drawing/2010/main" val="0"/>
+              </a:ext>
+            </a:extLst>
+          </a:blip>
+          <a:srcRect t="11101" b="11101"/>
+          <a:stretch>
+            <a:fillRect/>
+          </a:stretch>
+        </p:blipFill>
+        <p:spPr bwMode="auto">
+          <a:prstGeom prst="rect">
+            <a:avLst/>
+          </a:prstGeom>
+          <a:noFill/>
+          <a:ln>
+            <a:noFill/>
+          </a:ln>
+          <a:extLst>
+            <a:ext uri="{909E8E84-426E-40DD-AFC4-6F175D3DCCD1}">
+              <a14:hiddenFill xmlns:a14="http://schemas.microsoft.com/office/drawing/2010/main">
+                <a:solidFill>
+                  <a:schemeClr val="accent1"/>
+                </a:solidFill>
+              </a14:hiddenFill>
+            </a:ext>
+            <a:ext uri="{91240B29-F687-4F45-9708-019B960494DF}">
+              <a14:hiddenLine xmlns:a14="http://schemas.microsoft.com/office/drawing/2010/main" w="9525">
+                <a:solidFill>
+                  <a:schemeClr val="tx1"/>
+                </a:solidFill>
+                <a:miter lim="800000"/>
+                <a:headEnd/>
+                <a:tailEnd/>
+              </a14:hiddenLine>
+            </a:ext>
+          </a:extLst>
+        </p:spPr>
+      </p:pic>
+      <p:pic>
+        <p:nvPicPr>
+          <p:cNvPr id="5122" name="Picture 2"/>
+          <p:cNvPicPr>
+            <a:picLocks noGrp="1" noChangeAspect="1" noChangeArrowheads="1"/>
+          </p:cNvPicPr>
+          <p:nvPr>
+            <p:ph type="pic" sz="quarter" idx="20"/>
+          </p:nvPr>
+        </p:nvPicPr>
+        <p:blipFill>
+          <a:blip r:embed="rId3">
+            <a:extLst>
+              <a:ext uri="{28A0092B-C50C-407E-A947-70E740481C1C}">
+                <a14:useLocalDpi xmlns:a14="http://schemas.microsoft.com/office/drawing/2010/main" val="0"/>
+              </a:ext>
+            </a:extLst>
+          </a:blip>
+          <a:srcRect t="11724" b="11724"/>
+          <a:stretch>
+            <a:fillRect/>
+          </a:stretch>
+        </p:blipFill>
+        <p:spPr bwMode="auto">
+          <a:prstGeom prst="rect">
+            <a:avLst/>
+          </a:prstGeom>
+          <a:noFill/>
+          <a:ln>
+            <a:noFill/>
+          </a:ln>
+          <a:extLst>
+            <a:ext uri="{909E8E84-426E-40DD-AFC4-6F175D3DCCD1}">
+              <a14:hiddenFill xmlns:a14="http://schemas.microsoft.com/office/drawing/2010/main">
+                <a:solidFill>
+                  <a:schemeClr val="accent1"/>
+                </a:solidFill>
+              </a14:hiddenFill>
+            </a:ext>
+            <a:ext uri="{91240B29-F687-4F45-9708-019B960494DF}">
+              <a14:hiddenLine xmlns:a14="http://schemas.microsoft.com/office/drawing/2010/main" w="9525">
+                <a:solidFill>
+                  <a:schemeClr val="tx1"/>
+                </a:solidFill>
+                <a:miter lim="800000"/>
+                <a:headEnd/>
+                <a:tailEnd/>
+              </a14:hiddenLine>
+            </a:ext>
+          </a:extLst>
+        </p:spPr>
+      </p:pic>
+    </p:spTree>
+    <p:extLst>
+      <p:ext uri="{BB962C8B-B14F-4D97-AF65-F5344CB8AC3E}">
+        <p14:creationId xmlns:p14="http://schemas.microsoft.com/office/powerpoint/2010/main" val="3392956477"/>
+      </p:ext>
+    </p:extLst>
+  </p:cSld>
+  <p:clrMapOvr>
+    <a:masterClrMapping/>
+  </p:clrMapOvr>
+  <p:timing>
+    <p:tnLst>
+      <p:par>
+        <p:cTn id="1" dur="indefinite" restart="never" nodeType="tmRoot"/>
+      </p:par>
+    </p:tnLst>
+  </p:timing>
+</p:sld>
+</file>
+
+<file path=ppt/slides/slide7.xml><?xml version="1.0" encoding="utf-8"?>
+<p:sld xmlns:a="http://schemas.openxmlformats.org/drawingml/2006/main" xmlns:r="http://schemas.openxmlformats.org/officeDocument/2006/relationships" xmlns:p="http://schemas.openxmlformats.org/presentationml/2006/main">
+  <p:cSld>
+    <p:spTree>
+      <p:nvGrpSpPr>
+        <p:cNvPr id="1" name=""/>
+        <p:cNvGrpSpPr/>
+        <p:nvPr/>
+      </p:nvGrpSpPr>
+      <p:grpSpPr>
+        <a:xfrm>
+          <a:off x="0" y="0"/>
+          <a:ext cx="0" cy="0"/>
+          <a:chOff x="0" y="0"/>
+          <a:chExt cx="0" cy="0"/>
+        </a:xfrm>
+      </p:grpSpPr>
+      <p:sp>
+        <p:nvSpPr>
+          <p:cNvPr id="4" name="Заголовок 3"/>
+          <p:cNvSpPr>
+            <a:spLocks noGrp="1"/>
+          </p:cNvSpPr>
+          <p:nvPr>
+            <p:ph type="ctrTitle"/>
+          </p:nvPr>
+        </p:nvSpPr>
+        <p:spPr/>
+        <p:txBody>
+          <a:bodyPr/>
+          <a:lstStyle/>
+          <a:p>
+            <a:endParaRPr lang="ru-RU"/>
+          </a:p>
+        </p:txBody>
+      </p:sp>
+      <p:sp>
+        <p:nvSpPr>
+          <p:cNvPr id="7" name="Текст 6"/>
+          <p:cNvSpPr>
+            <a:spLocks noGrp="1"/>
+          </p:cNvSpPr>
+          <p:nvPr>
+            <p:ph type="body" sz="quarter" idx="26"/>
+          </p:nvPr>
+        </p:nvSpPr>
+        <p:spPr/>
+        <p:txBody>
+          <a:bodyPr>
+            <a:normAutofit fontScale="85000" lnSpcReduction="20000"/>
+          </a:bodyPr>
+          <a:lstStyle/>
+          <a:p>
+            <a:r>
+              <a:rPr lang="en-US" dirty="0"/>
+              <a:t>Key difference – spectral decomposition clustering</a:t>
+            </a:r>
+            <a:endParaRPr lang="ru-RU" dirty="0"/>
+          </a:p>
+        </p:txBody>
+      </p:sp>
+      <p:pic>
+        <p:nvPicPr>
+          <p:cNvPr id="6146" name="Picture 2"/>
+          <p:cNvPicPr>
+            <a:picLocks noGrp="1" noChangeAspect="1" noChangeArrowheads="1"/>
+          </p:cNvPicPr>
+          <p:nvPr>
+            <p:ph type="pic" sz="quarter" idx="22"/>
+          </p:nvPr>
+        </p:nvPicPr>
+        <p:blipFill rotWithShape="1">
+          <a:blip r:embed="rId2">
+            <a:extLst>
+              <a:ext uri="{28A0092B-C50C-407E-A947-70E740481C1C}">
+                <a14:useLocalDpi xmlns:a14="http://schemas.microsoft.com/office/drawing/2010/main" val="0"/>
+              </a:ext>
+            </a:extLst>
+          </a:blip>
+          <a:srcRect l="3834" t="4202" r="3099" b="4079"/>
+          <a:stretch/>
+        </p:blipFill>
+        <p:spPr bwMode="auto">
+          <a:xfrm>
+            <a:off x="323528" y="1347614"/>
+            <a:ext cx="3340699" cy="2913798"/>
+          </a:xfrm>
+          <a:prstGeom prst="rect">
+            <a:avLst/>
+          </a:prstGeom>
+          <a:noFill/>
+          <a:ln>
+            <a:noFill/>
+          </a:ln>
+          <a:extLst>
+            <a:ext uri="{909E8E84-426E-40DD-AFC4-6F175D3DCCD1}">
+              <a14:hiddenFill xmlns:a14="http://schemas.microsoft.com/office/drawing/2010/main">
+                <a:solidFill>
+                  <a:schemeClr val="accent1"/>
+                </a:solidFill>
+              </a14:hiddenFill>
+            </a:ext>
+            <a:ext uri="{91240B29-F687-4F45-9708-019B960494DF}">
+              <a14:hiddenLine xmlns:a14="http://schemas.microsoft.com/office/drawing/2010/main" w="9525">
+                <a:solidFill>
+                  <a:schemeClr val="tx1"/>
+                </a:solidFill>
+                <a:miter lim="800000"/>
+                <a:headEnd/>
+                <a:tailEnd/>
+              </a14:hiddenLine>
+            </a:ext>
+          </a:extLst>
+        </p:spPr>
+      </p:pic>
+      <p:pic>
+        <p:nvPicPr>
+          <p:cNvPr id="6147" name="Picture 3"/>
+          <p:cNvPicPr>
+            <a:picLocks noGrp="1" noChangeAspect="1" noChangeArrowheads="1"/>
+          </p:cNvPicPr>
+          <p:nvPr>
+            <p:ph type="pic" sz="quarter" idx="20"/>
+          </p:nvPr>
+        </p:nvPicPr>
+        <p:blipFill rotWithShape="1">
+          <a:blip r:embed="rId3">
+            <a:extLst>
+              <a:ext uri="{28A0092B-C50C-407E-A947-70E740481C1C}">
+                <a14:useLocalDpi xmlns:a14="http://schemas.microsoft.com/office/drawing/2010/main" val="0"/>
+              </a:ext>
+            </a:extLst>
+          </a:blip>
+          <a:srcRect l="3694" t="8717" r="3872" b="8214"/>
+          <a:stretch/>
+        </p:blipFill>
+        <p:spPr bwMode="auto">
+          <a:xfrm>
+            <a:off x="3995936" y="915566"/>
+            <a:ext cx="4838131" cy="3847503"/>
+          </a:xfrm>
+          <a:prstGeom prst="rect">
+            <a:avLst/>
+          </a:prstGeom>
+          <a:noFill/>
+          <a:ln>
+            <a:noFill/>
+          </a:ln>
+          <a:extLst>
+            <a:ext uri="{909E8E84-426E-40DD-AFC4-6F175D3DCCD1}">
+              <a14:hiddenFill xmlns:a14="http://schemas.microsoft.com/office/drawing/2010/main">
+                <a:solidFill>
+                  <a:schemeClr val="accent1"/>
+                </a:solidFill>
+              </a14:hiddenFill>
+            </a:ext>
+            <a:ext uri="{91240B29-F687-4F45-9708-019B960494DF}">
+              <a14:hiddenLine xmlns:a14="http://schemas.microsoft.com/office/drawing/2010/main" w="9525">
+                <a:solidFill>
+                  <a:schemeClr val="tx1"/>
+                </a:solidFill>
+                <a:miter lim="800000"/>
+                <a:headEnd/>
+                <a:tailEnd/>
+              </a14:hiddenLine>
+            </a:ext>
+          </a:extLst>
+        </p:spPr>
+      </p:pic>
+    </p:spTree>
+    <p:extLst>
+      <p:ext uri="{BB962C8B-B14F-4D97-AF65-F5344CB8AC3E}">
+        <p14:creationId xmlns:p14="http://schemas.microsoft.com/office/powerpoint/2010/main" val="3238667899"/>
+      </p:ext>
+    </p:extLst>
+  </p:cSld>
+  <p:clrMapOvr>
+    <a:masterClrMapping/>
+  </p:clrMapOvr>
+  <p:timing>
+    <p:tnLst>
+      <p:par>
+        <p:cTn id="1" dur="indefinite" restart="never" nodeType="tmRoot"/>
+      </p:par>
+    </p:tnLst>
+  </p:timing>
+</p:sld>
+</file>
+
+<file path=ppt/slides/slide8.xml><?xml version="1.0" encoding="utf-8"?>
+<p:sld xmlns:a="http://schemas.openxmlformats.org/drawingml/2006/main" xmlns:r="http://schemas.openxmlformats.org/officeDocument/2006/relationships" xmlns:p="http://schemas.openxmlformats.org/presentationml/2006/main">
+  <p:cSld>
+    <p:spTree>
+      <p:nvGrpSpPr>
+        <p:cNvPr id="1" name=""/>
+        <p:cNvGrpSpPr/>
+        <p:nvPr/>
+      </p:nvGrpSpPr>
+      <p:grpSpPr>
+        <a:xfrm>
+          <a:off x="0" y="0"/>
+          <a:ext cx="0" cy="0"/>
+          <a:chOff x="0" y="0"/>
+          <a:chExt cx="0" cy="0"/>
+        </a:xfrm>
+      </p:grpSpPr>
+      <p:sp>
+        <p:nvSpPr>
+          <p:cNvPr id="8" name="Заголовок 7"/>
+          <p:cNvSpPr>
+            <a:spLocks noGrp="1"/>
+          </p:cNvSpPr>
+          <p:nvPr>
+            <p:ph type="ctrTitle"/>
+          </p:nvPr>
+        </p:nvSpPr>
+        <p:spPr/>
+        <p:txBody>
+          <a:bodyPr/>
+          <a:lstStyle/>
+          <a:p>
+            <a:endParaRPr lang="ru-RU"/>
+          </a:p>
+        </p:txBody>
+      </p:sp>
+      <p:sp>
+        <p:nvSpPr>
+          <p:cNvPr id="7" name="Текст 6"/>
+          <p:cNvSpPr>
+            <a:spLocks noGrp="1"/>
+          </p:cNvSpPr>
+          <p:nvPr>
+            <p:ph type="body" sz="quarter" idx="26"/>
+          </p:nvPr>
+        </p:nvSpPr>
+        <p:spPr/>
+        <p:txBody>
+          <a:bodyPr>
+            <a:normAutofit fontScale="85000" lnSpcReduction="20000"/>
+          </a:bodyPr>
+          <a:lstStyle/>
+          <a:p>
+            <a:r>
+              <a:rPr lang="en-US" dirty="0"/>
+              <a:t>Key difference – spectral decomposition clustering</a:t>
+            </a:r>
+            <a:endParaRPr lang="ru-RU" dirty="0"/>
+          </a:p>
+        </p:txBody>
+      </p:sp>
+      <p:pic>
+        <p:nvPicPr>
+          <p:cNvPr id="7173" name="Picture 5"/>
+          <p:cNvPicPr>
+            <a:picLocks noGrp="1" noChangeAspect="1" noChangeArrowheads="1"/>
+          </p:cNvPicPr>
+          <p:nvPr>
+            <p:ph type="pic" sz="quarter" idx="20"/>
+          </p:nvPr>
+        </p:nvPicPr>
+        <p:blipFill>
+          <a:blip r:embed="rId2">
+            <a:extLst>
+              <a:ext uri="{28A0092B-C50C-407E-A947-70E740481C1C}">
+                <a14:useLocalDpi xmlns:a14="http://schemas.microsoft.com/office/drawing/2010/main" val="0"/>
+              </a:ext>
+            </a:extLst>
+          </a:blip>
+          <a:srcRect t="2211" b="2211"/>
+          <a:stretch>
+            <a:fillRect/>
+          </a:stretch>
+        </p:blipFill>
+        <p:spPr bwMode="auto">
+          <a:prstGeom prst="rect">
+            <a:avLst/>
+          </a:prstGeom>
+          <a:noFill/>
+          <a:ln>
+            <a:noFill/>
+          </a:ln>
+          <a:extLst>
+            <a:ext uri="{909E8E84-426E-40DD-AFC4-6F175D3DCCD1}">
+              <a14:hiddenFill xmlns:a14="http://schemas.microsoft.com/office/drawing/2010/main">
+                <a:solidFill>
+                  <a:schemeClr val="accent1"/>
+                </a:solidFill>
+              </a14:hiddenFill>
+            </a:ext>
+            <a:ext uri="{91240B29-F687-4F45-9708-019B960494DF}">
+              <a14:hiddenLine xmlns:a14="http://schemas.microsoft.com/office/drawing/2010/main" w="9525">
+                <a:solidFill>
+                  <a:schemeClr val="tx1"/>
+                </a:solidFill>
+                <a:miter lim="800000"/>
+                <a:headEnd/>
+                <a:tailEnd/>
+              </a14:hiddenLine>
+            </a:ext>
+          </a:extLst>
+        </p:spPr>
+      </p:pic>
+      <p:pic>
+        <p:nvPicPr>
+          <p:cNvPr id="7174" name="Picture 6"/>
+          <p:cNvPicPr>
+            <a:picLocks noGrp="1" noChangeAspect="1" noChangeArrowheads="1"/>
+          </p:cNvPicPr>
+          <p:nvPr>
+            <p:ph type="pic" sz="quarter" idx="22"/>
+          </p:nvPr>
+        </p:nvPicPr>
+        <p:blipFill>
+          <a:blip r:embed="rId3">
+            <a:extLst>
+              <a:ext uri="{28A0092B-C50C-407E-A947-70E740481C1C}">
+                <a14:useLocalDpi xmlns:a14="http://schemas.microsoft.com/office/drawing/2010/main" val="0"/>
+              </a:ext>
+            </a:extLst>
+          </a:blip>
+          <a:srcRect t="1433" b="1433"/>
+          <a:stretch>
+            <a:fillRect/>
+          </a:stretch>
+        </p:blipFill>
+        <p:spPr bwMode="auto">
+          <a:prstGeom prst="rect">
+            <a:avLst/>
+          </a:prstGeom>
+          <a:noFill/>
+          <a:ln>
+            <a:noFill/>
+          </a:ln>
+          <a:extLst>
+            <a:ext uri="{909E8E84-426E-40DD-AFC4-6F175D3DCCD1}">
+              <a14:hiddenFill xmlns:a14="http://schemas.microsoft.com/office/drawing/2010/main">
+                <a:solidFill>
+                  <a:schemeClr val="accent1"/>
+                </a:solidFill>
+              </a14:hiddenFill>
+            </a:ext>
+            <a:ext uri="{91240B29-F687-4F45-9708-019B960494DF}">
+              <a14:hiddenLine xmlns:a14="http://schemas.microsoft.com/office/drawing/2010/main" w="9525">
+                <a:solidFill>
+                  <a:schemeClr val="tx1"/>
+                </a:solidFill>
+                <a:miter lim="800000"/>
+                <a:headEnd/>
+                <a:tailEnd/>
+              </a14:hiddenLine>
+            </a:ext>
+          </a:extLst>
+        </p:spPr>
+      </p:pic>
+    </p:spTree>
+    <p:extLst>
+      <p:ext uri="{BB962C8B-B14F-4D97-AF65-F5344CB8AC3E}">
+        <p14:creationId xmlns:p14="http://schemas.microsoft.com/office/powerpoint/2010/main" val="767511466"/>
+      </p:ext>
+    </p:extLst>
+  </p:cSld>
+  <p:clrMapOvr>
+    <a:masterClrMapping/>
+  </p:clrMapOvr>
+  <p:timing>
+    <p:tnLst>
+      <p:par>
+        <p:cTn id="1" dur="indefinite" restart="never" nodeType="tmRoot"/>
+      </p:par>
+    </p:tnLst>
+  </p:timing>
+</p:sld>
+</file>
+
+<file path=ppt/slides/slide9.xml><?xml version="1.0" encoding="utf-8"?>
+<p:sld xmlns:a="http://schemas.openxmlformats.org/drawingml/2006/main" xmlns:r="http://schemas.openxmlformats.org/officeDocument/2006/relationships" xmlns:p="http://schemas.openxmlformats.org/presentationml/2006/main">
+  <p:cSld>
+    <p:spTree>
+      <p:nvGrpSpPr>
+        <p:cNvPr id="1" name=""/>
+        <p:cNvGrpSpPr/>
+        <p:nvPr/>
+      </p:nvGrpSpPr>
+      <p:grpSpPr>
+        <a:xfrm>
+          <a:off x="0" y="0"/>
+          <a:ext cx="0" cy="0"/>
+          <a:chOff x="0" y="0"/>
+          <a:chExt cx="0" cy="0"/>
+        </a:xfrm>
+      </p:grpSpPr>
+      <p:sp>
+        <p:nvSpPr>
+          <p:cNvPr id="8" name="Заголовок 7"/>
+          <p:cNvSpPr>
+            <a:spLocks noGrp="1"/>
+          </p:cNvSpPr>
+          <p:nvPr>
+            <p:ph type="ctrTitle"/>
+          </p:nvPr>
+        </p:nvSpPr>
+        <p:spPr/>
+        <p:txBody>
+          <a:bodyPr/>
+          <a:lstStyle/>
+          <a:p>
+            <a:endParaRPr lang="ru-RU"/>
+          </a:p>
+        </p:txBody>
+      </p:sp>
+      <p:sp>
+        <p:nvSpPr>
+          <p:cNvPr id="7" name="Текст 6"/>
+          <p:cNvSpPr>
+            <a:spLocks noGrp="1"/>
+          </p:cNvSpPr>
+          <p:nvPr>
+            <p:ph type="body" sz="quarter" idx="26"/>
+          </p:nvPr>
+        </p:nvSpPr>
+        <p:spPr/>
+        <p:txBody>
+          <a:bodyPr>
+            <a:normAutofit fontScale="85000" lnSpcReduction="20000"/>
+          </a:bodyPr>
+          <a:lstStyle/>
+          <a:p>
+            <a:r>
+              <a:rPr lang="en-US" dirty="0"/>
+              <a:t>Key difference – spectral decomposition clustering</a:t>
+            </a:r>
+            <a:endParaRPr lang="ru-RU" dirty="0"/>
+          </a:p>
+        </p:txBody>
+      </p:sp>
+      <p:pic>
+        <p:nvPicPr>
+          <p:cNvPr id="22531" name="Picture 3"/>
+          <p:cNvPicPr>
+            <a:picLocks noGrp="1" noChangeAspect="1" noChangeArrowheads="1"/>
+          </p:cNvPicPr>
+          <p:nvPr>
+            <p:ph type="pic" sz="quarter" idx="20"/>
+          </p:nvPr>
+        </p:nvPicPr>
+        <p:blipFill>
+          <a:blip r:embed="rId2">
+            <a:extLst>
+              <a:ext uri="{28A0092B-C50C-407E-A947-70E740481C1C}">
+                <a14:useLocalDpi xmlns:a14="http://schemas.microsoft.com/office/drawing/2010/main" val="0"/>
+              </a:ext>
+            </a:extLst>
+          </a:blip>
+          <a:srcRect t="2211" b="2211"/>
+          <a:stretch>
+            <a:fillRect/>
+          </a:stretch>
+        </p:blipFill>
+        <p:spPr bwMode="auto">
+          <a:prstGeom prst="rect">
+            <a:avLst/>
+          </a:prstGeom>
+          <a:noFill/>
+          <a:ln>
+            <a:noFill/>
+          </a:ln>
+          <a:extLst>
+            <a:ext uri="{909E8E84-426E-40DD-AFC4-6F175D3DCCD1}">
+              <a14:hiddenFill xmlns:a14="http://schemas.microsoft.com/office/drawing/2010/main">
+                <a:solidFill>
+                  <a:schemeClr val="accent1"/>
+                </a:solidFill>
+              </a14:hiddenFill>
+            </a:ext>
+            <a:ext uri="{91240B29-F687-4F45-9708-019B960494DF}">
+              <a14:hiddenLine xmlns:a14="http://schemas.microsoft.com/office/drawing/2010/main" w="9525">
+                <a:solidFill>
+                  <a:schemeClr val="tx1"/>
+                </a:solidFill>
+                <a:miter lim="800000"/>
+                <a:headEnd/>
+                <a:tailEnd/>
+              </a14:hiddenLine>
+            </a:ext>
+          </a:extLst>
+        </p:spPr>
+      </p:pic>
+      <p:pic>
+        <p:nvPicPr>
+          <p:cNvPr id="22532" name="Picture 4"/>
+          <p:cNvPicPr>
+            <a:picLocks noGrp="1" noChangeAspect="1" noChangeArrowheads="1"/>
+          </p:cNvPicPr>
+          <p:nvPr>
+            <p:ph type="pic" sz="quarter" idx="22"/>
+          </p:nvPr>
+        </p:nvPicPr>
+        <p:blipFill>
+          <a:blip r:embed="rId3">
+            <a:extLst>
+              <a:ext uri="{28A0092B-C50C-407E-A947-70E740481C1C}">
+                <a14:useLocalDpi xmlns:a14="http://schemas.microsoft.com/office/drawing/2010/main" val="0"/>
+              </a:ext>
+            </a:extLst>
+          </a:blip>
+          <a:srcRect t="1433" b="1433"/>
+          <a:stretch>
+            <a:fillRect/>
+          </a:stretch>
+        </p:blipFill>
+        <p:spPr bwMode="auto">
+          <a:prstGeom prst="rect">
+            <a:avLst/>
+          </a:prstGeom>
+          <a:noFill/>
+          <a:ln>
+            <a:noFill/>
+          </a:ln>
+          <a:extLst>
+            <a:ext uri="{909E8E84-426E-40DD-AFC4-6F175D3DCCD1}">
+              <a14:hiddenFill xmlns:a14="http://schemas.microsoft.com/office/drawing/2010/main">
+                <a:solidFill>
+                  <a:schemeClr val="accent1"/>
+                </a:solidFill>
+              </a14:hiddenFill>
+            </a:ext>
+            <a:ext uri="{91240B29-F687-4F45-9708-019B960494DF}">
+              <a14:hiddenLine xmlns:a14="http://schemas.microsoft.com/office/drawing/2010/main" w="9525">
+                <a:solidFill>
+                  <a:schemeClr val="tx1"/>
+                </a:solidFill>
+                <a:miter lim="800000"/>
+                <a:headEnd/>
+                <a:tailEnd/>
+              </a14:hiddenLine>
+            </a:ext>
+          </a:extLst>
+        </p:spPr>
+      </p:pic>
+    </p:spTree>
+    <p:extLst>
+      <p:ext uri="{BB962C8B-B14F-4D97-AF65-F5344CB8AC3E}">
+        <p14:creationId xmlns:p14="http://schemas.microsoft.com/office/powerpoint/2010/main" val="2664622860"/>
+      </p:ext>
+    </p:extLst>
+  </p:cSld>
+  <p:clrMapOvr>
+    <a:masterClrMapping/>
+  </p:clrMapOvr>
+  <p:timing>
+    <p:tnLst>
+      <p:par>
+        <p:cTn id="1" dur="indefinite" restart="never" nodeType="tmRoot"/>
+      </p:par>
+    </p:tnLst>
+  </p:timing>
 </p:sld>
 </file>
 
